--- a/论文图/NLIapproach.pptx
+++ b/论文图/NLIapproach.pptx
@@ -289,7 +289,7 @@
             <a:fld id="{530820CF-B880-4189-942D-D702A7CBA730}" type="datetimeFigureOut">
               <a:rPr lang="zh-CN" altLang="en-US" smtClean="0"/>
               <a:pPr/>
-              <a:t>2018/11/14</a:t>
+              <a:t>2018/11/19</a:t>
             </a:fld>
             <a:endParaRPr lang="zh-CN" altLang="en-US"/>
           </a:p>
@@ -456,7 +456,7 @@
             <a:fld id="{530820CF-B880-4189-942D-D702A7CBA730}" type="datetimeFigureOut">
               <a:rPr lang="zh-CN" altLang="en-US" smtClean="0"/>
               <a:pPr/>
-              <a:t>2018/11/14</a:t>
+              <a:t>2018/11/19</a:t>
             </a:fld>
             <a:endParaRPr lang="zh-CN" altLang="en-US"/>
           </a:p>
@@ -633,7 +633,7 @@
             <a:fld id="{530820CF-B880-4189-942D-D702A7CBA730}" type="datetimeFigureOut">
               <a:rPr lang="zh-CN" altLang="en-US" smtClean="0"/>
               <a:pPr/>
-              <a:t>2018/11/14</a:t>
+              <a:t>2018/11/19</a:t>
             </a:fld>
             <a:endParaRPr lang="zh-CN" altLang="en-US"/>
           </a:p>
@@ -800,7 +800,7 @@
             <a:fld id="{530820CF-B880-4189-942D-D702A7CBA730}" type="datetimeFigureOut">
               <a:rPr lang="zh-CN" altLang="en-US" smtClean="0"/>
               <a:pPr/>
-              <a:t>2018/11/14</a:t>
+              <a:t>2018/11/19</a:t>
             </a:fld>
             <a:endParaRPr lang="zh-CN" altLang="en-US"/>
           </a:p>
@@ -1043,7 +1043,7 @@
             <a:fld id="{530820CF-B880-4189-942D-D702A7CBA730}" type="datetimeFigureOut">
               <a:rPr lang="zh-CN" altLang="en-US" smtClean="0"/>
               <a:pPr/>
-              <a:t>2018/11/14</a:t>
+              <a:t>2018/11/19</a:t>
             </a:fld>
             <a:endParaRPr lang="zh-CN" altLang="en-US"/>
           </a:p>
@@ -1328,7 +1328,7 @@
             <a:fld id="{530820CF-B880-4189-942D-D702A7CBA730}" type="datetimeFigureOut">
               <a:rPr lang="zh-CN" altLang="en-US" smtClean="0"/>
               <a:pPr/>
-              <a:t>2018/11/14</a:t>
+              <a:t>2018/11/19</a:t>
             </a:fld>
             <a:endParaRPr lang="zh-CN" altLang="en-US"/>
           </a:p>
@@ -1747,7 +1747,7 @@
             <a:fld id="{530820CF-B880-4189-942D-D702A7CBA730}" type="datetimeFigureOut">
               <a:rPr lang="zh-CN" altLang="en-US" smtClean="0"/>
               <a:pPr/>
-              <a:t>2018/11/14</a:t>
+              <a:t>2018/11/19</a:t>
             </a:fld>
             <a:endParaRPr lang="zh-CN" altLang="en-US"/>
           </a:p>
@@ -1862,7 +1862,7 @@
             <a:fld id="{530820CF-B880-4189-942D-D702A7CBA730}" type="datetimeFigureOut">
               <a:rPr lang="zh-CN" altLang="en-US" smtClean="0"/>
               <a:pPr/>
-              <a:t>2018/11/14</a:t>
+              <a:t>2018/11/19</a:t>
             </a:fld>
             <a:endParaRPr lang="zh-CN" altLang="en-US"/>
           </a:p>
@@ -1954,7 +1954,7 @@
             <a:fld id="{530820CF-B880-4189-942D-D702A7CBA730}" type="datetimeFigureOut">
               <a:rPr lang="zh-CN" altLang="en-US" smtClean="0"/>
               <a:pPr/>
-              <a:t>2018/11/14</a:t>
+              <a:t>2018/11/19</a:t>
             </a:fld>
             <a:endParaRPr lang="zh-CN" altLang="en-US"/>
           </a:p>
@@ -2228,7 +2228,7 @@
             <a:fld id="{530820CF-B880-4189-942D-D702A7CBA730}" type="datetimeFigureOut">
               <a:rPr lang="zh-CN" altLang="en-US" smtClean="0"/>
               <a:pPr/>
-              <a:t>2018/11/14</a:t>
+              <a:t>2018/11/19</a:t>
             </a:fld>
             <a:endParaRPr lang="zh-CN" altLang="en-US"/>
           </a:p>
@@ -2478,7 +2478,7 @@
             <a:fld id="{530820CF-B880-4189-942D-D702A7CBA730}" type="datetimeFigureOut">
               <a:rPr lang="zh-CN" altLang="en-US" smtClean="0"/>
               <a:pPr/>
-              <a:t>2018/11/14</a:t>
+              <a:t>2018/11/19</a:t>
             </a:fld>
             <a:endParaRPr lang="zh-CN" altLang="en-US"/>
           </a:p>
@@ -2688,7 +2688,7 @@
             <a:fld id="{530820CF-B880-4189-942D-D702A7CBA730}" type="datetimeFigureOut">
               <a:rPr lang="zh-CN" altLang="en-US" smtClean="0"/>
               <a:pPr/>
-              <a:t>2018/11/14</a:t>
+              <a:t>2018/11/19</a:t>
             </a:fld>
             <a:endParaRPr lang="zh-CN" altLang="en-US"/>
           </a:p>
@@ -3364,11 +3364,6 @@
               </a:rPr>
               <a:t>对话器交互</a:t>
             </a:r>
-            <a:endParaRPr lang="zh-CN" altLang="en-US" dirty="0" smtClean="0">
-              <a:solidFill>
-                <a:schemeClr val="tx1"/>
-              </a:solidFill>
-            </a:endParaRPr>
           </a:p>
         </p:txBody>
       </p:sp>
@@ -3768,7 +3763,6 @@
               <a:rPr lang="zh-CN" altLang="en-US" dirty="0" smtClean="0"/>
               <a:t>自然语言</a:t>
             </a:r>
-            <a:endParaRPr lang="zh-CN" altLang="en-US" dirty="0" smtClean="0"/>
           </a:p>
         </p:txBody>
       </p:sp>
@@ -3951,17 +3945,12 @@
             <a:pPr algn="ctr"/>
             <a:r>
               <a:rPr lang="en-US" altLang="zh-CN" dirty="0" smtClean="0"/>
-              <a:t>2</a:t>
-            </a:r>
-            <a:r>
-              <a:rPr lang="en-US" altLang="zh-CN" dirty="0" smtClean="0"/>
-              <a:t>.</a:t>
+              <a:t>2.</a:t>
             </a:r>
             <a:r>
               <a:rPr lang="zh-CN" altLang="en-US" dirty="0" smtClean="0"/>
               <a:t>交互信息</a:t>
             </a:r>
-            <a:endParaRPr lang="zh-CN" altLang="en-US" dirty="0" smtClean="0"/>
           </a:p>
         </p:txBody>
       </p:sp>

--- a/论文图/NLIapproach.pptx
+++ b/论文图/NLIapproach.pptx
@@ -4,10 +4,13 @@
   <p:sldMasterIdLst>
     <p:sldMasterId id="2147483648" r:id="rId1"/>
   </p:sldMasterIdLst>
+  <p:notesMasterIdLst>
+    <p:notesMasterId r:id="rId3"/>
+  </p:notesMasterIdLst>
   <p:sldIdLst>
     <p:sldId id="256" r:id="rId2"/>
   </p:sldIdLst>
-  <p:sldSz cx="9144000" cy="6858000" type="screen4x3"/>
+  <p:sldSz cx="12190413" cy="6858000"/>
   <p:notesSz cx="6858000" cy="9144000"/>
   <p:defaultTextStyle>
     <a:defPPr>
@@ -107,6 +110,434 @@
 </p:presentation>
 </file>
 
+<file path=ppt/notesMasters/notesMaster1.xml><?xml version="1.0" encoding="utf-8"?>
+<p:notesMaster xmlns:a="http://schemas.openxmlformats.org/drawingml/2006/main" xmlns:r="http://schemas.openxmlformats.org/officeDocument/2006/relationships" xmlns:p="http://schemas.openxmlformats.org/presentationml/2006/main">
+  <p:cSld>
+    <p:bg>
+      <p:bgRef idx="1001">
+        <a:schemeClr val="bg1"/>
+      </p:bgRef>
+    </p:bg>
+    <p:spTree>
+      <p:nvGrpSpPr>
+        <p:cNvPr id="1" name=""/>
+        <p:cNvGrpSpPr/>
+        <p:nvPr/>
+      </p:nvGrpSpPr>
+      <p:grpSpPr>
+        <a:xfrm>
+          <a:off x="0" y="0"/>
+          <a:ext cx="0" cy="0"/>
+          <a:chOff x="0" y="0"/>
+          <a:chExt cx="0" cy="0"/>
+        </a:xfrm>
+      </p:grpSpPr>
+      <p:sp>
+        <p:nvSpPr>
+          <p:cNvPr id="2" name="页眉占位符 1"/>
+          <p:cNvSpPr>
+            <a:spLocks noGrp="1"/>
+          </p:cNvSpPr>
+          <p:nvPr>
+            <p:ph type="hdr" sz="quarter"/>
+          </p:nvPr>
+        </p:nvSpPr>
+        <p:spPr>
+          <a:xfrm>
+            <a:off x="0" y="0"/>
+            <a:ext cx="2971800" cy="457200"/>
+          </a:xfrm>
+          <a:prstGeom prst="rect">
+            <a:avLst/>
+          </a:prstGeom>
+        </p:spPr>
+        <p:txBody>
+          <a:bodyPr vert="horz" lIns="91440" tIns="45720" rIns="91440" bIns="45720" rtlCol="0"/>
+          <a:lstStyle>
+            <a:lvl1pPr algn="l">
+              <a:defRPr sz="1200"/>
+            </a:lvl1pPr>
+          </a:lstStyle>
+          <a:p>
+            <a:endParaRPr lang="zh-CN" altLang="en-US"/>
+          </a:p>
+        </p:txBody>
+      </p:sp>
+      <p:sp>
+        <p:nvSpPr>
+          <p:cNvPr id="3" name="日期占位符 2"/>
+          <p:cNvSpPr>
+            <a:spLocks noGrp="1"/>
+          </p:cNvSpPr>
+          <p:nvPr>
+            <p:ph type="dt" idx="1"/>
+          </p:nvPr>
+        </p:nvSpPr>
+        <p:spPr>
+          <a:xfrm>
+            <a:off x="3884613" y="0"/>
+            <a:ext cx="2971800" cy="457200"/>
+          </a:xfrm>
+          <a:prstGeom prst="rect">
+            <a:avLst/>
+          </a:prstGeom>
+        </p:spPr>
+        <p:txBody>
+          <a:bodyPr vert="horz" lIns="91440" tIns="45720" rIns="91440" bIns="45720" rtlCol="0"/>
+          <a:lstStyle>
+            <a:lvl1pPr algn="r">
+              <a:defRPr sz="1200"/>
+            </a:lvl1pPr>
+          </a:lstStyle>
+          <a:p>
+            <a:fld id="{D04D0CED-5A2B-4F71-B513-5D9B98A9A22B}" type="datetimeFigureOut">
+              <a:rPr lang="zh-CN" altLang="en-US" smtClean="0"/>
+              <a:t>2018/11/28</a:t>
+            </a:fld>
+            <a:endParaRPr lang="zh-CN" altLang="en-US"/>
+          </a:p>
+        </p:txBody>
+      </p:sp>
+      <p:sp>
+        <p:nvSpPr>
+          <p:cNvPr id="4" name="幻灯片图像占位符 3"/>
+          <p:cNvSpPr>
+            <a:spLocks noGrp="1" noRot="1" noChangeAspect="1"/>
+          </p:cNvSpPr>
+          <p:nvPr>
+            <p:ph type="sldImg" idx="2"/>
+          </p:nvPr>
+        </p:nvSpPr>
+        <p:spPr>
+          <a:xfrm>
+            <a:off x="382588" y="685800"/>
+            <a:ext cx="6092825" cy="3429000"/>
+          </a:xfrm>
+          <a:prstGeom prst="rect">
+            <a:avLst/>
+          </a:prstGeom>
+          <a:noFill/>
+          <a:ln w="12700">
+            <a:solidFill>
+              <a:prstClr val="black"/>
+            </a:solidFill>
+          </a:ln>
+        </p:spPr>
+        <p:txBody>
+          <a:bodyPr vert="horz" lIns="91440" tIns="45720" rIns="91440" bIns="45720" rtlCol="0" anchor="ctr"/>
+          <a:lstStyle/>
+          <a:p>
+            <a:endParaRPr lang="zh-CN" altLang="en-US"/>
+          </a:p>
+        </p:txBody>
+      </p:sp>
+      <p:sp>
+        <p:nvSpPr>
+          <p:cNvPr id="5" name="备注占位符 4"/>
+          <p:cNvSpPr>
+            <a:spLocks noGrp="1"/>
+          </p:cNvSpPr>
+          <p:nvPr>
+            <p:ph type="body" sz="quarter" idx="3"/>
+          </p:nvPr>
+        </p:nvSpPr>
+        <p:spPr>
+          <a:xfrm>
+            <a:off x="685800" y="4343400"/>
+            <a:ext cx="5486400" cy="4114800"/>
+          </a:xfrm>
+          <a:prstGeom prst="rect">
+            <a:avLst/>
+          </a:prstGeom>
+        </p:spPr>
+        <p:txBody>
+          <a:bodyPr vert="horz" lIns="91440" tIns="45720" rIns="91440" bIns="45720" rtlCol="0">
+            <a:normAutofit/>
+          </a:bodyPr>
+          <a:lstStyle/>
+          <a:p>
+            <a:pPr lvl="0"/>
+            <a:r>
+              <a:rPr lang="zh-CN" altLang="en-US" smtClean="0"/>
+              <a:t>单击此处编辑母版文本样式</a:t>
+            </a:r>
+          </a:p>
+          <a:p>
+            <a:pPr lvl="1"/>
+            <a:r>
+              <a:rPr lang="zh-CN" altLang="en-US" smtClean="0"/>
+              <a:t>第二级</a:t>
+            </a:r>
+          </a:p>
+          <a:p>
+            <a:pPr lvl="2"/>
+            <a:r>
+              <a:rPr lang="zh-CN" altLang="en-US" smtClean="0"/>
+              <a:t>第三级</a:t>
+            </a:r>
+          </a:p>
+          <a:p>
+            <a:pPr lvl="3"/>
+            <a:r>
+              <a:rPr lang="zh-CN" altLang="en-US" smtClean="0"/>
+              <a:t>第四级</a:t>
+            </a:r>
+          </a:p>
+          <a:p>
+            <a:pPr lvl="4"/>
+            <a:r>
+              <a:rPr lang="zh-CN" altLang="en-US" smtClean="0"/>
+              <a:t>第五级</a:t>
+            </a:r>
+            <a:endParaRPr lang="zh-CN" altLang="en-US"/>
+          </a:p>
+        </p:txBody>
+      </p:sp>
+      <p:sp>
+        <p:nvSpPr>
+          <p:cNvPr id="6" name="页脚占位符 5"/>
+          <p:cNvSpPr>
+            <a:spLocks noGrp="1"/>
+          </p:cNvSpPr>
+          <p:nvPr>
+            <p:ph type="ftr" sz="quarter" idx="4"/>
+          </p:nvPr>
+        </p:nvSpPr>
+        <p:spPr>
+          <a:xfrm>
+            <a:off x="0" y="8685213"/>
+            <a:ext cx="2971800" cy="457200"/>
+          </a:xfrm>
+          <a:prstGeom prst="rect">
+            <a:avLst/>
+          </a:prstGeom>
+        </p:spPr>
+        <p:txBody>
+          <a:bodyPr vert="horz" lIns="91440" tIns="45720" rIns="91440" bIns="45720" rtlCol="0" anchor="b"/>
+          <a:lstStyle>
+            <a:lvl1pPr algn="l">
+              <a:defRPr sz="1200"/>
+            </a:lvl1pPr>
+          </a:lstStyle>
+          <a:p>
+            <a:endParaRPr lang="zh-CN" altLang="en-US"/>
+          </a:p>
+        </p:txBody>
+      </p:sp>
+      <p:sp>
+        <p:nvSpPr>
+          <p:cNvPr id="7" name="灯片编号占位符 6"/>
+          <p:cNvSpPr>
+            <a:spLocks noGrp="1"/>
+          </p:cNvSpPr>
+          <p:nvPr>
+            <p:ph type="sldNum" sz="quarter" idx="5"/>
+          </p:nvPr>
+        </p:nvSpPr>
+        <p:spPr>
+          <a:xfrm>
+            <a:off x="3884613" y="8685213"/>
+            <a:ext cx="2971800" cy="457200"/>
+          </a:xfrm>
+          <a:prstGeom prst="rect">
+            <a:avLst/>
+          </a:prstGeom>
+        </p:spPr>
+        <p:txBody>
+          <a:bodyPr vert="horz" lIns="91440" tIns="45720" rIns="91440" bIns="45720" rtlCol="0" anchor="b"/>
+          <a:lstStyle>
+            <a:lvl1pPr algn="r">
+              <a:defRPr sz="1200"/>
+            </a:lvl1pPr>
+          </a:lstStyle>
+          <a:p>
+            <a:fld id="{B3597658-B7C1-48E5-82FE-A6210630345B}" type="slidenum">
+              <a:rPr lang="zh-CN" altLang="en-US" smtClean="0"/>
+              <a:t>‹#›</a:t>
+            </a:fld>
+            <a:endParaRPr lang="zh-CN" altLang="en-US"/>
+          </a:p>
+        </p:txBody>
+      </p:sp>
+    </p:spTree>
+  </p:cSld>
+  <p:clrMap bg1="lt1" tx1="dk1" bg2="lt2" tx2="dk2" accent1="accent1" accent2="accent2" accent3="accent3" accent4="accent4" accent5="accent5" accent6="accent6" hlink="hlink" folHlink="folHlink"/>
+  <p:notesStyle>
+    <a:lvl1pPr marL="0" algn="l" defTabSz="914400" rtl="0" eaLnBrk="1" latinLnBrk="0" hangingPunct="1">
+      <a:defRPr sz="1200" kern="1200">
+        <a:solidFill>
+          <a:schemeClr val="tx1"/>
+        </a:solidFill>
+        <a:latin typeface="+mn-lt"/>
+        <a:ea typeface="+mn-ea"/>
+        <a:cs typeface="+mn-cs"/>
+      </a:defRPr>
+    </a:lvl1pPr>
+    <a:lvl2pPr marL="457200" algn="l" defTabSz="914400" rtl="0" eaLnBrk="1" latinLnBrk="0" hangingPunct="1">
+      <a:defRPr sz="1200" kern="1200">
+        <a:solidFill>
+          <a:schemeClr val="tx1"/>
+        </a:solidFill>
+        <a:latin typeface="+mn-lt"/>
+        <a:ea typeface="+mn-ea"/>
+        <a:cs typeface="+mn-cs"/>
+      </a:defRPr>
+    </a:lvl2pPr>
+    <a:lvl3pPr marL="914400" algn="l" defTabSz="914400" rtl="0" eaLnBrk="1" latinLnBrk="0" hangingPunct="1">
+      <a:defRPr sz="1200" kern="1200">
+        <a:solidFill>
+          <a:schemeClr val="tx1"/>
+        </a:solidFill>
+        <a:latin typeface="+mn-lt"/>
+        <a:ea typeface="+mn-ea"/>
+        <a:cs typeface="+mn-cs"/>
+      </a:defRPr>
+    </a:lvl3pPr>
+    <a:lvl4pPr marL="1371600" algn="l" defTabSz="914400" rtl="0" eaLnBrk="1" latinLnBrk="0" hangingPunct="1">
+      <a:defRPr sz="1200" kern="1200">
+        <a:solidFill>
+          <a:schemeClr val="tx1"/>
+        </a:solidFill>
+        <a:latin typeface="+mn-lt"/>
+        <a:ea typeface="+mn-ea"/>
+        <a:cs typeface="+mn-cs"/>
+      </a:defRPr>
+    </a:lvl4pPr>
+    <a:lvl5pPr marL="1828800" algn="l" defTabSz="914400" rtl="0" eaLnBrk="1" latinLnBrk="0" hangingPunct="1">
+      <a:defRPr sz="1200" kern="1200">
+        <a:solidFill>
+          <a:schemeClr val="tx1"/>
+        </a:solidFill>
+        <a:latin typeface="+mn-lt"/>
+        <a:ea typeface="+mn-ea"/>
+        <a:cs typeface="+mn-cs"/>
+      </a:defRPr>
+    </a:lvl5pPr>
+    <a:lvl6pPr marL="2286000" algn="l" defTabSz="914400" rtl="0" eaLnBrk="1" latinLnBrk="0" hangingPunct="1">
+      <a:defRPr sz="1200" kern="1200">
+        <a:solidFill>
+          <a:schemeClr val="tx1"/>
+        </a:solidFill>
+        <a:latin typeface="+mn-lt"/>
+        <a:ea typeface="+mn-ea"/>
+        <a:cs typeface="+mn-cs"/>
+      </a:defRPr>
+    </a:lvl6pPr>
+    <a:lvl7pPr marL="2743200" algn="l" defTabSz="914400" rtl="0" eaLnBrk="1" latinLnBrk="0" hangingPunct="1">
+      <a:defRPr sz="1200" kern="1200">
+        <a:solidFill>
+          <a:schemeClr val="tx1"/>
+        </a:solidFill>
+        <a:latin typeface="+mn-lt"/>
+        <a:ea typeface="+mn-ea"/>
+        <a:cs typeface="+mn-cs"/>
+      </a:defRPr>
+    </a:lvl7pPr>
+    <a:lvl8pPr marL="3200400" algn="l" defTabSz="914400" rtl="0" eaLnBrk="1" latinLnBrk="0" hangingPunct="1">
+      <a:defRPr sz="1200" kern="1200">
+        <a:solidFill>
+          <a:schemeClr val="tx1"/>
+        </a:solidFill>
+        <a:latin typeface="+mn-lt"/>
+        <a:ea typeface="+mn-ea"/>
+        <a:cs typeface="+mn-cs"/>
+      </a:defRPr>
+    </a:lvl8pPr>
+    <a:lvl9pPr marL="3657600" algn="l" defTabSz="914400" rtl="0" eaLnBrk="1" latinLnBrk="0" hangingPunct="1">
+      <a:defRPr sz="1200" kern="1200">
+        <a:solidFill>
+          <a:schemeClr val="tx1"/>
+        </a:solidFill>
+        <a:latin typeface="+mn-lt"/>
+        <a:ea typeface="+mn-ea"/>
+        <a:cs typeface="+mn-cs"/>
+      </a:defRPr>
+    </a:lvl9pPr>
+  </p:notesStyle>
+</p:notesMaster>
+</file>
+
+<file path=ppt/notesSlides/notesSlide1.xml><?xml version="1.0" encoding="utf-8"?>
+<p:notes xmlns:a="http://schemas.openxmlformats.org/drawingml/2006/main" xmlns:r="http://schemas.openxmlformats.org/officeDocument/2006/relationships" xmlns:p="http://schemas.openxmlformats.org/presentationml/2006/main">
+  <p:cSld>
+    <p:spTree>
+      <p:nvGrpSpPr>
+        <p:cNvPr id="1" name=""/>
+        <p:cNvGrpSpPr/>
+        <p:nvPr/>
+      </p:nvGrpSpPr>
+      <p:grpSpPr>
+        <a:xfrm>
+          <a:off x="0" y="0"/>
+          <a:ext cx="0" cy="0"/>
+          <a:chOff x="0" y="0"/>
+          <a:chExt cx="0" cy="0"/>
+        </a:xfrm>
+      </p:grpSpPr>
+      <p:sp>
+        <p:nvSpPr>
+          <p:cNvPr id="2" name="幻灯片图像占位符 1"/>
+          <p:cNvSpPr>
+            <a:spLocks noGrp="1" noRot="1" noChangeAspect="1"/>
+          </p:cNvSpPr>
+          <p:nvPr>
+            <p:ph type="sldImg"/>
+          </p:nvPr>
+        </p:nvSpPr>
+        <p:spPr/>
+      </p:sp>
+      <p:sp>
+        <p:nvSpPr>
+          <p:cNvPr id="3" name="备注占位符 2"/>
+          <p:cNvSpPr>
+            <a:spLocks noGrp="1"/>
+          </p:cNvSpPr>
+          <p:nvPr>
+            <p:ph type="body" idx="1"/>
+          </p:nvPr>
+        </p:nvSpPr>
+        <p:spPr/>
+        <p:txBody>
+          <a:bodyPr>
+            <a:normAutofit/>
+          </a:bodyPr>
+          <a:lstStyle/>
+          <a:p>
+            <a:endParaRPr lang="zh-CN" altLang="en-US" dirty="0"/>
+          </a:p>
+        </p:txBody>
+      </p:sp>
+      <p:sp>
+        <p:nvSpPr>
+          <p:cNvPr id="4" name="灯片编号占位符 3"/>
+          <p:cNvSpPr>
+            <a:spLocks noGrp="1"/>
+          </p:cNvSpPr>
+          <p:nvPr>
+            <p:ph type="sldNum" sz="quarter" idx="10"/>
+          </p:nvPr>
+        </p:nvSpPr>
+        <p:spPr/>
+        <p:txBody>
+          <a:bodyPr/>
+          <a:lstStyle/>
+          <a:p>
+            <a:fld id="{B3597658-B7C1-48E5-82FE-A6210630345B}" type="slidenum">
+              <a:rPr lang="zh-CN" altLang="en-US" smtClean="0"/>
+              <a:t>1</a:t>
+            </a:fld>
+            <a:endParaRPr lang="zh-CN" altLang="en-US"/>
+          </a:p>
+        </p:txBody>
+      </p:sp>
+    </p:spTree>
+  </p:cSld>
+  <p:clrMapOvr>
+    <a:masterClrMapping/>
+  </p:clrMapOvr>
+</p:notes>
+</file>
+
 <file path=ppt/slideLayouts/slideLayout1.xml><?xml version="1.0" encoding="utf-8"?>
 <p:sldLayout xmlns:a="http://schemas.openxmlformats.org/drawingml/2006/main" xmlns:r="http://schemas.openxmlformats.org/officeDocument/2006/relationships" xmlns:p="http://schemas.openxmlformats.org/presentationml/2006/main" type="title" preserve="1">
   <p:cSld name="标题幻灯片">
@@ -136,8 +567,8 @@
         </p:nvSpPr>
         <p:spPr>
           <a:xfrm>
-            <a:off x="685800" y="2130425"/>
-            <a:ext cx="7772400" cy="1470025"/>
+            <a:off x="914281" y="2130426"/>
+            <a:ext cx="10361851" cy="1470025"/>
           </a:xfrm>
         </p:spPr>
         <p:txBody>
@@ -164,8 +595,8 @@
         </p:nvSpPr>
         <p:spPr>
           <a:xfrm>
-            <a:off x="1371600" y="3886200"/>
-            <a:ext cx="6400800" cy="1752600"/>
+            <a:off x="1828562" y="3886200"/>
+            <a:ext cx="8533289" cy="1752600"/>
           </a:xfrm>
         </p:spPr>
         <p:txBody>
@@ -289,7 +720,7 @@
             <a:fld id="{530820CF-B880-4189-942D-D702A7CBA730}" type="datetimeFigureOut">
               <a:rPr lang="zh-CN" altLang="en-US" smtClean="0"/>
               <a:pPr/>
-              <a:t>2018/11/19</a:t>
+              <a:t>2018/11/28</a:t>
             </a:fld>
             <a:endParaRPr lang="zh-CN" altLang="en-US"/>
           </a:p>
@@ -456,7 +887,7 @@
             <a:fld id="{530820CF-B880-4189-942D-D702A7CBA730}" type="datetimeFigureOut">
               <a:rPr lang="zh-CN" altLang="en-US" smtClean="0"/>
               <a:pPr/>
-              <a:t>2018/11/19</a:t>
+              <a:t>2018/11/28</a:t>
             </a:fld>
             <a:endParaRPr lang="zh-CN" altLang="en-US"/>
           </a:p>
@@ -542,8 +973,8 @@
         </p:nvSpPr>
         <p:spPr>
           <a:xfrm>
-            <a:off x="6629400" y="274638"/>
-            <a:ext cx="2057400" cy="5851525"/>
+            <a:off x="8838049" y="274639"/>
+            <a:ext cx="2742843" cy="5851525"/>
           </a:xfrm>
         </p:spPr>
         <p:txBody>
@@ -570,8 +1001,8 @@
         </p:nvSpPr>
         <p:spPr>
           <a:xfrm>
-            <a:off x="457200" y="274638"/>
-            <a:ext cx="6019800" cy="5851525"/>
+            <a:off x="609521" y="274639"/>
+            <a:ext cx="8025355" cy="5851525"/>
           </a:xfrm>
         </p:spPr>
         <p:txBody>
@@ -633,7 +1064,7 @@
             <a:fld id="{530820CF-B880-4189-942D-D702A7CBA730}" type="datetimeFigureOut">
               <a:rPr lang="zh-CN" altLang="en-US" smtClean="0"/>
               <a:pPr/>
-              <a:t>2018/11/19</a:t>
+              <a:t>2018/11/28</a:t>
             </a:fld>
             <a:endParaRPr lang="zh-CN" altLang="en-US"/>
           </a:p>
@@ -800,7 +1231,7 @@
             <a:fld id="{530820CF-B880-4189-942D-D702A7CBA730}" type="datetimeFigureOut">
               <a:rPr lang="zh-CN" altLang="en-US" smtClean="0"/>
               <a:pPr/>
-              <a:t>2018/11/19</a:t>
+              <a:t>2018/11/28</a:t>
             </a:fld>
             <a:endParaRPr lang="zh-CN" altLang="en-US"/>
           </a:p>
@@ -886,8 +1317,8 @@
         </p:nvSpPr>
         <p:spPr>
           <a:xfrm>
-            <a:off x="722313" y="4406900"/>
-            <a:ext cx="7772400" cy="1362075"/>
+            <a:off x="962959" y="4406901"/>
+            <a:ext cx="10361851" cy="1362075"/>
           </a:xfrm>
         </p:spPr>
         <p:txBody>
@@ -918,8 +1349,8 @@
         </p:nvSpPr>
         <p:spPr>
           <a:xfrm>
-            <a:off x="722313" y="2906713"/>
-            <a:ext cx="7772400" cy="1500187"/>
+            <a:off x="962959" y="2906713"/>
+            <a:ext cx="10361851" cy="1500187"/>
           </a:xfrm>
         </p:spPr>
         <p:txBody>
@@ -1043,7 +1474,7 @@
             <a:fld id="{530820CF-B880-4189-942D-D702A7CBA730}" type="datetimeFigureOut">
               <a:rPr lang="zh-CN" altLang="en-US" smtClean="0"/>
               <a:pPr/>
-              <a:t>2018/11/19</a:t>
+              <a:t>2018/11/28</a:t>
             </a:fld>
             <a:endParaRPr lang="zh-CN" altLang="en-US"/>
           </a:p>
@@ -1152,8 +1583,8 @@
         </p:nvSpPr>
         <p:spPr>
           <a:xfrm>
-            <a:off x="457200" y="1600200"/>
-            <a:ext cx="4038600" cy="4525963"/>
+            <a:off x="609521" y="1600201"/>
+            <a:ext cx="5384099" cy="4525963"/>
           </a:xfrm>
         </p:spPr>
         <p:txBody>
@@ -1237,8 +1668,8 @@
         </p:nvSpPr>
         <p:spPr>
           <a:xfrm>
-            <a:off x="4648200" y="1600200"/>
-            <a:ext cx="4038600" cy="4525963"/>
+            <a:off x="6196793" y="1600201"/>
+            <a:ext cx="5384099" cy="4525963"/>
           </a:xfrm>
         </p:spPr>
         <p:txBody>
@@ -1328,7 +1759,7 @@
             <a:fld id="{530820CF-B880-4189-942D-D702A7CBA730}" type="datetimeFigureOut">
               <a:rPr lang="zh-CN" altLang="en-US" smtClean="0"/>
               <a:pPr/>
-              <a:t>2018/11/19</a:t>
+              <a:t>2018/11/28</a:t>
             </a:fld>
             <a:endParaRPr lang="zh-CN" altLang="en-US"/>
           </a:p>
@@ -1441,8 +1872,8 @@
         </p:nvSpPr>
         <p:spPr>
           <a:xfrm>
-            <a:off x="457200" y="1535113"/>
-            <a:ext cx="4040188" cy="639762"/>
+            <a:off x="609521" y="1535113"/>
+            <a:ext cx="5386216" cy="639762"/>
           </a:xfrm>
         </p:spPr>
         <p:txBody>
@@ -1506,8 +1937,8 @@
         </p:nvSpPr>
         <p:spPr>
           <a:xfrm>
-            <a:off x="457200" y="2174875"/>
-            <a:ext cx="4040188" cy="3951288"/>
+            <a:off x="609521" y="2174875"/>
+            <a:ext cx="5386216" cy="3951288"/>
           </a:xfrm>
         </p:spPr>
         <p:txBody>
@@ -1591,8 +2022,8 @@
         </p:nvSpPr>
         <p:spPr>
           <a:xfrm>
-            <a:off x="4645025" y="1535113"/>
-            <a:ext cx="4041775" cy="639762"/>
+            <a:off x="6192561" y="1535113"/>
+            <a:ext cx="5388332" cy="639762"/>
           </a:xfrm>
         </p:spPr>
         <p:txBody>
@@ -1656,8 +2087,8 @@
         </p:nvSpPr>
         <p:spPr>
           <a:xfrm>
-            <a:off x="4645025" y="2174875"/>
-            <a:ext cx="4041775" cy="3951288"/>
+            <a:off x="6192561" y="2174875"/>
+            <a:ext cx="5388332" cy="3951288"/>
           </a:xfrm>
         </p:spPr>
         <p:txBody>
@@ -1747,7 +2178,7 @@
             <a:fld id="{530820CF-B880-4189-942D-D702A7CBA730}" type="datetimeFigureOut">
               <a:rPr lang="zh-CN" altLang="en-US" smtClean="0"/>
               <a:pPr/>
-              <a:t>2018/11/19</a:t>
+              <a:t>2018/11/28</a:t>
             </a:fld>
             <a:endParaRPr lang="zh-CN" altLang="en-US"/>
           </a:p>
@@ -1862,7 +2293,7 @@
             <a:fld id="{530820CF-B880-4189-942D-D702A7CBA730}" type="datetimeFigureOut">
               <a:rPr lang="zh-CN" altLang="en-US" smtClean="0"/>
               <a:pPr/>
-              <a:t>2018/11/19</a:t>
+              <a:t>2018/11/28</a:t>
             </a:fld>
             <a:endParaRPr lang="zh-CN" altLang="en-US"/>
           </a:p>
@@ -1954,7 +2385,7 @@
             <a:fld id="{530820CF-B880-4189-942D-D702A7CBA730}" type="datetimeFigureOut">
               <a:rPr lang="zh-CN" altLang="en-US" smtClean="0"/>
               <a:pPr/>
-              <a:t>2018/11/19</a:t>
+              <a:t>2018/11/28</a:t>
             </a:fld>
             <a:endParaRPr lang="zh-CN" altLang="en-US"/>
           </a:p>
@@ -2040,8 +2471,8 @@
         </p:nvSpPr>
         <p:spPr>
           <a:xfrm>
-            <a:off x="457200" y="273050"/>
-            <a:ext cx="3008313" cy="1162050"/>
+            <a:off x="609521" y="273050"/>
+            <a:ext cx="4010562" cy="1162050"/>
           </a:xfrm>
         </p:spPr>
         <p:txBody>
@@ -2072,8 +2503,8 @@
         </p:nvSpPr>
         <p:spPr>
           <a:xfrm>
-            <a:off x="3575050" y="273050"/>
-            <a:ext cx="5111750" cy="5853113"/>
+            <a:off x="4766113" y="273051"/>
+            <a:ext cx="6814779" cy="5853113"/>
           </a:xfrm>
         </p:spPr>
         <p:txBody>
@@ -2157,8 +2588,8 @@
         </p:nvSpPr>
         <p:spPr>
           <a:xfrm>
-            <a:off x="457200" y="1435100"/>
-            <a:ext cx="3008313" cy="4691063"/>
+            <a:off x="609521" y="1435101"/>
+            <a:ext cx="4010562" cy="4691063"/>
           </a:xfrm>
         </p:spPr>
         <p:txBody>
@@ -2228,7 +2659,7 @@
             <a:fld id="{530820CF-B880-4189-942D-D702A7CBA730}" type="datetimeFigureOut">
               <a:rPr lang="zh-CN" altLang="en-US" smtClean="0"/>
               <a:pPr/>
-              <a:t>2018/11/19</a:t>
+              <a:t>2018/11/28</a:t>
             </a:fld>
             <a:endParaRPr lang="zh-CN" altLang="en-US"/>
           </a:p>
@@ -2314,8 +2745,8 @@
         </p:nvSpPr>
         <p:spPr>
           <a:xfrm>
-            <a:off x="1792288" y="4800600"/>
-            <a:ext cx="5486400" cy="566738"/>
+            <a:off x="2389406" y="4800600"/>
+            <a:ext cx="7314248" cy="566738"/>
           </a:xfrm>
         </p:spPr>
         <p:txBody>
@@ -2346,8 +2777,8 @@
         </p:nvSpPr>
         <p:spPr>
           <a:xfrm>
-            <a:off x="1792288" y="612775"/>
-            <a:ext cx="5486400" cy="4114800"/>
+            <a:off x="2389406" y="612775"/>
+            <a:ext cx="7314248" cy="4114800"/>
           </a:xfrm>
         </p:spPr>
         <p:txBody>
@@ -2407,8 +2838,8 @@
         </p:nvSpPr>
         <p:spPr>
           <a:xfrm>
-            <a:off x="1792288" y="5367338"/>
-            <a:ext cx="5486400" cy="804862"/>
+            <a:off x="2389406" y="5367338"/>
+            <a:ext cx="7314248" cy="804862"/>
           </a:xfrm>
         </p:spPr>
         <p:txBody>
@@ -2478,7 +2909,7 @@
             <a:fld id="{530820CF-B880-4189-942D-D702A7CBA730}" type="datetimeFigureOut">
               <a:rPr lang="zh-CN" altLang="en-US" smtClean="0"/>
               <a:pPr/>
-              <a:t>2018/11/19</a:t>
+              <a:t>2018/11/28</a:t>
             </a:fld>
             <a:endParaRPr lang="zh-CN" altLang="en-US"/>
           </a:p>
@@ -2569,8 +3000,8 @@
         </p:nvSpPr>
         <p:spPr>
           <a:xfrm>
-            <a:off x="457200" y="274638"/>
-            <a:ext cx="8229600" cy="1143000"/>
+            <a:off x="609521" y="274638"/>
+            <a:ext cx="10971372" cy="1143000"/>
           </a:xfrm>
           <a:prstGeom prst="rect">
             <a:avLst/>
@@ -2602,8 +3033,8 @@
         </p:nvSpPr>
         <p:spPr>
           <a:xfrm>
-            <a:off x="457200" y="1600200"/>
-            <a:ext cx="8229600" cy="4525963"/>
+            <a:off x="609521" y="1600201"/>
+            <a:ext cx="10971372" cy="4525963"/>
           </a:xfrm>
           <a:prstGeom prst="rect">
             <a:avLst/>
@@ -2664,8 +3095,8 @@
         </p:nvSpPr>
         <p:spPr>
           <a:xfrm>
-            <a:off x="457200" y="6356350"/>
-            <a:ext cx="2133600" cy="365125"/>
+            <a:off x="609521" y="6356351"/>
+            <a:ext cx="2844430" cy="365125"/>
           </a:xfrm>
           <a:prstGeom prst="rect">
             <a:avLst/>
@@ -2688,7 +3119,7 @@
             <a:fld id="{530820CF-B880-4189-942D-D702A7CBA730}" type="datetimeFigureOut">
               <a:rPr lang="zh-CN" altLang="en-US" smtClean="0"/>
               <a:pPr/>
-              <a:t>2018/11/19</a:t>
+              <a:t>2018/11/28</a:t>
             </a:fld>
             <a:endParaRPr lang="zh-CN" altLang="en-US"/>
           </a:p>
@@ -2706,8 +3137,8 @@
         </p:nvSpPr>
         <p:spPr>
           <a:xfrm>
-            <a:off x="3124200" y="6356350"/>
-            <a:ext cx="2895600" cy="365125"/>
+            <a:off x="4165058" y="6356351"/>
+            <a:ext cx="3860297" cy="365125"/>
           </a:xfrm>
           <a:prstGeom prst="rect">
             <a:avLst/>
@@ -2743,8 +3174,8 @@
         </p:nvSpPr>
         <p:spPr>
           <a:xfrm>
-            <a:off x="6553200" y="6356350"/>
-            <a:ext cx="2133600" cy="365125"/>
+            <a:off x="8736463" y="6356351"/>
+            <a:ext cx="2844430" cy="365125"/>
           </a:xfrm>
           <a:prstGeom prst="rect">
             <a:avLst/>
@@ -3059,16 +3490,99 @@
           <a:chExt cx="0" cy="0"/>
         </a:xfrm>
       </p:grpSpPr>
+      <p:sp>
+        <p:nvSpPr>
+          <p:cNvPr id="4" name="圆角矩形 3"/>
+          <p:cNvSpPr/>
+          <p:nvPr/>
+        </p:nvSpPr>
+        <p:spPr>
+          <a:xfrm>
+            <a:off x="3237686" y="1785926"/>
+            <a:ext cx="1524000" cy="557347"/>
+          </a:xfrm>
+          <a:prstGeom prst="roundRect">
+            <a:avLst/>
+          </a:prstGeom>
+          <a:solidFill>
+            <a:schemeClr val="accent1">
+              <a:lumMod val="60000"/>
+              <a:lumOff val="40000"/>
+            </a:schemeClr>
+          </a:solidFill>
+          <a:ln w="19050">
+            <a:solidFill>
+              <a:schemeClr val="tx1"/>
+            </a:solidFill>
+          </a:ln>
+        </p:spPr>
+        <p:style>
+          <a:lnRef idx="2">
+            <a:schemeClr val="accent1">
+              <a:shade val="50000"/>
+            </a:schemeClr>
+          </a:lnRef>
+          <a:fillRef idx="1">
+            <a:schemeClr val="accent1"/>
+          </a:fillRef>
+          <a:effectRef idx="0">
+            <a:schemeClr val="accent1"/>
+          </a:effectRef>
+          <a:fontRef idx="minor">
+            <a:schemeClr val="lt1"/>
+          </a:fontRef>
+        </p:style>
+        <p:txBody>
+          <a:bodyPr rtlCol="0" anchor="ctr"/>
+          <a:lstStyle/>
+          <a:p>
+            <a:pPr algn="ctr"/>
+            <a:r>
+              <a:rPr lang="zh-CN" altLang="en-US" dirty="0" smtClean="0">
+                <a:solidFill>
+                  <a:schemeClr val="tx1"/>
+                </a:solidFill>
+                <a:latin typeface="+mn-ea"/>
+              </a:rPr>
+              <a:t>自然语言</a:t>
+            </a:r>
+            <a:endParaRPr lang="en-US" altLang="zh-CN" dirty="0" smtClean="0">
+              <a:solidFill>
+                <a:schemeClr val="tx1"/>
+              </a:solidFill>
+              <a:latin typeface="+mn-ea"/>
+            </a:endParaRPr>
+          </a:p>
+          <a:p>
+            <a:pPr algn="ctr"/>
+            <a:r>
+              <a:rPr lang="zh-CN" altLang="en-US" dirty="0" smtClean="0">
+                <a:solidFill>
+                  <a:schemeClr val="tx1"/>
+                </a:solidFill>
+                <a:latin typeface="+mn-ea"/>
+              </a:rPr>
+              <a:t>查询语句</a:t>
+            </a:r>
+            <a:endParaRPr lang="zh-CN" altLang="en-US" dirty="0">
+              <a:solidFill>
+                <a:schemeClr val="tx1"/>
+              </a:solidFill>
+              <a:latin typeface="+mn-ea"/>
+            </a:endParaRPr>
+          </a:p>
+        </p:txBody>
+      </p:sp>
       <p:pic>
         <p:nvPicPr>
-          <p:cNvPr id="1026" name="Picture 2"/>
+          <p:cNvPr id="6" name="Picture 2"/>
           <p:cNvPicPr>
             <a:picLocks noChangeAspect="1" noChangeArrowheads="1"/>
           </p:cNvPicPr>
           <p:nvPr/>
         </p:nvPicPr>
         <p:blipFill>
-          <a:blip r:embed="rId2"/>
+          <a:blip r:embed="rId3"/>
           <a:srcRect/>
           <a:stretch>
             <a:fillRect/>
@@ -3076,7 +3590,7 @@
         </p:blipFill>
         <p:spPr bwMode="auto">
           <a:xfrm>
-            <a:off x="357190" y="2500306"/>
+            <a:off x="1023108" y="2714620"/>
             <a:ext cx="2019016" cy="1214446"/>
           </a:xfrm>
           <a:prstGeom prst="rect">
@@ -3094,13 +3608,13 @@
       </p:pic>
       <p:sp>
         <p:nvSpPr>
-          <p:cNvPr id="5" name="矩形 4"/>
+          <p:cNvPr id="7" name="矩形 6"/>
           <p:cNvSpPr/>
           <p:nvPr/>
         </p:nvSpPr>
         <p:spPr>
           <a:xfrm>
-            <a:off x="5214942" y="1071546"/>
+            <a:off x="7546943" y="1285860"/>
             <a:ext cx="1357322" cy="785818"/>
           </a:xfrm>
           <a:prstGeom prst="rect">
@@ -3142,20 +3656,33 @@
                   <a:schemeClr val="tx1"/>
                 </a:solidFill>
               </a:rPr>
-              <a:t>依赖解析树生成</a:t>
-            </a:r>
-          </a:p>
-        </p:txBody>
-      </p:sp>
-      <p:sp>
-        <p:nvSpPr>
-          <p:cNvPr id="6" name="矩形 5"/>
+              <a:t>依赖解析树</a:t>
+            </a:r>
+            <a:r>
+              <a:rPr lang="zh-CN" altLang="en-US" dirty="0" smtClean="0">
+                <a:solidFill>
+                  <a:schemeClr val="tx1"/>
+                </a:solidFill>
+              </a:rPr>
+              <a:t>生成模块</a:t>
+            </a:r>
+            <a:endParaRPr lang="zh-CN" altLang="en-US" dirty="0" smtClean="0">
+              <a:solidFill>
+                <a:schemeClr val="tx1"/>
+              </a:solidFill>
+            </a:endParaRPr>
+          </a:p>
+        </p:txBody>
+      </p:sp>
+      <p:sp>
+        <p:nvSpPr>
+          <p:cNvPr id="8" name="矩形 7"/>
           <p:cNvSpPr/>
           <p:nvPr/>
         </p:nvSpPr>
         <p:spPr>
           <a:xfrm>
-            <a:off x="5214942" y="2214554"/>
+            <a:off x="7546943" y="2428868"/>
             <a:ext cx="1357322" cy="785818"/>
           </a:xfrm>
           <a:prstGeom prst="rect">
@@ -3197,20 +3724,33 @@
                   <a:schemeClr val="tx1"/>
                 </a:solidFill>
               </a:rPr>
-              <a:t>解析树节点映射</a:t>
-            </a:r>
-          </a:p>
-        </p:txBody>
-      </p:sp>
-      <p:sp>
-        <p:nvSpPr>
-          <p:cNvPr id="7" name="矩形 6"/>
+              <a:t>解析树节点</a:t>
+            </a:r>
+            <a:r>
+              <a:rPr lang="zh-CN" altLang="en-US" dirty="0" smtClean="0">
+                <a:solidFill>
+                  <a:schemeClr val="tx1"/>
+                </a:solidFill>
+              </a:rPr>
+              <a:t>映射模块</a:t>
+            </a:r>
+            <a:endParaRPr lang="zh-CN" altLang="en-US" dirty="0" smtClean="0">
+              <a:solidFill>
+                <a:schemeClr val="tx1"/>
+              </a:solidFill>
+            </a:endParaRPr>
+          </a:p>
+        </p:txBody>
+      </p:sp>
+      <p:sp>
+        <p:nvSpPr>
+          <p:cNvPr id="9" name="矩形 8"/>
           <p:cNvSpPr/>
           <p:nvPr/>
         </p:nvSpPr>
         <p:spPr>
           <a:xfrm>
-            <a:off x="5214942" y="3357562"/>
+            <a:off x="7546943" y="3571876"/>
             <a:ext cx="1357322" cy="785818"/>
           </a:xfrm>
           <a:prstGeom prst="rect">
@@ -3252,20 +3792,33 @@
                   <a:schemeClr val="tx1"/>
                 </a:solidFill>
               </a:rPr>
-              <a:t>解析树优化重构</a:t>
-            </a:r>
-          </a:p>
-        </p:txBody>
-      </p:sp>
-      <p:sp>
-        <p:nvSpPr>
-          <p:cNvPr id="8" name="矩形 7"/>
+              <a:t>解析树优化</a:t>
+            </a:r>
+            <a:r>
+              <a:rPr lang="zh-CN" altLang="en-US" dirty="0" smtClean="0">
+                <a:solidFill>
+                  <a:schemeClr val="tx1"/>
+                </a:solidFill>
+              </a:rPr>
+              <a:t>重构模块</a:t>
+            </a:r>
+            <a:endParaRPr lang="zh-CN" altLang="en-US" dirty="0" smtClean="0">
+              <a:solidFill>
+                <a:schemeClr val="tx1"/>
+              </a:solidFill>
+            </a:endParaRPr>
+          </a:p>
+        </p:txBody>
+      </p:sp>
+      <p:sp>
+        <p:nvSpPr>
+          <p:cNvPr id="10" name="矩形 9"/>
           <p:cNvSpPr/>
           <p:nvPr/>
         </p:nvSpPr>
         <p:spPr>
           <a:xfrm>
-            <a:off x="5214942" y="4572008"/>
+            <a:off x="7546943" y="4786322"/>
             <a:ext cx="1357322" cy="785818"/>
           </a:xfrm>
           <a:prstGeom prst="rect">
@@ -3307,21 +3860,34 @@
                   <a:schemeClr val="tx1"/>
                 </a:solidFill>
               </a:rPr>
-              <a:t>查询树翻译</a:t>
-            </a:r>
-          </a:p>
-        </p:txBody>
-      </p:sp>
-      <p:sp>
-        <p:nvSpPr>
-          <p:cNvPr id="9" name="矩形 8"/>
+              <a:t>查询树</a:t>
+            </a:r>
+            <a:r>
+              <a:rPr lang="zh-CN" altLang="en-US" dirty="0" smtClean="0">
+                <a:solidFill>
+                  <a:schemeClr val="tx1"/>
+                </a:solidFill>
+              </a:rPr>
+              <a:t>翻译模块</a:t>
+            </a:r>
+            <a:endParaRPr lang="zh-CN" altLang="en-US" dirty="0" smtClean="0">
+              <a:solidFill>
+                <a:schemeClr val="tx1"/>
+              </a:solidFill>
+            </a:endParaRPr>
+          </a:p>
+        </p:txBody>
+      </p:sp>
+      <p:sp>
+        <p:nvSpPr>
+          <p:cNvPr id="11" name="矩形 10"/>
           <p:cNvSpPr/>
           <p:nvPr/>
         </p:nvSpPr>
         <p:spPr>
           <a:xfrm>
-            <a:off x="3571868" y="2214554"/>
-            <a:ext cx="785818" cy="1928826"/>
+            <a:off x="5666578" y="2500306"/>
+            <a:ext cx="785818" cy="1714512"/>
           </a:xfrm>
           <a:prstGeom prst="rect">
             <a:avLst/>
@@ -3362,20 +3928,25 @@
                   <a:schemeClr val="tx1"/>
                 </a:solidFill>
               </a:rPr>
-              <a:t>对话器交互</a:t>
-            </a:r>
-          </a:p>
-        </p:txBody>
-      </p:sp>
-      <p:sp>
-        <p:nvSpPr>
-          <p:cNvPr id="10" name="圆柱形 9"/>
+              <a:t>交互模块</a:t>
+            </a:r>
+            <a:endParaRPr lang="zh-CN" altLang="en-US" dirty="0" smtClean="0">
+              <a:solidFill>
+                <a:schemeClr val="tx1"/>
+              </a:solidFill>
+            </a:endParaRPr>
+          </a:p>
+        </p:txBody>
+      </p:sp>
+      <p:sp>
+        <p:nvSpPr>
+          <p:cNvPr id="12" name="圆柱形 11"/>
           <p:cNvSpPr/>
           <p:nvPr/>
         </p:nvSpPr>
         <p:spPr>
           <a:xfrm>
-            <a:off x="7500958" y="2571744"/>
+            <a:off x="9832959" y="2786058"/>
             <a:ext cx="1071570" cy="1214446"/>
           </a:xfrm>
           <a:prstGeom prst="can">
@@ -3430,16 +4001,16 @@
       </p:sp>
       <p:cxnSp>
         <p:nvCxnSpPr>
-          <p:cNvPr id="14" name="直接箭头连接符 13"/>
+          <p:cNvPr id="13" name="直接箭头连接符 12"/>
           <p:cNvCxnSpPr>
-            <a:stCxn id="5" idx="2"/>
-            <a:endCxn id="6" idx="0"/>
+            <a:stCxn id="7" idx="2"/>
+            <a:endCxn id="8" idx="0"/>
           </p:cNvCxnSpPr>
           <p:nvPr/>
         </p:nvCxnSpPr>
         <p:spPr>
           <a:xfrm rot="5400000">
-            <a:off x="5715008" y="2035959"/>
+            <a:off x="8047009" y="2250273"/>
             <a:ext cx="357190" cy="1588"/>
           </a:xfrm>
           <a:prstGeom prst="straightConnector1">
@@ -3472,16 +4043,16 @@
       </p:cxnSp>
       <p:cxnSp>
         <p:nvCxnSpPr>
-          <p:cNvPr id="16" name="直接箭头连接符 15"/>
+          <p:cNvPr id="14" name="直接箭头连接符 13"/>
           <p:cNvCxnSpPr>
-            <a:stCxn id="6" idx="2"/>
-            <a:endCxn id="7" idx="0"/>
+            <a:stCxn id="8" idx="2"/>
+            <a:endCxn id="9" idx="0"/>
           </p:cNvCxnSpPr>
           <p:nvPr/>
         </p:nvCxnSpPr>
         <p:spPr>
           <a:xfrm rot="5400000">
-            <a:off x="5715008" y="3178967"/>
+            <a:off x="8047009" y="3393281"/>
             <a:ext cx="357190" cy="1588"/>
           </a:xfrm>
           <a:prstGeom prst="straightConnector1">
@@ -3514,16 +4085,16 @@
       </p:cxnSp>
       <p:cxnSp>
         <p:nvCxnSpPr>
-          <p:cNvPr id="18" name="直接箭头连接符 17"/>
+          <p:cNvPr id="15" name="直接箭头连接符 14"/>
           <p:cNvCxnSpPr>
-            <a:stCxn id="7" idx="2"/>
-            <a:endCxn id="8" idx="0"/>
+            <a:stCxn id="9" idx="2"/>
+            <a:endCxn id="10" idx="0"/>
           </p:cNvCxnSpPr>
           <p:nvPr/>
         </p:nvCxnSpPr>
         <p:spPr>
           <a:xfrm rot="5400000">
-            <a:off x="5679289" y="4357694"/>
+            <a:off x="8011290" y="4572008"/>
             <a:ext cx="428628" cy="1588"/>
           </a:xfrm>
           <a:prstGeom prst="straightConnector1">
@@ -3556,17 +4127,17 @@
       </p:cxnSp>
       <p:cxnSp>
         <p:nvCxnSpPr>
-          <p:cNvPr id="24" name="肘形连接符 23"/>
+          <p:cNvPr id="16" name="肘形连接符 15"/>
           <p:cNvCxnSpPr>
-            <a:stCxn id="9" idx="3"/>
-            <a:endCxn id="6" idx="1"/>
+            <a:stCxn id="11" idx="3"/>
+            <a:endCxn id="8" idx="1"/>
           </p:cNvCxnSpPr>
           <p:nvPr/>
         </p:nvCxnSpPr>
         <p:spPr>
           <a:xfrm flipV="1">
-            <a:off x="4357686" y="2607463"/>
-            <a:ext cx="857256" cy="571504"/>
+            <a:off x="6452396" y="2821777"/>
+            <a:ext cx="1094547" cy="535785"/>
           </a:xfrm>
           <a:prstGeom prst="bentConnector3">
             <a:avLst>
@@ -3601,17 +4172,17 @@
       </p:cxnSp>
       <p:cxnSp>
         <p:nvCxnSpPr>
-          <p:cNvPr id="26" name="肘形连接符 25"/>
+          <p:cNvPr id="17" name="肘形连接符 16"/>
           <p:cNvCxnSpPr>
-            <a:stCxn id="9" idx="3"/>
-            <a:endCxn id="7" idx="1"/>
+            <a:stCxn id="11" idx="3"/>
+            <a:endCxn id="9" idx="1"/>
           </p:cNvCxnSpPr>
           <p:nvPr/>
         </p:nvCxnSpPr>
         <p:spPr>
           <a:xfrm>
-            <a:off x="4357686" y="3178967"/>
-            <a:ext cx="857256" cy="571504"/>
+            <a:off x="6452396" y="3357562"/>
+            <a:ext cx="1094547" cy="607223"/>
           </a:xfrm>
           <a:prstGeom prst="bentConnector3">
             <a:avLst>
@@ -3646,16 +4217,16 @@
       </p:cxnSp>
       <p:cxnSp>
         <p:nvCxnSpPr>
-          <p:cNvPr id="29" name="肘形连接符 28"/>
+          <p:cNvPr id="18" name="肘形连接符 17"/>
           <p:cNvCxnSpPr>
-            <a:stCxn id="10" idx="2"/>
-            <a:endCxn id="6" idx="3"/>
+            <a:stCxn id="12" idx="2"/>
+            <a:endCxn id="8" idx="3"/>
           </p:cNvCxnSpPr>
           <p:nvPr/>
         </p:nvCxnSpPr>
         <p:spPr>
           <a:xfrm rot="10800000">
-            <a:off x="6572264" y="2607463"/>
+            <a:off x="8904265" y="2821777"/>
             <a:ext cx="928694" cy="571504"/>
           </a:xfrm>
           <a:prstGeom prst="bentConnector3">
@@ -3690,16 +4261,16 @@
       </p:cxnSp>
       <p:cxnSp>
         <p:nvCxnSpPr>
-          <p:cNvPr id="31" name="肘形连接符 30"/>
+          <p:cNvPr id="19" name="肘形连接符 18"/>
           <p:cNvCxnSpPr>
-            <a:stCxn id="10" idx="2"/>
-            <a:endCxn id="7" idx="3"/>
+            <a:stCxn id="12" idx="2"/>
+            <a:endCxn id="9" idx="3"/>
           </p:cNvCxnSpPr>
           <p:nvPr/>
         </p:nvCxnSpPr>
         <p:spPr>
           <a:xfrm rot="10800000" flipV="1">
-            <a:off x="6572264" y="3178967"/>
+            <a:off x="8904265" y="3393281"/>
             <a:ext cx="928694" cy="571504"/>
           </a:xfrm>
           <a:prstGeom prst="bentConnector3">
@@ -3732,84 +4303,19 @@
           </a:fontRef>
         </p:style>
       </p:cxnSp>
-      <p:sp>
-        <p:nvSpPr>
-          <p:cNvPr id="33" name="TextBox 32"/>
-          <p:cNvSpPr txBox="1"/>
-          <p:nvPr/>
-        </p:nvSpPr>
-        <p:spPr>
-          <a:xfrm>
-            <a:off x="2071670" y="2130974"/>
-            <a:ext cx="1282723" cy="369332"/>
-          </a:xfrm>
-          <a:prstGeom prst="rect">
-            <a:avLst/>
-          </a:prstGeom>
-          <a:noFill/>
-        </p:spPr>
-        <p:txBody>
-          <a:bodyPr wrap="none" rtlCol="0">
-            <a:spAutoFit/>
-          </a:bodyPr>
-          <a:lstStyle/>
-          <a:p>
-            <a:pPr algn="ctr"/>
-            <a:r>
-              <a:rPr lang="en-US" altLang="zh-CN" dirty="0" smtClean="0"/>
-              <a:t>1.</a:t>
-            </a:r>
-            <a:r>
-              <a:rPr lang="zh-CN" altLang="en-US" dirty="0" smtClean="0"/>
-              <a:t>自然语言</a:t>
-            </a:r>
-          </a:p>
-        </p:txBody>
-      </p:sp>
-      <p:sp>
-        <p:nvSpPr>
-          <p:cNvPr id="34" name="TextBox 33"/>
-          <p:cNvSpPr txBox="1"/>
-          <p:nvPr/>
-        </p:nvSpPr>
-        <p:spPr>
-          <a:xfrm>
-            <a:off x="2071670" y="3286124"/>
-            <a:ext cx="1641796" cy="369332"/>
-          </a:xfrm>
-          <a:prstGeom prst="rect">
-            <a:avLst/>
-          </a:prstGeom>
-          <a:noFill/>
-        </p:spPr>
-        <p:txBody>
-          <a:bodyPr wrap="none" rtlCol="0">
-            <a:spAutoFit/>
-          </a:bodyPr>
-          <a:lstStyle/>
-          <a:p>
-            <a:pPr algn="ctr"/>
-            <a:r>
-              <a:rPr lang="en-US" altLang="zh-CN" dirty="0" smtClean="0"/>
-              <a:t>3.SQL</a:t>
-            </a:r>
-            <a:r>
-              <a:rPr lang="zh-CN" altLang="en-US" dirty="0" smtClean="0"/>
-              <a:t>查询语句</a:t>
-            </a:r>
-          </a:p>
-        </p:txBody>
-      </p:sp>
       <p:cxnSp>
         <p:nvCxnSpPr>
-          <p:cNvPr id="46" name="直接箭头连接符 45"/>
-          <p:cNvCxnSpPr/>
+          <p:cNvPr id="22" name="直接箭头连接符 21"/>
+          <p:cNvCxnSpPr>
+            <a:stCxn id="37" idx="3"/>
+            <a:endCxn id="11" idx="1"/>
+          </p:cNvCxnSpPr>
           <p:nvPr/>
         </p:nvCxnSpPr>
         <p:spPr>
           <a:xfrm>
-            <a:off x="2071670" y="3143248"/>
-            <a:ext cx="1500198" cy="1588"/>
+            <a:off x="4761686" y="3350484"/>
+            <a:ext cx="904892" cy="7078"/>
           </a:xfrm>
           <a:prstGeom prst="straightConnector1">
             <a:avLst/>
@@ -3842,135 +4348,21 @@
       </p:cxnSp>
       <p:cxnSp>
         <p:nvCxnSpPr>
-          <p:cNvPr id="49" name="直接箭头连接符 48"/>
-          <p:cNvCxnSpPr/>
-          <p:nvPr/>
-        </p:nvCxnSpPr>
-        <p:spPr>
-          <a:xfrm>
-            <a:off x="2071670" y="2570156"/>
-            <a:ext cx="1500198" cy="1588"/>
-          </a:xfrm>
-          <a:prstGeom prst="straightConnector1">
-            <a:avLst/>
-          </a:prstGeom>
-          <a:ln w="22225">
-            <a:solidFill>
-              <a:schemeClr val="tx1">
-                <a:lumMod val="85000"/>
-                <a:lumOff val="15000"/>
-              </a:schemeClr>
-            </a:solidFill>
-            <a:headEnd type="none" w="lg" len="lg"/>
-            <a:tailEnd type="triangle" w="lg" len="lg"/>
-          </a:ln>
-        </p:spPr>
-        <p:style>
-          <a:lnRef idx="1">
-            <a:schemeClr val="accent1"/>
-          </a:lnRef>
-          <a:fillRef idx="0">
-            <a:schemeClr val="accent1"/>
-          </a:fillRef>
-          <a:effectRef idx="0">
-            <a:schemeClr val="accent1"/>
-          </a:effectRef>
-          <a:fontRef idx="minor">
-            <a:schemeClr val="tx1"/>
-          </a:fontRef>
-        </p:style>
-      </p:cxnSp>
-      <p:cxnSp>
-        <p:nvCxnSpPr>
-          <p:cNvPr id="50" name="直接箭头连接符 49"/>
-          <p:cNvCxnSpPr/>
-          <p:nvPr/>
-        </p:nvCxnSpPr>
-        <p:spPr>
-          <a:xfrm>
-            <a:off x="2071670" y="3786190"/>
-            <a:ext cx="1500198" cy="1588"/>
-          </a:xfrm>
-          <a:prstGeom prst="straightConnector1">
-            <a:avLst/>
-          </a:prstGeom>
-          <a:ln w="22225">
-            <a:solidFill>
-              <a:schemeClr val="tx1">
-                <a:lumMod val="85000"/>
-                <a:lumOff val="15000"/>
-              </a:schemeClr>
-            </a:solidFill>
-            <a:headEnd type="triangle" w="lg" len="lg"/>
-            <a:tailEnd type="none" w="lg" len="lg"/>
-          </a:ln>
-        </p:spPr>
-        <p:style>
-          <a:lnRef idx="1">
-            <a:schemeClr val="accent1"/>
-          </a:lnRef>
-          <a:fillRef idx="0">
-            <a:schemeClr val="accent1"/>
-          </a:fillRef>
-          <a:effectRef idx="0">
-            <a:schemeClr val="accent1"/>
-          </a:effectRef>
-          <a:fontRef idx="minor">
-            <a:schemeClr val="tx1"/>
-          </a:fontRef>
-        </p:style>
-      </p:cxnSp>
-      <p:sp>
-        <p:nvSpPr>
-          <p:cNvPr id="51" name="TextBox 50"/>
-          <p:cNvSpPr txBox="1"/>
-          <p:nvPr/>
-        </p:nvSpPr>
-        <p:spPr>
-          <a:xfrm>
-            <a:off x="2071670" y="2714620"/>
-            <a:ext cx="1282723" cy="369332"/>
-          </a:xfrm>
-          <a:prstGeom prst="rect">
-            <a:avLst/>
-          </a:prstGeom>
-          <a:noFill/>
-        </p:spPr>
-        <p:txBody>
-          <a:bodyPr wrap="none" rtlCol="0">
-            <a:spAutoFit/>
-          </a:bodyPr>
-          <a:lstStyle/>
-          <a:p>
-            <a:pPr algn="ctr"/>
-            <a:r>
-              <a:rPr lang="en-US" altLang="zh-CN" dirty="0" smtClean="0"/>
-              <a:t>2.</a:t>
-            </a:r>
-            <a:r>
-              <a:rPr lang="zh-CN" altLang="en-US" dirty="0" smtClean="0"/>
-              <a:t>交互信息</a:t>
-            </a:r>
-          </a:p>
-        </p:txBody>
-      </p:sp>
-      <p:cxnSp>
-        <p:nvCxnSpPr>
-          <p:cNvPr id="57" name="肘形连接符 56"/>
+          <p:cNvPr id="26" name="肘形连接符 25"/>
           <p:cNvCxnSpPr>
-            <a:stCxn id="9" idx="0"/>
-            <a:endCxn id="5" idx="0"/>
+            <a:stCxn id="4" idx="3"/>
+            <a:endCxn id="7" idx="1"/>
           </p:cNvCxnSpPr>
           <p:nvPr/>
         </p:nvCxnSpPr>
         <p:spPr>
-          <a:xfrm rot="5400000" flipH="1" flipV="1">
-            <a:off x="4357686" y="678637"/>
-            <a:ext cx="1143008" cy="1928826"/>
+          <a:xfrm flipV="1">
+            <a:off x="4761686" y="1678769"/>
+            <a:ext cx="2785257" cy="385831"/>
           </a:xfrm>
           <a:prstGeom prst="bentConnector3">
             <a:avLst>
-              <a:gd name="adj1" fmla="val 128615"/>
+              <a:gd name="adj1" fmla="val 50000"/>
             </a:avLst>
           </a:prstGeom>
           <a:ln w="22225">
@@ -4000,21 +4392,21 @@
       </p:cxnSp>
       <p:cxnSp>
         <p:nvCxnSpPr>
-          <p:cNvPr id="60" name="肘形连接符 59"/>
+          <p:cNvPr id="27" name="肘形连接符 26"/>
           <p:cNvCxnSpPr>
-            <a:stCxn id="8" idx="2"/>
-            <a:endCxn id="9" idx="2"/>
+            <a:stCxn id="10" idx="1"/>
+            <a:endCxn id="36" idx="3"/>
           </p:cNvCxnSpPr>
           <p:nvPr/>
         </p:nvCxnSpPr>
         <p:spPr>
-          <a:xfrm rot="5400000" flipH="1">
-            <a:off x="4321967" y="3786190"/>
-            <a:ext cx="1214446" cy="1928826"/>
+          <a:xfrm rot="10800000">
+            <a:off x="4761687" y="4636369"/>
+            <a:ext cx="2785257" cy="542863"/>
           </a:xfrm>
           <a:prstGeom prst="bentConnector3">
             <a:avLst>
-              <a:gd name="adj1" fmla="val -18823"/>
+              <a:gd name="adj1" fmla="val 50000"/>
             </a:avLst>
           </a:prstGeom>
           <a:ln w="22225">
@@ -4042,6 +4434,140 @@
           </a:fontRef>
         </p:style>
       </p:cxnSp>
+      <p:sp>
+        <p:nvSpPr>
+          <p:cNvPr id="36" name="圆角矩形 35"/>
+          <p:cNvSpPr/>
+          <p:nvPr/>
+        </p:nvSpPr>
+        <p:spPr>
+          <a:xfrm>
+            <a:off x="3237686" y="4357694"/>
+            <a:ext cx="1524000" cy="557347"/>
+          </a:xfrm>
+          <a:prstGeom prst="roundRect">
+            <a:avLst/>
+          </a:prstGeom>
+          <a:noFill/>
+          <a:ln w="19050">
+            <a:solidFill>
+              <a:schemeClr val="tx1"/>
+            </a:solidFill>
+          </a:ln>
+        </p:spPr>
+        <p:style>
+          <a:lnRef idx="2">
+            <a:schemeClr val="accent1">
+              <a:shade val="50000"/>
+            </a:schemeClr>
+          </a:lnRef>
+          <a:fillRef idx="1">
+            <a:schemeClr val="accent1"/>
+          </a:fillRef>
+          <a:effectRef idx="0">
+            <a:schemeClr val="accent1"/>
+          </a:effectRef>
+          <a:fontRef idx="minor">
+            <a:schemeClr val="lt1"/>
+          </a:fontRef>
+        </p:style>
+        <p:txBody>
+          <a:bodyPr rtlCol="0" anchor="ctr"/>
+          <a:lstStyle/>
+          <a:p>
+            <a:pPr algn="ctr"/>
+            <a:r>
+              <a:rPr lang="en-US" altLang="zh-CN" dirty="0" smtClean="0">
+                <a:solidFill>
+                  <a:schemeClr val="tx1"/>
+                </a:solidFill>
+                <a:latin typeface="+mn-ea"/>
+              </a:rPr>
+              <a:t>SQL</a:t>
+            </a:r>
+            <a:r>
+              <a:rPr lang="zh-CN" altLang="en-US" dirty="0" smtClean="0">
+                <a:solidFill>
+                  <a:schemeClr val="tx1"/>
+                </a:solidFill>
+                <a:latin typeface="+mn-ea"/>
+              </a:rPr>
+              <a:t>查询语句</a:t>
+            </a:r>
+            <a:endParaRPr lang="zh-CN" altLang="en-US" dirty="0">
+              <a:solidFill>
+                <a:schemeClr val="tx1"/>
+              </a:solidFill>
+              <a:latin typeface="+mn-ea"/>
+            </a:endParaRPr>
+          </a:p>
+        </p:txBody>
+      </p:sp>
+      <p:sp>
+        <p:nvSpPr>
+          <p:cNvPr id="37" name="圆角矩形 36"/>
+          <p:cNvSpPr/>
+          <p:nvPr/>
+        </p:nvSpPr>
+        <p:spPr>
+          <a:xfrm>
+            <a:off x="3237686" y="3071810"/>
+            <a:ext cx="1524000" cy="557347"/>
+          </a:xfrm>
+          <a:prstGeom prst="roundRect">
+            <a:avLst/>
+          </a:prstGeom>
+          <a:solidFill>
+            <a:schemeClr val="accent1">
+              <a:lumMod val="60000"/>
+              <a:lumOff val="40000"/>
+            </a:schemeClr>
+          </a:solidFill>
+          <a:ln w="19050">
+            <a:solidFill>
+              <a:schemeClr val="tx1"/>
+            </a:solidFill>
+          </a:ln>
+        </p:spPr>
+        <p:style>
+          <a:lnRef idx="2">
+            <a:schemeClr val="accent1">
+              <a:shade val="50000"/>
+            </a:schemeClr>
+          </a:lnRef>
+          <a:fillRef idx="1">
+            <a:schemeClr val="accent1"/>
+          </a:fillRef>
+          <a:effectRef idx="0">
+            <a:schemeClr val="accent1"/>
+          </a:effectRef>
+          <a:fontRef idx="minor">
+            <a:schemeClr val="lt1"/>
+          </a:fontRef>
+        </p:style>
+        <p:txBody>
+          <a:bodyPr rtlCol="0" anchor="ctr"/>
+          <a:lstStyle/>
+          <a:p>
+            <a:pPr algn="ctr"/>
+            <a:r>
+              <a:rPr lang="zh-CN" altLang="en-US" dirty="0" smtClean="0">
+                <a:solidFill>
+                  <a:schemeClr val="tx1"/>
+                </a:solidFill>
+                <a:latin typeface="+mn-ea"/>
+              </a:rPr>
+              <a:t>交互信息</a:t>
+            </a:r>
+            <a:endParaRPr lang="zh-CN" altLang="en-US" dirty="0">
+              <a:solidFill>
+                <a:schemeClr val="tx1"/>
+              </a:solidFill>
+              <a:latin typeface="+mn-ea"/>
+            </a:endParaRPr>
+          </a:p>
+        </p:txBody>
+      </p:sp>
     </p:spTree>
   </p:cSld>
   <p:clrMapOvr>
@@ -4331,4 +4857,287 @@
   <a:objectDefaults/>
   <a:extraClrSchemeLst/>
 </a:theme>
+</file>
+
+<file path=ppt/theme/theme2.xml><?xml version="1.0" encoding="utf-8"?>
+<a:theme xmlns:a="http://schemas.openxmlformats.org/drawingml/2006/main" name="Office 主题">
+  <a:themeElements>
+    <a:clrScheme name="Office">
+      <a:dk1>
+        <a:sysClr val="windowText" lastClr="000000"/>
+      </a:dk1>
+      <a:lt1>
+        <a:sysClr val="window" lastClr="FFFFFF"/>
+      </a:lt1>
+      <a:dk2>
+        <a:srgbClr val="1F497D"/>
+      </a:dk2>
+      <a:lt2>
+        <a:srgbClr val="EEECE1"/>
+      </a:lt2>
+      <a:accent1>
+        <a:srgbClr val="4F81BD"/>
+      </a:accent1>
+      <a:accent2>
+        <a:srgbClr val="C0504D"/>
+      </a:accent2>
+      <a:accent3>
+        <a:srgbClr val="9BBB59"/>
+      </a:accent3>
+      <a:accent4>
+        <a:srgbClr val="8064A2"/>
+      </a:accent4>
+      <a:accent5>
+        <a:srgbClr val="4BACC6"/>
+      </a:accent5>
+      <a:accent6>
+        <a:srgbClr val="F79646"/>
+      </a:accent6>
+      <a:hlink>
+        <a:srgbClr val="0000FF"/>
+      </a:hlink>
+      <a:folHlink>
+        <a:srgbClr val="800080"/>
+      </a:folHlink>
+    </a:clrScheme>
+    <a:fontScheme name="Office">
+      <a:majorFont>
+        <a:latin typeface="Calibri"/>
+        <a:ea typeface=""/>
+        <a:cs typeface=""/>
+        <a:font script="Jpan" typeface="ＭＳ Ｐゴシック"/>
+        <a:font script="Hang" typeface="맑은 고딕"/>
+        <a:font script="Hans" typeface="宋体"/>
+        <a:font script="Hant" typeface="新細明體"/>
+        <a:font script="Arab" typeface="Times New Roman"/>
+        <a:font script="Hebr" typeface="Times New Roman"/>
+        <a:font script="Thai" typeface="Angsana New"/>
+        <a:font script="Ethi" typeface="Nyala"/>
+        <a:font script="Beng" typeface="Vrinda"/>
+        <a:font script="Gujr" typeface="Shruti"/>
+        <a:font script="Khmr" typeface="MoolBoran"/>
+        <a:font script="Knda" typeface="Tunga"/>
+        <a:font script="Guru" typeface="Raavi"/>
+        <a:font script="Cans" typeface="Euphemia"/>
+        <a:font script="Cher" typeface="Plantagenet Cherokee"/>
+        <a:font script="Yiii" typeface="Microsoft Yi Baiti"/>
+        <a:font script="Tibt" typeface="Microsoft Himalaya"/>
+        <a:font script="Thaa" typeface="MV Boli"/>
+        <a:font script="Deva" typeface="Mangal"/>
+        <a:font script="Telu" typeface="Gautami"/>
+        <a:font script="Taml" typeface="Latha"/>
+        <a:font script="Syrc" typeface="Estrangelo Edessa"/>
+        <a:font script="Orya" typeface="Kalinga"/>
+        <a:font script="Mlym" typeface="Kartika"/>
+        <a:font script="Laoo" typeface="DokChampa"/>
+        <a:font script="Sinh" typeface="Iskoola Pota"/>
+        <a:font script="Mong" typeface="Mongolian Baiti"/>
+        <a:font script="Viet" typeface="Times New Roman"/>
+        <a:font script="Uigh" typeface="Microsoft Uighur"/>
+      </a:majorFont>
+      <a:minorFont>
+        <a:latin typeface="Calibri"/>
+        <a:ea typeface=""/>
+        <a:cs typeface=""/>
+        <a:font script="Jpan" typeface="ＭＳ Ｐゴシック"/>
+        <a:font script="Hang" typeface="맑은 고딕"/>
+        <a:font script="Hans" typeface="宋体"/>
+        <a:font script="Hant" typeface="新細明體"/>
+        <a:font script="Arab" typeface="Arial"/>
+        <a:font script="Hebr" typeface="Arial"/>
+        <a:font script="Thai" typeface="Cordia New"/>
+        <a:font script="Ethi" typeface="Nyala"/>
+        <a:font script="Beng" typeface="Vrinda"/>
+        <a:font script="Gujr" typeface="Shruti"/>
+        <a:font script="Khmr" typeface="DaunPenh"/>
+        <a:font script="Knda" typeface="Tunga"/>
+        <a:font script="Guru" typeface="Raavi"/>
+        <a:font script="Cans" typeface="Euphemia"/>
+        <a:font script="Cher" typeface="Plantagenet Cherokee"/>
+        <a:font script="Yiii" typeface="Microsoft Yi Baiti"/>
+        <a:font script="Tibt" typeface="Microsoft Himalaya"/>
+        <a:font script="Thaa" typeface="MV Boli"/>
+        <a:font script="Deva" typeface="Mangal"/>
+        <a:font script="Telu" typeface="Gautami"/>
+        <a:font script="Taml" typeface="Latha"/>
+        <a:font script="Syrc" typeface="Estrangelo Edessa"/>
+        <a:font script="Orya" typeface="Kalinga"/>
+        <a:font script="Mlym" typeface="Kartika"/>
+        <a:font script="Laoo" typeface="DokChampa"/>
+        <a:font script="Sinh" typeface="Iskoola Pota"/>
+        <a:font script="Mong" typeface="Mongolian Baiti"/>
+        <a:font script="Viet" typeface="Arial"/>
+        <a:font script="Uigh" typeface="Microsoft Uighur"/>
+      </a:minorFont>
+    </a:fontScheme>
+    <a:fmtScheme name="Office">
+      <a:fillStyleLst>
+        <a:solidFill>
+          <a:schemeClr val="phClr"/>
+        </a:solidFill>
+        <a:gradFill rotWithShape="1">
+          <a:gsLst>
+            <a:gs pos="0">
+              <a:schemeClr val="phClr">
+                <a:tint val="50000"/>
+                <a:satMod val="300000"/>
+              </a:schemeClr>
+            </a:gs>
+            <a:gs pos="35000">
+              <a:schemeClr val="phClr">
+                <a:tint val="37000"/>
+                <a:satMod val="300000"/>
+              </a:schemeClr>
+            </a:gs>
+            <a:gs pos="100000">
+              <a:schemeClr val="phClr">
+                <a:tint val="15000"/>
+                <a:satMod val="350000"/>
+              </a:schemeClr>
+            </a:gs>
+          </a:gsLst>
+          <a:lin ang="16200000" scaled="1"/>
+        </a:gradFill>
+        <a:gradFill rotWithShape="1">
+          <a:gsLst>
+            <a:gs pos="0">
+              <a:schemeClr val="phClr">
+                <a:shade val="51000"/>
+                <a:satMod val="130000"/>
+              </a:schemeClr>
+            </a:gs>
+            <a:gs pos="80000">
+              <a:schemeClr val="phClr">
+                <a:shade val="93000"/>
+                <a:satMod val="130000"/>
+              </a:schemeClr>
+            </a:gs>
+            <a:gs pos="100000">
+              <a:schemeClr val="phClr">
+                <a:shade val="94000"/>
+                <a:satMod val="135000"/>
+              </a:schemeClr>
+            </a:gs>
+          </a:gsLst>
+          <a:lin ang="16200000" scaled="0"/>
+        </a:gradFill>
+      </a:fillStyleLst>
+      <a:lnStyleLst>
+        <a:ln w="9525" cap="flat" cmpd="sng" algn="ctr">
+          <a:solidFill>
+            <a:schemeClr val="phClr">
+              <a:shade val="95000"/>
+              <a:satMod val="105000"/>
+            </a:schemeClr>
+          </a:solidFill>
+          <a:prstDash val="solid"/>
+        </a:ln>
+        <a:ln w="25400" cap="flat" cmpd="sng" algn="ctr">
+          <a:solidFill>
+            <a:schemeClr val="phClr"/>
+          </a:solidFill>
+          <a:prstDash val="solid"/>
+        </a:ln>
+        <a:ln w="38100" cap="flat" cmpd="sng" algn="ctr">
+          <a:solidFill>
+            <a:schemeClr val="phClr"/>
+          </a:solidFill>
+          <a:prstDash val="solid"/>
+        </a:ln>
+      </a:lnStyleLst>
+      <a:effectStyleLst>
+        <a:effectStyle>
+          <a:effectLst>
+            <a:outerShdw blurRad="40000" dist="20000" dir="5400000" rotWithShape="0">
+              <a:srgbClr val="000000">
+                <a:alpha val="38000"/>
+              </a:srgbClr>
+            </a:outerShdw>
+          </a:effectLst>
+        </a:effectStyle>
+        <a:effectStyle>
+          <a:effectLst>
+            <a:outerShdw blurRad="40000" dist="23000" dir="5400000" rotWithShape="0">
+              <a:srgbClr val="000000">
+                <a:alpha val="35000"/>
+              </a:srgbClr>
+            </a:outerShdw>
+          </a:effectLst>
+        </a:effectStyle>
+        <a:effectStyle>
+          <a:effectLst>
+            <a:outerShdw blurRad="40000" dist="23000" dir="5400000" rotWithShape="0">
+              <a:srgbClr val="000000">
+                <a:alpha val="35000"/>
+              </a:srgbClr>
+            </a:outerShdw>
+          </a:effectLst>
+          <a:scene3d>
+            <a:camera prst="orthographicFront">
+              <a:rot lat="0" lon="0" rev="0"/>
+            </a:camera>
+            <a:lightRig rig="threePt" dir="t">
+              <a:rot lat="0" lon="0" rev="1200000"/>
+            </a:lightRig>
+          </a:scene3d>
+          <a:sp3d>
+            <a:bevelT w="63500" h="25400"/>
+          </a:sp3d>
+        </a:effectStyle>
+      </a:effectStyleLst>
+      <a:bgFillStyleLst>
+        <a:solidFill>
+          <a:schemeClr val="phClr"/>
+        </a:solidFill>
+        <a:gradFill rotWithShape="1">
+          <a:gsLst>
+            <a:gs pos="0">
+              <a:schemeClr val="phClr">
+                <a:tint val="40000"/>
+                <a:satMod val="350000"/>
+              </a:schemeClr>
+            </a:gs>
+            <a:gs pos="40000">
+              <a:schemeClr val="phClr">
+                <a:tint val="45000"/>
+                <a:shade val="99000"/>
+                <a:satMod val="350000"/>
+              </a:schemeClr>
+            </a:gs>
+            <a:gs pos="100000">
+              <a:schemeClr val="phClr">
+                <a:shade val="20000"/>
+                <a:satMod val="255000"/>
+              </a:schemeClr>
+            </a:gs>
+          </a:gsLst>
+          <a:path path="circle">
+            <a:fillToRect l="50000" t="-80000" r="50000" b="180000"/>
+          </a:path>
+        </a:gradFill>
+        <a:gradFill rotWithShape="1">
+          <a:gsLst>
+            <a:gs pos="0">
+              <a:schemeClr val="phClr">
+                <a:tint val="80000"/>
+                <a:satMod val="300000"/>
+              </a:schemeClr>
+            </a:gs>
+            <a:gs pos="100000">
+              <a:schemeClr val="phClr">
+                <a:shade val="30000"/>
+                <a:satMod val="200000"/>
+              </a:schemeClr>
+            </a:gs>
+          </a:gsLst>
+          <a:path path="circle">
+            <a:fillToRect l="50000" t="50000" r="50000" b="50000"/>
+          </a:path>
+        </a:gradFill>
+      </a:bgFillStyleLst>
+    </a:fmtScheme>
+  </a:themeElements>
+  <a:objectDefaults/>
+  <a:extraClrSchemeLst/>
+</a:theme>
 </file>
--- a/论文图/NLIapproach.pptx
+++ b/论文图/NLIapproach.pptx
@@ -192,7 +192,8 @@
           <a:p>
             <a:fld id="{D04D0CED-5A2B-4F71-B513-5D9B98A9A22B}" type="datetimeFigureOut">
               <a:rPr lang="zh-CN" altLang="en-US" smtClean="0"/>
-              <a:t>2018/11/28</a:t>
+              <a:pPr/>
+              <a:t>2018/12/5</a:t>
             </a:fld>
             <a:endParaRPr lang="zh-CN" altLang="en-US"/>
           </a:p>
@@ -353,6 +354,7 @@
           <a:p>
             <a:fld id="{B3597658-B7C1-48E5-82FE-A6210630345B}" type="slidenum">
               <a:rPr lang="zh-CN" altLang="en-US" smtClean="0"/>
+              <a:pPr/>
               <a:t>‹#›</a:t>
             </a:fld>
             <a:endParaRPr lang="zh-CN" altLang="en-US"/>
@@ -524,6 +526,7 @@
           <a:p>
             <a:fld id="{B3597658-B7C1-48E5-82FE-A6210630345B}" type="slidenum">
               <a:rPr lang="zh-CN" altLang="en-US" smtClean="0"/>
+              <a:pPr/>
               <a:t>1</a:t>
             </a:fld>
             <a:endParaRPr lang="zh-CN" altLang="en-US"/>
@@ -720,7 +723,7 @@
             <a:fld id="{530820CF-B880-4189-942D-D702A7CBA730}" type="datetimeFigureOut">
               <a:rPr lang="zh-CN" altLang="en-US" smtClean="0"/>
               <a:pPr/>
-              <a:t>2018/11/28</a:t>
+              <a:t>2018/12/5</a:t>
             </a:fld>
             <a:endParaRPr lang="zh-CN" altLang="en-US"/>
           </a:p>
@@ -887,7 +890,7 @@
             <a:fld id="{530820CF-B880-4189-942D-D702A7CBA730}" type="datetimeFigureOut">
               <a:rPr lang="zh-CN" altLang="en-US" smtClean="0"/>
               <a:pPr/>
-              <a:t>2018/11/28</a:t>
+              <a:t>2018/12/5</a:t>
             </a:fld>
             <a:endParaRPr lang="zh-CN" altLang="en-US"/>
           </a:p>
@@ -1064,7 +1067,7 @@
             <a:fld id="{530820CF-B880-4189-942D-D702A7CBA730}" type="datetimeFigureOut">
               <a:rPr lang="zh-CN" altLang="en-US" smtClean="0"/>
               <a:pPr/>
-              <a:t>2018/11/28</a:t>
+              <a:t>2018/12/5</a:t>
             </a:fld>
             <a:endParaRPr lang="zh-CN" altLang="en-US"/>
           </a:p>
@@ -1231,7 +1234,7 @@
             <a:fld id="{530820CF-B880-4189-942D-D702A7CBA730}" type="datetimeFigureOut">
               <a:rPr lang="zh-CN" altLang="en-US" smtClean="0"/>
               <a:pPr/>
-              <a:t>2018/11/28</a:t>
+              <a:t>2018/12/5</a:t>
             </a:fld>
             <a:endParaRPr lang="zh-CN" altLang="en-US"/>
           </a:p>
@@ -1474,7 +1477,7 @@
             <a:fld id="{530820CF-B880-4189-942D-D702A7CBA730}" type="datetimeFigureOut">
               <a:rPr lang="zh-CN" altLang="en-US" smtClean="0"/>
               <a:pPr/>
-              <a:t>2018/11/28</a:t>
+              <a:t>2018/12/5</a:t>
             </a:fld>
             <a:endParaRPr lang="zh-CN" altLang="en-US"/>
           </a:p>
@@ -1759,7 +1762,7 @@
             <a:fld id="{530820CF-B880-4189-942D-D702A7CBA730}" type="datetimeFigureOut">
               <a:rPr lang="zh-CN" altLang="en-US" smtClean="0"/>
               <a:pPr/>
-              <a:t>2018/11/28</a:t>
+              <a:t>2018/12/5</a:t>
             </a:fld>
             <a:endParaRPr lang="zh-CN" altLang="en-US"/>
           </a:p>
@@ -2178,7 +2181,7 @@
             <a:fld id="{530820CF-B880-4189-942D-D702A7CBA730}" type="datetimeFigureOut">
               <a:rPr lang="zh-CN" altLang="en-US" smtClean="0"/>
               <a:pPr/>
-              <a:t>2018/11/28</a:t>
+              <a:t>2018/12/5</a:t>
             </a:fld>
             <a:endParaRPr lang="zh-CN" altLang="en-US"/>
           </a:p>
@@ -2293,7 +2296,7 @@
             <a:fld id="{530820CF-B880-4189-942D-D702A7CBA730}" type="datetimeFigureOut">
               <a:rPr lang="zh-CN" altLang="en-US" smtClean="0"/>
               <a:pPr/>
-              <a:t>2018/11/28</a:t>
+              <a:t>2018/12/5</a:t>
             </a:fld>
             <a:endParaRPr lang="zh-CN" altLang="en-US"/>
           </a:p>
@@ -2385,7 +2388,7 @@
             <a:fld id="{530820CF-B880-4189-942D-D702A7CBA730}" type="datetimeFigureOut">
               <a:rPr lang="zh-CN" altLang="en-US" smtClean="0"/>
               <a:pPr/>
-              <a:t>2018/11/28</a:t>
+              <a:t>2018/12/5</a:t>
             </a:fld>
             <a:endParaRPr lang="zh-CN" altLang="en-US"/>
           </a:p>
@@ -2659,7 +2662,7 @@
             <a:fld id="{530820CF-B880-4189-942D-D702A7CBA730}" type="datetimeFigureOut">
               <a:rPr lang="zh-CN" altLang="en-US" smtClean="0"/>
               <a:pPr/>
-              <a:t>2018/11/28</a:t>
+              <a:t>2018/12/5</a:t>
             </a:fld>
             <a:endParaRPr lang="zh-CN" altLang="en-US"/>
           </a:p>
@@ -2909,7 +2912,7 @@
             <a:fld id="{530820CF-B880-4189-942D-D702A7CBA730}" type="datetimeFigureOut">
               <a:rPr lang="zh-CN" altLang="en-US" smtClean="0"/>
               <a:pPr/>
-              <a:t>2018/11/28</a:t>
+              <a:t>2018/12/5</a:t>
             </a:fld>
             <a:endParaRPr lang="zh-CN" altLang="en-US"/>
           </a:p>
@@ -3119,7 +3122,7 @@
             <a:fld id="{530820CF-B880-4189-942D-D702A7CBA730}" type="datetimeFigureOut">
               <a:rPr lang="zh-CN" altLang="en-US" smtClean="0"/>
               <a:pPr/>
-              <a:t>2018/11/28</a:t>
+              <a:t>2018/12/5</a:t>
             </a:fld>
             <a:endParaRPr lang="zh-CN" altLang="en-US"/>
           </a:p>
@@ -3498,16 +3501,16 @@
         </p:nvSpPr>
         <p:spPr>
           <a:xfrm>
-            <a:off x="3237686" y="1785926"/>
-            <a:ext cx="1524000" cy="557347"/>
+            <a:off x="3237686" y="1357298"/>
+            <a:ext cx="1500198" cy="557347"/>
           </a:xfrm>
           <a:prstGeom prst="roundRect">
             <a:avLst/>
           </a:prstGeom>
           <a:solidFill>
             <a:schemeClr val="accent1">
-              <a:lumMod val="60000"/>
-              <a:lumOff val="40000"/>
+              <a:lumMod val="40000"/>
+              <a:lumOff val="60000"/>
             </a:schemeClr>
           </a:solidFill>
           <a:ln w="19050">
@@ -3623,7 +3626,7 @@
           <a:solidFill>
             <a:schemeClr val="bg2"/>
           </a:solidFill>
-          <a:ln>
+          <a:ln w="19050">
             <a:solidFill>
               <a:schemeClr val="tx1"/>
             </a:solidFill>
@@ -3656,21 +3659,8 @@
                   <a:schemeClr val="tx1"/>
                 </a:solidFill>
               </a:rPr>
-              <a:t>依赖解析树</a:t>
-            </a:r>
-            <a:r>
-              <a:rPr lang="zh-CN" altLang="en-US" dirty="0" smtClean="0">
-                <a:solidFill>
-                  <a:schemeClr val="tx1"/>
-                </a:solidFill>
-              </a:rPr>
-              <a:t>生成模块</a:t>
-            </a:r>
-            <a:endParaRPr lang="zh-CN" altLang="en-US" dirty="0" smtClean="0">
-              <a:solidFill>
-                <a:schemeClr val="tx1"/>
-              </a:solidFill>
-            </a:endParaRPr>
+              <a:t>依赖解析树生成模块</a:t>
+            </a:r>
           </a:p>
         </p:txBody>
       </p:sp>
@@ -3691,7 +3681,7 @@
           <a:solidFill>
             <a:schemeClr val="bg2"/>
           </a:solidFill>
-          <a:ln>
+          <a:ln w="19050">
             <a:solidFill>
               <a:schemeClr val="tx1"/>
             </a:solidFill>
@@ -3724,21 +3714,8 @@
                   <a:schemeClr val="tx1"/>
                 </a:solidFill>
               </a:rPr>
-              <a:t>解析树节点</a:t>
-            </a:r>
-            <a:r>
-              <a:rPr lang="zh-CN" altLang="en-US" dirty="0" smtClean="0">
-                <a:solidFill>
-                  <a:schemeClr val="tx1"/>
-                </a:solidFill>
-              </a:rPr>
-              <a:t>映射模块</a:t>
-            </a:r>
-            <a:endParaRPr lang="zh-CN" altLang="en-US" dirty="0" smtClean="0">
-              <a:solidFill>
-                <a:schemeClr val="tx1"/>
-              </a:solidFill>
-            </a:endParaRPr>
+              <a:t>解析树节点映射模块</a:t>
+            </a:r>
           </a:p>
         </p:txBody>
       </p:sp>
@@ -3759,7 +3736,7 @@
           <a:solidFill>
             <a:schemeClr val="bg2"/>
           </a:solidFill>
-          <a:ln>
+          <a:ln w="19050">
             <a:solidFill>
               <a:schemeClr val="tx1"/>
             </a:solidFill>
@@ -3792,21 +3769,8 @@
                   <a:schemeClr val="tx1"/>
                 </a:solidFill>
               </a:rPr>
-              <a:t>解析树优化</a:t>
-            </a:r>
-            <a:r>
-              <a:rPr lang="zh-CN" altLang="en-US" dirty="0" smtClean="0">
-                <a:solidFill>
-                  <a:schemeClr val="tx1"/>
-                </a:solidFill>
-              </a:rPr>
-              <a:t>重构模块</a:t>
-            </a:r>
-            <a:endParaRPr lang="zh-CN" altLang="en-US" dirty="0" smtClean="0">
-              <a:solidFill>
-                <a:schemeClr val="tx1"/>
-              </a:solidFill>
-            </a:endParaRPr>
+              <a:t>解析树优化重构模块</a:t>
+            </a:r>
           </a:p>
         </p:txBody>
       </p:sp>
@@ -3827,7 +3791,7 @@
           <a:solidFill>
             <a:schemeClr val="bg2"/>
           </a:solidFill>
-          <a:ln>
+          <a:ln w="19050">
             <a:solidFill>
               <a:schemeClr val="tx1"/>
             </a:solidFill>
@@ -3860,21 +3824,8 @@
                   <a:schemeClr val="tx1"/>
                 </a:solidFill>
               </a:rPr>
-              <a:t>查询树</a:t>
-            </a:r>
-            <a:r>
-              <a:rPr lang="zh-CN" altLang="en-US" dirty="0" smtClean="0">
-                <a:solidFill>
-                  <a:schemeClr val="tx1"/>
-                </a:solidFill>
-              </a:rPr>
-              <a:t>翻译模块</a:t>
-            </a:r>
-            <a:endParaRPr lang="zh-CN" altLang="en-US" dirty="0" smtClean="0">
-              <a:solidFill>
-                <a:schemeClr val="tx1"/>
-              </a:solidFill>
-            </a:endParaRPr>
+              <a:t>查询树翻译模块</a:t>
+            </a:r>
           </a:p>
         </p:txBody>
       </p:sp>
@@ -3895,7 +3846,7 @@
           <a:solidFill>
             <a:schemeClr val="bg2"/>
           </a:solidFill>
-          <a:ln>
+          <a:ln w="19050">
             <a:solidFill>
               <a:schemeClr val="tx1"/>
             </a:solidFill>
@@ -3928,13 +3879,16 @@
                   <a:schemeClr val="tx1"/>
                 </a:solidFill>
               </a:rPr>
-              <a:t>交互模块</a:t>
-            </a:r>
-            <a:endParaRPr lang="zh-CN" altLang="en-US" dirty="0" smtClean="0">
-              <a:solidFill>
-                <a:schemeClr val="tx1"/>
-              </a:solidFill>
-            </a:endParaRPr>
+              <a:t>意图交互</a:t>
+            </a:r>
+            <a:r>
+              <a:rPr lang="zh-CN" altLang="en-US" dirty="0" smtClean="0">
+                <a:solidFill>
+                  <a:schemeClr val="tx1"/>
+                </a:solidFill>
+              </a:rPr>
+              <a:t>模块</a:t>
+            </a:r>
           </a:p>
         </p:txBody>
       </p:sp>
@@ -3946,7 +3900,7 @@
         </p:nvSpPr>
         <p:spPr>
           <a:xfrm>
-            <a:off x="9832959" y="2786058"/>
+            <a:off x="9881420" y="2786058"/>
             <a:ext cx="1071570" cy="1214446"/>
           </a:xfrm>
           <a:prstGeom prst="can">
@@ -3994,8 +3948,29 @@
                   <a:schemeClr val="tx1"/>
                 </a:solidFill>
               </a:rPr>
+              <a:t>业务</a:t>
+            </a:r>
+            <a:endParaRPr lang="en-US" altLang="zh-CN" dirty="0" smtClean="0">
+              <a:solidFill>
+                <a:schemeClr val="tx1"/>
+              </a:solidFill>
+            </a:endParaRPr>
+          </a:p>
+          <a:p>
+            <a:pPr algn="ctr"/>
+            <a:r>
+              <a:rPr lang="zh-CN" altLang="en-US" dirty="0" smtClean="0">
+                <a:solidFill>
+                  <a:schemeClr val="tx1"/>
+                </a:solidFill>
+              </a:rPr>
               <a:t>数据库</a:t>
             </a:r>
+            <a:endParaRPr lang="zh-CN" altLang="en-US" dirty="0" smtClean="0">
+              <a:solidFill>
+                <a:schemeClr val="tx1"/>
+              </a:solidFill>
+            </a:endParaRPr>
           </a:p>
         </p:txBody>
       </p:sp>
@@ -4226,8 +4201,8 @@
         </p:nvCxnSpPr>
         <p:spPr>
           <a:xfrm rot="10800000">
-            <a:off x="8904265" y="2821777"/>
-            <a:ext cx="928694" cy="571504"/>
+            <a:off x="8904266" y="2821777"/>
+            <a:ext cx="977155" cy="571504"/>
           </a:xfrm>
           <a:prstGeom prst="bentConnector3">
             <a:avLst>
@@ -4270,8 +4245,8 @@
         </p:nvCxnSpPr>
         <p:spPr>
           <a:xfrm rot="10800000" flipV="1">
-            <a:off x="8904265" y="3393281"/>
-            <a:ext cx="928694" cy="571504"/>
+            <a:off x="8904266" y="3393281"/>
+            <a:ext cx="977155" cy="571504"/>
           </a:xfrm>
           <a:prstGeom prst="bentConnector3">
             <a:avLst>
@@ -4346,94 +4321,6 @@
           </a:fontRef>
         </p:style>
       </p:cxnSp>
-      <p:cxnSp>
-        <p:nvCxnSpPr>
-          <p:cNvPr id="26" name="肘形连接符 25"/>
-          <p:cNvCxnSpPr>
-            <a:stCxn id="4" idx="3"/>
-            <a:endCxn id="7" idx="1"/>
-          </p:cNvCxnSpPr>
-          <p:nvPr/>
-        </p:nvCxnSpPr>
-        <p:spPr>
-          <a:xfrm flipV="1">
-            <a:off x="4761686" y="1678769"/>
-            <a:ext cx="2785257" cy="385831"/>
-          </a:xfrm>
-          <a:prstGeom prst="bentConnector3">
-            <a:avLst>
-              <a:gd name="adj1" fmla="val 50000"/>
-            </a:avLst>
-          </a:prstGeom>
-          <a:ln w="22225">
-            <a:solidFill>
-              <a:schemeClr val="tx1">
-                <a:lumMod val="85000"/>
-                <a:lumOff val="15000"/>
-              </a:schemeClr>
-            </a:solidFill>
-            <a:tailEnd type="triangle" w="lg" len="lg"/>
-          </a:ln>
-        </p:spPr>
-        <p:style>
-          <a:lnRef idx="1">
-            <a:schemeClr val="accent1"/>
-          </a:lnRef>
-          <a:fillRef idx="0">
-            <a:schemeClr val="accent1"/>
-          </a:fillRef>
-          <a:effectRef idx="0">
-            <a:schemeClr val="accent1"/>
-          </a:effectRef>
-          <a:fontRef idx="minor">
-            <a:schemeClr val="tx1"/>
-          </a:fontRef>
-        </p:style>
-      </p:cxnSp>
-      <p:cxnSp>
-        <p:nvCxnSpPr>
-          <p:cNvPr id="27" name="肘形连接符 26"/>
-          <p:cNvCxnSpPr>
-            <a:stCxn id="10" idx="1"/>
-            <a:endCxn id="36" idx="3"/>
-          </p:cNvCxnSpPr>
-          <p:nvPr/>
-        </p:nvCxnSpPr>
-        <p:spPr>
-          <a:xfrm rot="10800000">
-            <a:off x="4761687" y="4636369"/>
-            <a:ext cx="2785257" cy="542863"/>
-          </a:xfrm>
-          <a:prstGeom prst="bentConnector3">
-            <a:avLst>
-              <a:gd name="adj1" fmla="val 50000"/>
-            </a:avLst>
-          </a:prstGeom>
-          <a:ln w="22225">
-            <a:solidFill>
-              <a:schemeClr val="tx1">
-                <a:lumMod val="85000"/>
-                <a:lumOff val="15000"/>
-              </a:schemeClr>
-            </a:solidFill>
-            <a:tailEnd type="triangle" w="lg" len="lg"/>
-          </a:ln>
-        </p:spPr>
-        <p:style>
-          <a:lnRef idx="1">
-            <a:schemeClr val="accent1"/>
-          </a:lnRef>
-          <a:fillRef idx="0">
-            <a:schemeClr val="accent1"/>
-          </a:fillRef>
-          <a:effectRef idx="0">
-            <a:schemeClr val="accent1"/>
-          </a:effectRef>
-          <a:fontRef idx="minor">
-            <a:schemeClr val="tx1"/>
-          </a:fontRef>
-        </p:style>
-      </p:cxnSp>
       <p:sp>
         <p:nvSpPr>
           <p:cNvPr id="36" name="圆角矩形 35"/>
@@ -4442,7 +4329,7 @@
         </p:nvSpPr>
         <p:spPr>
           <a:xfrm>
-            <a:off x="3237686" y="4357694"/>
+            <a:off x="3285322" y="4871917"/>
             <a:ext cx="1524000" cy="557347"/>
           </a:xfrm>
           <a:prstGeom prst="roundRect">
@@ -4519,8 +4406,8 @@
           </a:prstGeom>
           <a:solidFill>
             <a:schemeClr val="accent1">
-              <a:lumMod val="60000"/>
-              <a:lumOff val="40000"/>
+              <a:lumMod val="40000"/>
+              <a:lumOff val="60000"/>
             </a:schemeClr>
           </a:solidFill>
           <a:ln w="19050">
@@ -4557,7 +4444,25 @@
                 </a:solidFill>
                 <a:latin typeface="+mn-ea"/>
               </a:rPr>
-              <a:t>交互信息</a:t>
+              <a:t>意图交互</a:t>
+            </a:r>
+            <a:endParaRPr lang="en-US" altLang="zh-CN" dirty="0" smtClean="0">
+              <a:solidFill>
+                <a:schemeClr val="tx1"/>
+              </a:solidFill>
+              <a:latin typeface="+mn-ea"/>
+            </a:endParaRPr>
+          </a:p>
+          <a:p>
+            <a:pPr algn="ctr"/>
+            <a:r>
+              <a:rPr lang="zh-CN" altLang="en-US" dirty="0" smtClean="0">
+                <a:solidFill>
+                  <a:schemeClr val="tx1"/>
+                </a:solidFill>
+                <a:latin typeface="+mn-ea"/>
+              </a:rPr>
+              <a:t>信息</a:t>
             </a:r>
             <a:endParaRPr lang="zh-CN" altLang="en-US" dirty="0">
               <a:solidFill>
@@ -4568,6 +4473,212 @@
           </a:p>
         </p:txBody>
       </p:sp>
+      <p:cxnSp>
+        <p:nvCxnSpPr>
+          <p:cNvPr id="24" name="直接箭头连接符 23"/>
+          <p:cNvCxnSpPr/>
+          <p:nvPr/>
+        </p:nvCxnSpPr>
+        <p:spPr>
+          <a:xfrm>
+            <a:off x="4737884" y="1643050"/>
+            <a:ext cx="2786082" cy="1588"/>
+          </a:xfrm>
+          <a:prstGeom prst="straightConnector1">
+            <a:avLst/>
+          </a:prstGeom>
+          <a:ln w="22225">
+            <a:solidFill>
+              <a:schemeClr val="tx1">
+                <a:lumMod val="85000"/>
+                <a:lumOff val="15000"/>
+              </a:schemeClr>
+            </a:solidFill>
+            <a:headEnd type="none" w="lg" len="lg"/>
+            <a:tailEnd type="triangle" w="lg" len="lg"/>
+          </a:ln>
+        </p:spPr>
+        <p:style>
+          <a:lnRef idx="1">
+            <a:schemeClr val="accent1"/>
+          </a:lnRef>
+          <a:fillRef idx="0">
+            <a:schemeClr val="accent1"/>
+          </a:fillRef>
+          <a:effectRef idx="0">
+            <a:schemeClr val="accent1"/>
+          </a:effectRef>
+          <a:fontRef idx="minor">
+            <a:schemeClr val="tx1"/>
+          </a:fontRef>
+        </p:style>
+      </p:cxnSp>
+      <p:cxnSp>
+        <p:nvCxnSpPr>
+          <p:cNvPr id="25" name="直接箭头连接符 24"/>
+          <p:cNvCxnSpPr/>
+          <p:nvPr/>
+        </p:nvCxnSpPr>
+        <p:spPr>
+          <a:xfrm>
+            <a:off x="4809322" y="5143512"/>
+            <a:ext cx="2714644" cy="1588"/>
+          </a:xfrm>
+          <a:prstGeom prst="straightConnector1">
+            <a:avLst/>
+          </a:prstGeom>
+          <a:ln w="22225">
+            <a:solidFill>
+              <a:schemeClr val="tx1">
+                <a:lumMod val="85000"/>
+                <a:lumOff val="15000"/>
+              </a:schemeClr>
+            </a:solidFill>
+            <a:headEnd type="triangle" w="lg" len="lg"/>
+            <a:tailEnd type="none" w="lg" len="lg"/>
+          </a:ln>
+        </p:spPr>
+        <p:style>
+          <a:lnRef idx="1">
+            <a:schemeClr val="accent1"/>
+          </a:lnRef>
+          <a:fillRef idx="0">
+            <a:schemeClr val="accent1"/>
+          </a:fillRef>
+          <a:effectRef idx="0">
+            <a:schemeClr val="accent1"/>
+          </a:effectRef>
+          <a:fontRef idx="minor">
+            <a:schemeClr val="tx1"/>
+          </a:fontRef>
+        </p:style>
+      </p:cxnSp>
+      <p:cxnSp>
+        <p:nvCxnSpPr>
+          <p:cNvPr id="31" name="直接箭头连接符 30"/>
+          <p:cNvCxnSpPr>
+            <a:endCxn id="4" idx="1"/>
+          </p:cNvCxnSpPr>
+          <p:nvPr/>
+        </p:nvCxnSpPr>
+        <p:spPr>
+          <a:xfrm rot="5400000" flipH="1" flipV="1">
+            <a:off x="2305453" y="2139577"/>
+            <a:ext cx="1435838" cy="428628"/>
+          </a:xfrm>
+          <a:prstGeom prst="straightConnector1">
+            <a:avLst/>
+          </a:prstGeom>
+          <a:ln w="22225">
+            <a:solidFill>
+              <a:schemeClr val="tx1">
+                <a:lumMod val="85000"/>
+                <a:lumOff val="15000"/>
+              </a:schemeClr>
+            </a:solidFill>
+            <a:headEnd type="none" w="lg" len="lg"/>
+            <a:tailEnd type="triangle" w="lg" len="lg"/>
+          </a:ln>
+        </p:spPr>
+        <p:style>
+          <a:lnRef idx="1">
+            <a:schemeClr val="accent1"/>
+          </a:lnRef>
+          <a:fillRef idx="0">
+            <a:schemeClr val="accent1"/>
+          </a:fillRef>
+          <a:effectRef idx="0">
+            <a:schemeClr val="accent1"/>
+          </a:effectRef>
+          <a:fontRef idx="minor">
+            <a:schemeClr val="tx1"/>
+          </a:fontRef>
+        </p:style>
+      </p:cxnSp>
+      <p:cxnSp>
+        <p:nvCxnSpPr>
+          <p:cNvPr id="32" name="直接箭头连接符 31"/>
+          <p:cNvCxnSpPr>
+            <a:endCxn id="37" idx="1"/>
+          </p:cNvCxnSpPr>
+          <p:nvPr/>
+        </p:nvCxnSpPr>
+        <p:spPr>
+          <a:xfrm>
+            <a:off x="2809058" y="3293202"/>
+            <a:ext cx="428628" cy="57282"/>
+          </a:xfrm>
+          <a:prstGeom prst="straightConnector1">
+            <a:avLst/>
+          </a:prstGeom>
+          <a:ln w="22225">
+            <a:solidFill>
+              <a:schemeClr val="tx1">
+                <a:lumMod val="85000"/>
+                <a:lumOff val="15000"/>
+              </a:schemeClr>
+            </a:solidFill>
+            <a:headEnd type="none" w="lg" len="lg"/>
+            <a:tailEnd type="triangle" w="lg" len="lg"/>
+          </a:ln>
+        </p:spPr>
+        <p:style>
+          <a:lnRef idx="1">
+            <a:schemeClr val="accent1"/>
+          </a:lnRef>
+          <a:fillRef idx="0">
+            <a:schemeClr val="accent1"/>
+          </a:fillRef>
+          <a:effectRef idx="0">
+            <a:schemeClr val="accent1"/>
+          </a:effectRef>
+          <a:fontRef idx="minor">
+            <a:schemeClr val="tx1"/>
+          </a:fontRef>
+        </p:style>
+      </p:cxnSp>
+      <p:cxnSp>
+        <p:nvCxnSpPr>
+          <p:cNvPr id="38" name="直接箭头连接符 37"/>
+          <p:cNvCxnSpPr>
+            <a:endCxn id="36" idx="1"/>
+          </p:cNvCxnSpPr>
+          <p:nvPr/>
+        </p:nvCxnSpPr>
+        <p:spPr>
+          <a:xfrm rot="16200000" flipH="1">
+            <a:off x="2261372" y="4126640"/>
+            <a:ext cx="1571637" cy="476264"/>
+          </a:xfrm>
+          <a:prstGeom prst="straightConnector1">
+            <a:avLst/>
+          </a:prstGeom>
+          <a:ln w="22225">
+            <a:solidFill>
+              <a:schemeClr val="tx1">
+                <a:lumMod val="85000"/>
+                <a:lumOff val="15000"/>
+              </a:schemeClr>
+            </a:solidFill>
+            <a:headEnd type="triangle" w="lg" len="lg"/>
+            <a:tailEnd type="none" w="lg" len="lg"/>
+          </a:ln>
+        </p:spPr>
+        <p:style>
+          <a:lnRef idx="1">
+            <a:schemeClr val="accent1"/>
+          </a:lnRef>
+          <a:fillRef idx="0">
+            <a:schemeClr val="accent1"/>
+          </a:fillRef>
+          <a:effectRef idx="0">
+            <a:schemeClr val="accent1"/>
+          </a:effectRef>
+          <a:fontRef idx="minor">
+            <a:schemeClr val="tx1"/>
+          </a:fontRef>
+        </p:style>
+      </p:cxnSp>
     </p:spTree>
   </p:cSld>
   <p:clrMapOvr>

--- a/论文图/NLIapproach.pptx
+++ b/论文图/NLIapproach.pptx
@@ -10,14 +10,14 @@
   <p:sldIdLst>
     <p:sldId id="256" r:id="rId2"/>
   </p:sldIdLst>
-  <p:sldSz cx="12190413" cy="6858000"/>
+  <p:sldSz cx="10009188" cy="5689600"/>
   <p:notesSz cx="6858000" cy="9144000"/>
   <p:defaultTextStyle>
     <a:defPPr>
       <a:defRPr lang="zh-CN"/>
     </a:defPPr>
-    <a:lvl1pPr marL="0" algn="l" defTabSz="914400" rtl="0" eaLnBrk="1" latinLnBrk="0" hangingPunct="1">
-      <a:defRPr sz="1800" kern="1200">
+    <a:lvl1pPr marL="0" algn="l" defTabSz="753557" rtl="0" eaLnBrk="1" latinLnBrk="0" hangingPunct="1">
+      <a:defRPr sz="1500" kern="1200">
         <a:solidFill>
           <a:schemeClr val="tx1"/>
         </a:solidFill>
@@ -26,8 +26,8 @@
         <a:cs typeface="+mn-cs"/>
       </a:defRPr>
     </a:lvl1pPr>
-    <a:lvl2pPr marL="457200" algn="l" defTabSz="914400" rtl="0" eaLnBrk="1" latinLnBrk="0" hangingPunct="1">
-      <a:defRPr sz="1800" kern="1200">
+    <a:lvl2pPr marL="376779" algn="l" defTabSz="753557" rtl="0" eaLnBrk="1" latinLnBrk="0" hangingPunct="1">
+      <a:defRPr sz="1500" kern="1200">
         <a:solidFill>
           <a:schemeClr val="tx1"/>
         </a:solidFill>
@@ -36,8 +36,8 @@
         <a:cs typeface="+mn-cs"/>
       </a:defRPr>
     </a:lvl2pPr>
-    <a:lvl3pPr marL="914400" algn="l" defTabSz="914400" rtl="0" eaLnBrk="1" latinLnBrk="0" hangingPunct="1">
-      <a:defRPr sz="1800" kern="1200">
+    <a:lvl3pPr marL="753557" algn="l" defTabSz="753557" rtl="0" eaLnBrk="1" latinLnBrk="0" hangingPunct="1">
+      <a:defRPr sz="1500" kern="1200">
         <a:solidFill>
           <a:schemeClr val="tx1"/>
         </a:solidFill>
@@ -46,8 +46,8 @@
         <a:cs typeface="+mn-cs"/>
       </a:defRPr>
     </a:lvl3pPr>
-    <a:lvl4pPr marL="1371600" algn="l" defTabSz="914400" rtl="0" eaLnBrk="1" latinLnBrk="0" hangingPunct="1">
-      <a:defRPr sz="1800" kern="1200">
+    <a:lvl4pPr marL="1130336" algn="l" defTabSz="753557" rtl="0" eaLnBrk="1" latinLnBrk="0" hangingPunct="1">
+      <a:defRPr sz="1500" kern="1200">
         <a:solidFill>
           <a:schemeClr val="tx1"/>
         </a:solidFill>
@@ -56,8 +56,8 @@
         <a:cs typeface="+mn-cs"/>
       </a:defRPr>
     </a:lvl4pPr>
-    <a:lvl5pPr marL="1828800" algn="l" defTabSz="914400" rtl="0" eaLnBrk="1" latinLnBrk="0" hangingPunct="1">
-      <a:defRPr sz="1800" kern="1200">
+    <a:lvl5pPr marL="1507114" algn="l" defTabSz="753557" rtl="0" eaLnBrk="1" latinLnBrk="0" hangingPunct="1">
+      <a:defRPr sz="1500" kern="1200">
         <a:solidFill>
           <a:schemeClr val="tx1"/>
         </a:solidFill>
@@ -66,8 +66,8 @@
         <a:cs typeface="+mn-cs"/>
       </a:defRPr>
     </a:lvl5pPr>
-    <a:lvl6pPr marL="2286000" algn="l" defTabSz="914400" rtl="0" eaLnBrk="1" latinLnBrk="0" hangingPunct="1">
-      <a:defRPr sz="1800" kern="1200">
+    <a:lvl6pPr marL="1883893" algn="l" defTabSz="753557" rtl="0" eaLnBrk="1" latinLnBrk="0" hangingPunct="1">
+      <a:defRPr sz="1500" kern="1200">
         <a:solidFill>
           <a:schemeClr val="tx1"/>
         </a:solidFill>
@@ -76,8 +76,8 @@
         <a:cs typeface="+mn-cs"/>
       </a:defRPr>
     </a:lvl6pPr>
-    <a:lvl7pPr marL="2743200" algn="l" defTabSz="914400" rtl="0" eaLnBrk="1" latinLnBrk="0" hangingPunct="1">
-      <a:defRPr sz="1800" kern="1200">
+    <a:lvl7pPr marL="2260671" algn="l" defTabSz="753557" rtl="0" eaLnBrk="1" latinLnBrk="0" hangingPunct="1">
+      <a:defRPr sz="1500" kern="1200">
         <a:solidFill>
           <a:schemeClr val="tx1"/>
         </a:solidFill>
@@ -86,8 +86,8 @@
         <a:cs typeface="+mn-cs"/>
       </a:defRPr>
     </a:lvl7pPr>
-    <a:lvl8pPr marL="3200400" algn="l" defTabSz="914400" rtl="0" eaLnBrk="1" latinLnBrk="0" hangingPunct="1">
-      <a:defRPr sz="1800" kern="1200">
+    <a:lvl8pPr marL="2637450" algn="l" defTabSz="753557" rtl="0" eaLnBrk="1" latinLnBrk="0" hangingPunct="1">
+      <a:defRPr sz="1500" kern="1200">
         <a:solidFill>
           <a:schemeClr val="tx1"/>
         </a:solidFill>
@@ -96,8 +96,8 @@
         <a:cs typeface="+mn-cs"/>
       </a:defRPr>
     </a:lvl8pPr>
-    <a:lvl9pPr marL="3657600" algn="l" defTabSz="914400" rtl="0" eaLnBrk="1" latinLnBrk="0" hangingPunct="1">
-      <a:defRPr sz="1800" kern="1200">
+    <a:lvl9pPr marL="3014228" algn="l" defTabSz="753557" rtl="0" eaLnBrk="1" latinLnBrk="0" hangingPunct="1">
+      <a:defRPr sz="1500" kern="1200">
         <a:solidFill>
           <a:schemeClr val="tx1"/>
         </a:solidFill>
@@ -193,7 +193,7 @@
             <a:fld id="{D04D0CED-5A2B-4F71-B513-5D9B98A9A22B}" type="datetimeFigureOut">
               <a:rPr lang="zh-CN" altLang="en-US" smtClean="0"/>
               <a:pPr/>
-              <a:t>2018/12/5</a:t>
+              <a:t>2018/12/14</a:t>
             </a:fld>
             <a:endParaRPr lang="zh-CN" altLang="en-US"/>
           </a:p>
@@ -211,8 +211,8 @@
         </p:nvSpPr>
         <p:spPr>
           <a:xfrm>
-            <a:off x="382588" y="685800"/>
-            <a:ext cx="6092825" cy="3429000"/>
+            <a:off x="412750" y="685800"/>
+            <a:ext cx="6032500" cy="3429000"/>
           </a:xfrm>
           <a:prstGeom prst="rect">
             <a:avLst/>
@@ -365,8 +365,8 @@
   </p:cSld>
   <p:clrMap bg1="lt1" tx1="dk1" bg2="lt2" tx2="dk2" accent1="accent1" accent2="accent2" accent3="accent3" accent4="accent4" accent5="accent5" accent6="accent6" hlink="hlink" folHlink="folHlink"/>
   <p:notesStyle>
-    <a:lvl1pPr marL="0" algn="l" defTabSz="914400" rtl="0" eaLnBrk="1" latinLnBrk="0" hangingPunct="1">
-      <a:defRPr sz="1200" kern="1200">
+    <a:lvl1pPr marL="0" algn="l" defTabSz="753557" rtl="0" eaLnBrk="1" latinLnBrk="0" hangingPunct="1">
+      <a:defRPr sz="1000" kern="1200">
         <a:solidFill>
           <a:schemeClr val="tx1"/>
         </a:solidFill>
@@ -375,8 +375,8 @@
         <a:cs typeface="+mn-cs"/>
       </a:defRPr>
     </a:lvl1pPr>
-    <a:lvl2pPr marL="457200" algn="l" defTabSz="914400" rtl="0" eaLnBrk="1" latinLnBrk="0" hangingPunct="1">
-      <a:defRPr sz="1200" kern="1200">
+    <a:lvl2pPr marL="376779" algn="l" defTabSz="753557" rtl="0" eaLnBrk="1" latinLnBrk="0" hangingPunct="1">
+      <a:defRPr sz="1000" kern="1200">
         <a:solidFill>
           <a:schemeClr val="tx1"/>
         </a:solidFill>
@@ -385,8 +385,8 @@
         <a:cs typeface="+mn-cs"/>
       </a:defRPr>
     </a:lvl2pPr>
-    <a:lvl3pPr marL="914400" algn="l" defTabSz="914400" rtl="0" eaLnBrk="1" latinLnBrk="0" hangingPunct="1">
-      <a:defRPr sz="1200" kern="1200">
+    <a:lvl3pPr marL="753557" algn="l" defTabSz="753557" rtl="0" eaLnBrk="1" latinLnBrk="0" hangingPunct="1">
+      <a:defRPr sz="1000" kern="1200">
         <a:solidFill>
           <a:schemeClr val="tx1"/>
         </a:solidFill>
@@ -395,8 +395,8 @@
         <a:cs typeface="+mn-cs"/>
       </a:defRPr>
     </a:lvl3pPr>
-    <a:lvl4pPr marL="1371600" algn="l" defTabSz="914400" rtl="0" eaLnBrk="1" latinLnBrk="0" hangingPunct="1">
-      <a:defRPr sz="1200" kern="1200">
+    <a:lvl4pPr marL="1130336" algn="l" defTabSz="753557" rtl="0" eaLnBrk="1" latinLnBrk="0" hangingPunct="1">
+      <a:defRPr sz="1000" kern="1200">
         <a:solidFill>
           <a:schemeClr val="tx1"/>
         </a:solidFill>
@@ -405,8 +405,8 @@
         <a:cs typeface="+mn-cs"/>
       </a:defRPr>
     </a:lvl4pPr>
-    <a:lvl5pPr marL="1828800" algn="l" defTabSz="914400" rtl="0" eaLnBrk="1" latinLnBrk="0" hangingPunct="1">
-      <a:defRPr sz="1200" kern="1200">
+    <a:lvl5pPr marL="1507114" algn="l" defTabSz="753557" rtl="0" eaLnBrk="1" latinLnBrk="0" hangingPunct="1">
+      <a:defRPr sz="1000" kern="1200">
         <a:solidFill>
           <a:schemeClr val="tx1"/>
         </a:solidFill>
@@ -415,8 +415,8 @@
         <a:cs typeface="+mn-cs"/>
       </a:defRPr>
     </a:lvl5pPr>
-    <a:lvl6pPr marL="2286000" algn="l" defTabSz="914400" rtl="0" eaLnBrk="1" latinLnBrk="0" hangingPunct="1">
-      <a:defRPr sz="1200" kern="1200">
+    <a:lvl6pPr marL="1883893" algn="l" defTabSz="753557" rtl="0" eaLnBrk="1" latinLnBrk="0" hangingPunct="1">
+      <a:defRPr sz="1000" kern="1200">
         <a:solidFill>
           <a:schemeClr val="tx1"/>
         </a:solidFill>
@@ -425,8 +425,8 @@
         <a:cs typeface="+mn-cs"/>
       </a:defRPr>
     </a:lvl6pPr>
-    <a:lvl7pPr marL="2743200" algn="l" defTabSz="914400" rtl="0" eaLnBrk="1" latinLnBrk="0" hangingPunct="1">
-      <a:defRPr sz="1200" kern="1200">
+    <a:lvl7pPr marL="2260671" algn="l" defTabSz="753557" rtl="0" eaLnBrk="1" latinLnBrk="0" hangingPunct="1">
+      <a:defRPr sz="1000" kern="1200">
         <a:solidFill>
           <a:schemeClr val="tx1"/>
         </a:solidFill>
@@ -435,8 +435,8 @@
         <a:cs typeface="+mn-cs"/>
       </a:defRPr>
     </a:lvl7pPr>
-    <a:lvl8pPr marL="3200400" algn="l" defTabSz="914400" rtl="0" eaLnBrk="1" latinLnBrk="0" hangingPunct="1">
-      <a:defRPr sz="1200" kern="1200">
+    <a:lvl8pPr marL="2637450" algn="l" defTabSz="753557" rtl="0" eaLnBrk="1" latinLnBrk="0" hangingPunct="1">
+      <a:defRPr sz="1000" kern="1200">
         <a:solidFill>
           <a:schemeClr val="tx1"/>
         </a:solidFill>
@@ -445,8 +445,8 @@
         <a:cs typeface="+mn-cs"/>
       </a:defRPr>
     </a:lvl8pPr>
-    <a:lvl9pPr marL="3657600" algn="l" defTabSz="914400" rtl="0" eaLnBrk="1" latinLnBrk="0" hangingPunct="1">
-      <a:defRPr sz="1200" kern="1200">
+    <a:lvl9pPr marL="3014228" algn="l" defTabSz="753557" rtl="0" eaLnBrk="1" latinLnBrk="0" hangingPunct="1">
+      <a:defRPr sz="1000" kern="1200">
         <a:solidFill>
           <a:schemeClr val="tx1"/>
         </a:solidFill>
@@ -486,7 +486,12 @@
             <p:ph type="sldImg"/>
           </p:nvPr>
         </p:nvSpPr>
-        <p:spPr/>
+        <p:spPr>
+          <a:xfrm>
+            <a:off x="412750" y="685800"/>
+            <a:ext cx="6032500" cy="3429000"/>
+          </a:xfrm>
+        </p:spPr>
       </p:sp>
       <p:sp>
         <p:nvSpPr>
@@ -570,8 +575,8 @@
         </p:nvSpPr>
         <p:spPr>
           <a:xfrm>
-            <a:off x="914281" y="2130426"/>
-            <a:ext cx="10361851" cy="1470025"/>
+            <a:off x="750689" y="1767465"/>
+            <a:ext cx="8507810" cy="1219576"/>
           </a:xfrm>
         </p:spPr>
         <p:txBody>
@@ -598,8 +603,8 @@
         </p:nvSpPr>
         <p:spPr>
           <a:xfrm>
-            <a:off x="1828562" y="3886200"/>
-            <a:ext cx="8533289" cy="1752600"/>
+            <a:off x="1501378" y="3224107"/>
+            <a:ext cx="7006432" cy="1454009"/>
           </a:xfrm>
         </p:spPr>
         <p:txBody>
@@ -615,7 +620,7 @@
                 </a:solidFill>
               </a:defRPr>
             </a:lvl1pPr>
-            <a:lvl2pPr marL="457200" indent="0" algn="ctr">
+            <a:lvl2pPr marL="376779" indent="0" algn="ctr">
               <a:buNone/>
               <a:defRPr>
                 <a:solidFill>
@@ -625,7 +630,7 @@
                 </a:solidFill>
               </a:defRPr>
             </a:lvl2pPr>
-            <a:lvl3pPr marL="914400" indent="0" algn="ctr">
+            <a:lvl3pPr marL="753557" indent="0" algn="ctr">
               <a:buNone/>
               <a:defRPr>
                 <a:solidFill>
@@ -635,7 +640,7 @@
                 </a:solidFill>
               </a:defRPr>
             </a:lvl3pPr>
-            <a:lvl4pPr marL="1371600" indent="0" algn="ctr">
+            <a:lvl4pPr marL="1130336" indent="0" algn="ctr">
               <a:buNone/>
               <a:defRPr>
                 <a:solidFill>
@@ -645,7 +650,7 @@
                 </a:solidFill>
               </a:defRPr>
             </a:lvl4pPr>
-            <a:lvl5pPr marL="1828800" indent="0" algn="ctr">
+            <a:lvl5pPr marL="1507114" indent="0" algn="ctr">
               <a:buNone/>
               <a:defRPr>
                 <a:solidFill>
@@ -655,7 +660,7 @@
                 </a:solidFill>
               </a:defRPr>
             </a:lvl5pPr>
-            <a:lvl6pPr marL="2286000" indent="0" algn="ctr">
+            <a:lvl6pPr marL="1883893" indent="0" algn="ctr">
               <a:buNone/>
               <a:defRPr>
                 <a:solidFill>
@@ -665,7 +670,7 @@
                 </a:solidFill>
               </a:defRPr>
             </a:lvl6pPr>
-            <a:lvl7pPr marL="2743200" indent="0" algn="ctr">
+            <a:lvl7pPr marL="2260671" indent="0" algn="ctr">
               <a:buNone/>
               <a:defRPr>
                 <a:solidFill>
@@ -675,7 +680,7 @@
                 </a:solidFill>
               </a:defRPr>
             </a:lvl7pPr>
-            <a:lvl8pPr marL="3200400" indent="0" algn="ctr">
+            <a:lvl8pPr marL="2637450" indent="0" algn="ctr">
               <a:buNone/>
               <a:defRPr>
                 <a:solidFill>
@@ -685,7 +690,7 @@
                 </a:solidFill>
               </a:defRPr>
             </a:lvl8pPr>
-            <a:lvl9pPr marL="3657600" indent="0" algn="ctr">
+            <a:lvl9pPr marL="3014228" indent="0" algn="ctr">
               <a:buNone/>
               <a:defRPr>
                 <a:solidFill>
@@ -723,7 +728,7 @@
             <a:fld id="{530820CF-B880-4189-942D-D702A7CBA730}" type="datetimeFigureOut">
               <a:rPr lang="zh-CN" altLang="en-US" smtClean="0"/>
               <a:pPr/>
-              <a:t>2018/12/5</a:t>
+              <a:t>2018/12/14</a:t>
             </a:fld>
             <a:endParaRPr lang="zh-CN" altLang="en-US"/>
           </a:p>
@@ -890,7 +895,7 @@
             <a:fld id="{530820CF-B880-4189-942D-D702A7CBA730}" type="datetimeFigureOut">
               <a:rPr lang="zh-CN" altLang="en-US" smtClean="0"/>
               <a:pPr/>
-              <a:t>2018/12/5</a:t>
+              <a:t>2018/12/14</a:t>
             </a:fld>
             <a:endParaRPr lang="zh-CN" altLang="en-US"/>
           </a:p>
@@ -976,8 +981,8 @@
         </p:nvSpPr>
         <p:spPr>
           <a:xfrm>
-            <a:off x="8838049" y="274639"/>
-            <a:ext cx="2742843" cy="5851525"/>
+            <a:off x="7256662" y="227849"/>
+            <a:ext cx="2252067" cy="4854599"/>
           </a:xfrm>
         </p:spPr>
         <p:txBody>
@@ -1004,8 +1009,8 @@
         </p:nvSpPr>
         <p:spPr>
           <a:xfrm>
-            <a:off x="609521" y="274639"/>
-            <a:ext cx="8025355" cy="5851525"/>
+            <a:off x="500460" y="227849"/>
+            <a:ext cx="6589382" cy="4854599"/>
           </a:xfrm>
         </p:spPr>
         <p:txBody>
@@ -1067,7 +1072,7 @@
             <a:fld id="{530820CF-B880-4189-942D-D702A7CBA730}" type="datetimeFigureOut">
               <a:rPr lang="zh-CN" altLang="en-US" smtClean="0"/>
               <a:pPr/>
-              <a:t>2018/12/5</a:t>
+              <a:t>2018/12/14</a:t>
             </a:fld>
             <a:endParaRPr lang="zh-CN" altLang="en-US"/>
           </a:p>
@@ -1234,7 +1239,7 @@
             <a:fld id="{530820CF-B880-4189-942D-D702A7CBA730}" type="datetimeFigureOut">
               <a:rPr lang="zh-CN" altLang="en-US" smtClean="0"/>
               <a:pPr/>
-              <a:t>2018/12/5</a:t>
+              <a:t>2018/12/14</a:t>
             </a:fld>
             <a:endParaRPr lang="zh-CN" altLang="en-US"/>
           </a:p>
@@ -1320,15 +1325,15 @@
         </p:nvSpPr>
         <p:spPr>
           <a:xfrm>
-            <a:off x="962959" y="4406901"/>
-            <a:ext cx="10361851" cy="1362075"/>
+            <a:off x="790657" y="3656096"/>
+            <a:ext cx="8507810" cy="1130018"/>
           </a:xfrm>
         </p:spPr>
         <p:txBody>
           <a:bodyPr anchor="t"/>
           <a:lstStyle>
             <a:lvl1pPr algn="l">
-              <a:defRPr sz="4000" b="1" cap="all"/>
+              <a:defRPr sz="3300" b="1" cap="all"/>
             </a:lvl1pPr>
           </a:lstStyle>
           <a:p>
@@ -1352,8 +1357,8 @@
         </p:nvSpPr>
         <p:spPr>
           <a:xfrm>
-            <a:off x="962959" y="2906713"/>
-            <a:ext cx="10361851" cy="1500187"/>
+            <a:off x="790657" y="2411495"/>
+            <a:ext cx="8507810" cy="1244600"/>
           </a:xfrm>
         </p:spPr>
         <p:txBody>
@@ -1361,7 +1366,7 @@
           <a:lstStyle>
             <a:lvl1pPr marL="0" indent="0">
               <a:buNone/>
-              <a:defRPr sz="2000">
+              <a:defRPr sz="1600">
                 <a:solidFill>
                   <a:schemeClr val="tx1">
                     <a:tint val="75000"/>
@@ -1369,9 +1374,9 @@
                 </a:solidFill>
               </a:defRPr>
             </a:lvl1pPr>
-            <a:lvl2pPr marL="457200" indent="0">
-              <a:buNone/>
-              <a:defRPr sz="1800">
+            <a:lvl2pPr marL="376779" indent="0">
+              <a:buNone/>
+              <a:defRPr sz="1500">
                 <a:solidFill>
                   <a:schemeClr val="tx1">
                     <a:tint val="75000"/>
@@ -1379,9 +1384,9 @@
                 </a:solidFill>
               </a:defRPr>
             </a:lvl2pPr>
-            <a:lvl3pPr marL="914400" indent="0">
-              <a:buNone/>
-              <a:defRPr sz="1600">
+            <a:lvl3pPr marL="753557" indent="0">
+              <a:buNone/>
+              <a:defRPr sz="1300">
                 <a:solidFill>
                   <a:schemeClr val="tx1">
                     <a:tint val="75000"/>
@@ -1389,9 +1394,9 @@
                 </a:solidFill>
               </a:defRPr>
             </a:lvl3pPr>
-            <a:lvl4pPr marL="1371600" indent="0">
-              <a:buNone/>
-              <a:defRPr sz="1400">
+            <a:lvl4pPr marL="1130336" indent="0">
+              <a:buNone/>
+              <a:defRPr sz="1200">
                 <a:solidFill>
                   <a:schemeClr val="tx1">
                     <a:tint val="75000"/>
@@ -1399,9 +1404,9 @@
                 </a:solidFill>
               </a:defRPr>
             </a:lvl4pPr>
-            <a:lvl5pPr marL="1828800" indent="0">
-              <a:buNone/>
-              <a:defRPr sz="1400">
+            <a:lvl5pPr marL="1507114" indent="0">
+              <a:buNone/>
+              <a:defRPr sz="1200">
                 <a:solidFill>
                   <a:schemeClr val="tx1">
                     <a:tint val="75000"/>
@@ -1409,9 +1414,9 @@
                 </a:solidFill>
               </a:defRPr>
             </a:lvl5pPr>
-            <a:lvl6pPr marL="2286000" indent="0">
-              <a:buNone/>
-              <a:defRPr sz="1400">
+            <a:lvl6pPr marL="1883893" indent="0">
+              <a:buNone/>
+              <a:defRPr sz="1200">
                 <a:solidFill>
                   <a:schemeClr val="tx1">
                     <a:tint val="75000"/>
@@ -1419,9 +1424,9 @@
                 </a:solidFill>
               </a:defRPr>
             </a:lvl6pPr>
-            <a:lvl7pPr marL="2743200" indent="0">
-              <a:buNone/>
-              <a:defRPr sz="1400">
+            <a:lvl7pPr marL="2260671" indent="0">
+              <a:buNone/>
+              <a:defRPr sz="1200">
                 <a:solidFill>
                   <a:schemeClr val="tx1">
                     <a:tint val="75000"/>
@@ -1429,9 +1434,9 @@
                 </a:solidFill>
               </a:defRPr>
             </a:lvl7pPr>
-            <a:lvl8pPr marL="3200400" indent="0">
-              <a:buNone/>
-              <a:defRPr sz="1400">
+            <a:lvl8pPr marL="2637450" indent="0">
+              <a:buNone/>
+              <a:defRPr sz="1200">
                 <a:solidFill>
                   <a:schemeClr val="tx1">
                     <a:tint val="75000"/>
@@ -1439,9 +1444,9 @@
                 </a:solidFill>
               </a:defRPr>
             </a:lvl8pPr>
-            <a:lvl9pPr marL="3657600" indent="0">
-              <a:buNone/>
-              <a:defRPr sz="1400">
+            <a:lvl9pPr marL="3014228" indent="0">
+              <a:buNone/>
+              <a:defRPr sz="1200">
                 <a:solidFill>
                   <a:schemeClr val="tx1">
                     <a:tint val="75000"/>
@@ -1477,7 +1482,7 @@
             <a:fld id="{530820CF-B880-4189-942D-D702A7CBA730}" type="datetimeFigureOut">
               <a:rPr lang="zh-CN" altLang="en-US" smtClean="0"/>
               <a:pPr/>
-              <a:t>2018/12/5</a:t>
+              <a:t>2018/12/14</a:t>
             </a:fld>
             <a:endParaRPr lang="zh-CN" altLang="en-US"/>
           </a:p>
@@ -1586,39 +1591,39 @@
         </p:nvSpPr>
         <p:spPr>
           <a:xfrm>
-            <a:off x="609521" y="1600201"/>
-            <a:ext cx="5384099" cy="4525963"/>
+            <a:off x="500460" y="1327575"/>
+            <a:ext cx="4420725" cy="3754873"/>
           </a:xfrm>
         </p:spPr>
         <p:txBody>
           <a:bodyPr/>
           <a:lstStyle>
             <a:lvl1pPr>
-              <a:defRPr sz="2800"/>
+              <a:defRPr sz="2300"/>
             </a:lvl1pPr>
             <a:lvl2pPr>
-              <a:defRPr sz="2400"/>
+              <a:defRPr sz="2000"/>
             </a:lvl2pPr>
             <a:lvl3pPr>
-              <a:defRPr sz="2000"/>
+              <a:defRPr sz="1600"/>
             </a:lvl3pPr>
             <a:lvl4pPr>
-              <a:defRPr sz="1800"/>
+              <a:defRPr sz="1500"/>
             </a:lvl4pPr>
             <a:lvl5pPr>
-              <a:defRPr sz="1800"/>
+              <a:defRPr sz="1500"/>
             </a:lvl5pPr>
             <a:lvl6pPr>
-              <a:defRPr sz="1800"/>
+              <a:defRPr sz="1500"/>
             </a:lvl6pPr>
             <a:lvl7pPr>
-              <a:defRPr sz="1800"/>
+              <a:defRPr sz="1500"/>
             </a:lvl7pPr>
             <a:lvl8pPr>
-              <a:defRPr sz="1800"/>
+              <a:defRPr sz="1500"/>
             </a:lvl8pPr>
             <a:lvl9pPr>
-              <a:defRPr sz="1800"/>
+              <a:defRPr sz="1500"/>
             </a:lvl9pPr>
           </a:lstStyle>
           <a:p>
@@ -1671,39 +1676,39 @@
         </p:nvSpPr>
         <p:spPr>
           <a:xfrm>
-            <a:off x="6196793" y="1600201"/>
-            <a:ext cx="5384099" cy="4525963"/>
+            <a:off x="5088004" y="1327575"/>
+            <a:ext cx="4420725" cy="3754873"/>
           </a:xfrm>
         </p:spPr>
         <p:txBody>
           <a:bodyPr/>
           <a:lstStyle>
             <a:lvl1pPr>
-              <a:defRPr sz="2800"/>
+              <a:defRPr sz="2300"/>
             </a:lvl1pPr>
             <a:lvl2pPr>
-              <a:defRPr sz="2400"/>
+              <a:defRPr sz="2000"/>
             </a:lvl2pPr>
             <a:lvl3pPr>
-              <a:defRPr sz="2000"/>
+              <a:defRPr sz="1600"/>
             </a:lvl3pPr>
             <a:lvl4pPr>
-              <a:defRPr sz="1800"/>
+              <a:defRPr sz="1500"/>
             </a:lvl4pPr>
             <a:lvl5pPr>
-              <a:defRPr sz="1800"/>
+              <a:defRPr sz="1500"/>
             </a:lvl5pPr>
             <a:lvl6pPr>
-              <a:defRPr sz="1800"/>
+              <a:defRPr sz="1500"/>
             </a:lvl6pPr>
             <a:lvl7pPr>
-              <a:defRPr sz="1800"/>
+              <a:defRPr sz="1500"/>
             </a:lvl7pPr>
             <a:lvl8pPr>
-              <a:defRPr sz="1800"/>
+              <a:defRPr sz="1500"/>
             </a:lvl8pPr>
             <a:lvl9pPr>
-              <a:defRPr sz="1800"/>
+              <a:defRPr sz="1500"/>
             </a:lvl9pPr>
           </a:lstStyle>
           <a:p>
@@ -1762,7 +1767,7 @@
             <a:fld id="{530820CF-B880-4189-942D-D702A7CBA730}" type="datetimeFigureOut">
               <a:rPr lang="zh-CN" altLang="en-US" smtClean="0"/>
               <a:pPr/>
-              <a:t>2018/12/5</a:t>
+              <a:t>2018/12/14</a:t>
             </a:fld>
             <a:endParaRPr lang="zh-CN" altLang="en-US"/>
           </a:p>
@@ -1875,8 +1880,8 @@
         </p:nvSpPr>
         <p:spPr>
           <a:xfrm>
-            <a:off x="609521" y="1535113"/>
-            <a:ext cx="5386216" cy="639762"/>
+            <a:off x="500460" y="1273575"/>
+            <a:ext cx="4422463" cy="530766"/>
           </a:xfrm>
         </p:spPr>
         <p:txBody>
@@ -1884,39 +1889,39 @@
           <a:lstStyle>
             <a:lvl1pPr marL="0" indent="0">
               <a:buNone/>
-              <a:defRPr sz="2400" b="1"/>
+              <a:defRPr sz="2000" b="1"/>
             </a:lvl1pPr>
-            <a:lvl2pPr marL="457200" indent="0">
-              <a:buNone/>
-              <a:defRPr sz="2000" b="1"/>
+            <a:lvl2pPr marL="376779" indent="0">
+              <a:buNone/>
+              <a:defRPr sz="1600" b="1"/>
             </a:lvl2pPr>
-            <a:lvl3pPr marL="914400" indent="0">
-              <a:buNone/>
-              <a:defRPr sz="1800" b="1"/>
+            <a:lvl3pPr marL="753557" indent="0">
+              <a:buNone/>
+              <a:defRPr sz="1500" b="1"/>
             </a:lvl3pPr>
-            <a:lvl4pPr marL="1371600" indent="0">
-              <a:buNone/>
-              <a:defRPr sz="1600" b="1"/>
+            <a:lvl4pPr marL="1130336" indent="0">
+              <a:buNone/>
+              <a:defRPr sz="1300" b="1"/>
             </a:lvl4pPr>
-            <a:lvl5pPr marL="1828800" indent="0">
-              <a:buNone/>
-              <a:defRPr sz="1600" b="1"/>
+            <a:lvl5pPr marL="1507114" indent="0">
+              <a:buNone/>
+              <a:defRPr sz="1300" b="1"/>
             </a:lvl5pPr>
-            <a:lvl6pPr marL="2286000" indent="0">
-              <a:buNone/>
-              <a:defRPr sz="1600" b="1"/>
+            <a:lvl6pPr marL="1883893" indent="0">
+              <a:buNone/>
+              <a:defRPr sz="1300" b="1"/>
             </a:lvl6pPr>
-            <a:lvl7pPr marL="2743200" indent="0">
-              <a:buNone/>
-              <a:defRPr sz="1600" b="1"/>
+            <a:lvl7pPr marL="2260671" indent="0">
+              <a:buNone/>
+              <a:defRPr sz="1300" b="1"/>
             </a:lvl7pPr>
-            <a:lvl8pPr marL="3200400" indent="0">
-              <a:buNone/>
-              <a:defRPr sz="1600" b="1"/>
+            <a:lvl8pPr marL="2637450" indent="0">
+              <a:buNone/>
+              <a:defRPr sz="1300" b="1"/>
             </a:lvl8pPr>
-            <a:lvl9pPr marL="3657600" indent="0">
-              <a:buNone/>
-              <a:defRPr sz="1600" b="1"/>
+            <a:lvl9pPr marL="3014228" indent="0">
+              <a:buNone/>
+              <a:defRPr sz="1300" b="1"/>
             </a:lvl9pPr>
           </a:lstStyle>
           <a:p>
@@ -1940,39 +1945,39 @@
         </p:nvSpPr>
         <p:spPr>
           <a:xfrm>
-            <a:off x="609521" y="2174875"/>
-            <a:ext cx="5386216" cy="3951288"/>
+            <a:off x="500460" y="1804341"/>
+            <a:ext cx="4422463" cy="3278106"/>
           </a:xfrm>
         </p:spPr>
         <p:txBody>
           <a:bodyPr/>
           <a:lstStyle>
             <a:lvl1pPr>
-              <a:defRPr sz="2400"/>
+              <a:defRPr sz="2000"/>
             </a:lvl1pPr>
             <a:lvl2pPr>
-              <a:defRPr sz="2000"/>
+              <a:defRPr sz="1600"/>
             </a:lvl2pPr>
             <a:lvl3pPr>
-              <a:defRPr sz="1800"/>
+              <a:defRPr sz="1500"/>
             </a:lvl3pPr>
             <a:lvl4pPr>
-              <a:defRPr sz="1600"/>
+              <a:defRPr sz="1300"/>
             </a:lvl4pPr>
             <a:lvl5pPr>
-              <a:defRPr sz="1600"/>
+              <a:defRPr sz="1300"/>
             </a:lvl5pPr>
             <a:lvl6pPr>
-              <a:defRPr sz="1600"/>
+              <a:defRPr sz="1300"/>
             </a:lvl6pPr>
             <a:lvl7pPr>
-              <a:defRPr sz="1600"/>
+              <a:defRPr sz="1300"/>
             </a:lvl7pPr>
             <a:lvl8pPr>
-              <a:defRPr sz="1600"/>
+              <a:defRPr sz="1300"/>
             </a:lvl8pPr>
             <a:lvl9pPr>
-              <a:defRPr sz="1600"/>
+              <a:defRPr sz="1300"/>
             </a:lvl9pPr>
           </a:lstStyle>
           <a:p>
@@ -2025,8 +2030,8 @@
         </p:nvSpPr>
         <p:spPr>
           <a:xfrm>
-            <a:off x="6192561" y="1535113"/>
-            <a:ext cx="5388332" cy="639762"/>
+            <a:off x="5084529" y="1273575"/>
+            <a:ext cx="4424200" cy="530766"/>
           </a:xfrm>
         </p:spPr>
         <p:txBody>
@@ -2034,39 +2039,39 @@
           <a:lstStyle>
             <a:lvl1pPr marL="0" indent="0">
               <a:buNone/>
-              <a:defRPr sz="2400" b="1"/>
+              <a:defRPr sz="2000" b="1"/>
             </a:lvl1pPr>
-            <a:lvl2pPr marL="457200" indent="0">
-              <a:buNone/>
-              <a:defRPr sz="2000" b="1"/>
+            <a:lvl2pPr marL="376779" indent="0">
+              <a:buNone/>
+              <a:defRPr sz="1600" b="1"/>
             </a:lvl2pPr>
-            <a:lvl3pPr marL="914400" indent="0">
-              <a:buNone/>
-              <a:defRPr sz="1800" b="1"/>
+            <a:lvl3pPr marL="753557" indent="0">
+              <a:buNone/>
+              <a:defRPr sz="1500" b="1"/>
             </a:lvl3pPr>
-            <a:lvl4pPr marL="1371600" indent="0">
-              <a:buNone/>
-              <a:defRPr sz="1600" b="1"/>
+            <a:lvl4pPr marL="1130336" indent="0">
+              <a:buNone/>
+              <a:defRPr sz="1300" b="1"/>
             </a:lvl4pPr>
-            <a:lvl5pPr marL="1828800" indent="0">
-              <a:buNone/>
-              <a:defRPr sz="1600" b="1"/>
+            <a:lvl5pPr marL="1507114" indent="0">
+              <a:buNone/>
+              <a:defRPr sz="1300" b="1"/>
             </a:lvl5pPr>
-            <a:lvl6pPr marL="2286000" indent="0">
-              <a:buNone/>
-              <a:defRPr sz="1600" b="1"/>
+            <a:lvl6pPr marL="1883893" indent="0">
+              <a:buNone/>
+              <a:defRPr sz="1300" b="1"/>
             </a:lvl6pPr>
-            <a:lvl7pPr marL="2743200" indent="0">
-              <a:buNone/>
-              <a:defRPr sz="1600" b="1"/>
+            <a:lvl7pPr marL="2260671" indent="0">
+              <a:buNone/>
+              <a:defRPr sz="1300" b="1"/>
             </a:lvl7pPr>
-            <a:lvl8pPr marL="3200400" indent="0">
-              <a:buNone/>
-              <a:defRPr sz="1600" b="1"/>
+            <a:lvl8pPr marL="2637450" indent="0">
+              <a:buNone/>
+              <a:defRPr sz="1300" b="1"/>
             </a:lvl8pPr>
-            <a:lvl9pPr marL="3657600" indent="0">
-              <a:buNone/>
-              <a:defRPr sz="1600" b="1"/>
+            <a:lvl9pPr marL="3014228" indent="0">
+              <a:buNone/>
+              <a:defRPr sz="1300" b="1"/>
             </a:lvl9pPr>
           </a:lstStyle>
           <a:p>
@@ -2090,39 +2095,39 @@
         </p:nvSpPr>
         <p:spPr>
           <a:xfrm>
-            <a:off x="6192561" y="2174875"/>
-            <a:ext cx="5388332" cy="3951288"/>
+            <a:off x="5084529" y="1804341"/>
+            <a:ext cx="4424200" cy="3278106"/>
           </a:xfrm>
         </p:spPr>
         <p:txBody>
           <a:bodyPr/>
           <a:lstStyle>
             <a:lvl1pPr>
-              <a:defRPr sz="2400"/>
+              <a:defRPr sz="2000"/>
             </a:lvl1pPr>
             <a:lvl2pPr>
-              <a:defRPr sz="2000"/>
+              <a:defRPr sz="1600"/>
             </a:lvl2pPr>
             <a:lvl3pPr>
-              <a:defRPr sz="1800"/>
+              <a:defRPr sz="1500"/>
             </a:lvl3pPr>
             <a:lvl4pPr>
-              <a:defRPr sz="1600"/>
+              <a:defRPr sz="1300"/>
             </a:lvl4pPr>
             <a:lvl5pPr>
-              <a:defRPr sz="1600"/>
+              <a:defRPr sz="1300"/>
             </a:lvl5pPr>
             <a:lvl6pPr>
-              <a:defRPr sz="1600"/>
+              <a:defRPr sz="1300"/>
             </a:lvl6pPr>
             <a:lvl7pPr>
-              <a:defRPr sz="1600"/>
+              <a:defRPr sz="1300"/>
             </a:lvl7pPr>
             <a:lvl8pPr>
-              <a:defRPr sz="1600"/>
+              <a:defRPr sz="1300"/>
             </a:lvl8pPr>
             <a:lvl9pPr>
-              <a:defRPr sz="1600"/>
+              <a:defRPr sz="1300"/>
             </a:lvl9pPr>
           </a:lstStyle>
           <a:p>
@@ -2181,7 +2186,7 @@
             <a:fld id="{530820CF-B880-4189-942D-D702A7CBA730}" type="datetimeFigureOut">
               <a:rPr lang="zh-CN" altLang="en-US" smtClean="0"/>
               <a:pPr/>
-              <a:t>2018/12/5</a:t>
+              <a:t>2018/12/14</a:t>
             </a:fld>
             <a:endParaRPr lang="zh-CN" altLang="en-US"/>
           </a:p>
@@ -2296,7 +2301,7 @@
             <a:fld id="{530820CF-B880-4189-942D-D702A7CBA730}" type="datetimeFigureOut">
               <a:rPr lang="zh-CN" altLang="en-US" smtClean="0"/>
               <a:pPr/>
-              <a:t>2018/12/5</a:t>
+              <a:t>2018/12/14</a:t>
             </a:fld>
             <a:endParaRPr lang="zh-CN" altLang="en-US"/>
           </a:p>
@@ -2388,7 +2393,7 @@
             <a:fld id="{530820CF-B880-4189-942D-D702A7CBA730}" type="datetimeFigureOut">
               <a:rPr lang="zh-CN" altLang="en-US" smtClean="0"/>
               <a:pPr/>
-              <a:t>2018/12/5</a:t>
+              <a:t>2018/12/14</a:t>
             </a:fld>
             <a:endParaRPr lang="zh-CN" altLang="en-US"/>
           </a:p>
@@ -2474,15 +2479,15 @@
         </p:nvSpPr>
         <p:spPr>
           <a:xfrm>
-            <a:off x="609521" y="273050"/>
-            <a:ext cx="4010562" cy="1162050"/>
+            <a:off x="500460" y="226530"/>
+            <a:ext cx="3292954" cy="964071"/>
           </a:xfrm>
         </p:spPr>
         <p:txBody>
           <a:bodyPr anchor="b"/>
           <a:lstStyle>
             <a:lvl1pPr algn="l">
-              <a:defRPr sz="2000" b="1"/>
+              <a:defRPr sz="1600" b="1"/>
             </a:lvl1pPr>
           </a:lstStyle>
           <a:p>
@@ -2506,39 +2511,39 @@
         </p:nvSpPr>
         <p:spPr>
           <a:xfrm>
-            <a:off x="4766113" y="273051"/>
-            <a:ext cx="6814779" cy="5853113"/>
+            <a:off x="3913315" y="226532"/>
+            <a:ext cx="5595414" cy="4855916"/>
           </a:xfrm>
         </p:spPr>
         <p:txBody>
           <a:bodyPr/>
           <a:lstStyle>
             <a:lvl1pPr>
-              <a:defRPr sz="3200"/>
+              <a:defRPr sz="2600"/>
             </a:lvl1pPr>
             <a:lvl2pPr>
-              <a:defRPr sz="2800"/>
+              <a:defRPr sz="2300"/>
             </a:lvl2pPr>
             <a:lvl3pPr>
-              <a:defRPr sz="2400"/>
+              <a:defRPr sz="2000"/>
             </a:lvl3pPr>
             <a:lvl4pPr>
-              <a:defRPr sz="2000"/>
+              <a:defRPr sz="1600"/>
             </a:lvl4pPr>
             <a:lvl5pPr>
-              <a:defRPr sz="2000"/>
+              <a:defRPr sz="1600"/>
             </a:lvl5pPr>
             <a:lvl6pPr>
-              <a:defRPr sz="2000"/>
+              <a:defRPr sz="1600"/>
             </a:lvl6pPr>
             <a:lvl7pPr>
-              <a:defRPr sz="2000"/>
+              <a:defRPr sz="1600"/>
             </a:lvl7pPr>
             <a:lvl8pPr>
-              <a:defRPr sz="2000"/>
+              <a:defRPr sz="1600"/>
             </a:lvl8pPr>
             <a:lvl9pPr>
-              <a:defRPr sz="2000"/>
+              <a:defRPr sz="1600"/>
             </a:lvl9pPr>
           </a:lstStyle>
           <a:p>
@@ -2591,8 +2596,8 @@
         </p:nvSpPr>
         <p:spPr>
           <a:xfrm>
-            <a:off x="609521" y="1435101"/>
-            <a:ext cx="4010562" cy="4691063"/>
+            <a:off x="500460" y="1190603"/>
+            <a:ext cx="3292954" cy="3891845"/>
           </a:xfrm>
         </p:spPr>
         <p:txBody>
@@ -2600,39 +2605,39 @@
           <a:lstStyle>
             <a:lvl1pPr marL="0" indent="0">
               <a:buNone/>
-              <a:defRPr sz="1400"/>
+              <a:defRPr sz="1200"/>
             </a:lvl1pPr>
-            <a:lvl2pPr marL="457200" indent="0">
-              <a:buNone/>
-              <a:defRPr sz="1200"/>
+            <a:lvl2pPr marL="376779" indent="0">
+              <a:buNone/>
+              <a:defRPr sz="1000"/>
             </a:lvl2pPr>
-            <a:lvl3pPr marL="914400" indent="0">
-              <a:buNone/>
-              <a:defRPr sz="1000"/>
+            <a:lvl3pPr marL="753557" indent="0">
+              <a:buNone/>
+              <a:defRPr sz="800"/>
             </a:lvl3pPr>
-            <a:lvl4pPr marL="1371600" indent="0">
-              <a:buNone/>
-              <a:defRPr sz="900"/>
+            <a:lvl4pPr marL="1130336" indent="0">
+              <a:buNone/>
+              <a:defRPr sz="700"/>
             </a:lvl4pPr>
-            <a:lvl5pPr marL="1828800" indent="0">
-              <a:buNone/>
-              <a:defRPr sz="900"/>
+            <a:lvl5pPr marL="1507114" indent="0">
+              <a:buNone/>
+              <a:defRPr sz="700"/>
             </a:lvl5pPr>
-            <a:lvl6pPr marL="2286000" indent="0">
-              <a:buNone/>
-              <a:defRPr sz="900"/>
+            <a:lvl6pPr marL="1883893" indent="0">
+              <a:buNone/>
+              <a:defRPr sz="700"/>
             </a:lvl6pPr>
-            <a:lvl7pPr marL="2743200" indent="0">
-              <a:buNone/>
-              <a:defRPr sz="900"/>
+            <a:lvl7pPr marL="2260671" indent="0">
+              <a:buNone/>
+              <a:defRPr sz="700"/>
             </a:lvl7pPr>
-            <a:lvl8pPr marL="3200400" indent="0">
-              <a:buNone/>
-              <a:defRPr sz="900"/>
+            <a:lvl8pPr marL="2637450" indent="0">
+              <a:buNone/>
+              <a:defRPr sz="700"/>
             </a:lvl8pPr>
-            <a:lvl9pPr marL="3657600" indent="0">
-              <a:buNone/>
-              <a:defRPr sz="900"/>
+            <a:lvl9pPr marL="3014228" indent="0">
+              <a:buNone/>
+              <a:defRPr sz="700"/>
             </a:lvl9pPr>
           </a:lstStyle>
           <a:p>
@@ -2662,7 +2667,7 @@
             <a:fld id="{530820CF-B880-4189-942D-D702A7CBA730}" type="datetimeFigureOut">
               <a:rPr lang="zh-CN" altLang="en-US" smtClean="0"/>
               <a:pPr/>
-              <a:t>2018/12/5</a:t>
+              <a:t>2018/12/14</a:t>
             </a:fld>
             <a:endParaRPr lang="zh-CN" altLang="en-US"/>
           </a:p>
@@ -2748,15 +2753,15 @@
         </p:nvSpPr>
         <p:spPr>
           <a:xfrm>
-            <a:off x="2389406" y="4800600"/>
-            <a:ext cx="7314248" cy="566738"/>
+            <a:off x="1961871" y="3982720"/>
+            <a:ext cx="6005513" cy="470183"/>
           </a:xfrm>
         </p:spPr>
         <p:txBody>
           <a:bodyPr anchor="b"/>
           <a:lstStyle>
             <a:lvl1pPr algn="l">
-              <a:defRPr sz="2000" b="1"/>
+              <a:defRPr sz="1600" b="1"/>
             </a:lvl1pPr>
           </a:lstStyle>
           <a:p>
@@ -2780,8 +2785,8 @@
         </p:nvSpPr>
         <p:spPr>
           <a:xfrm>
-            <a:off x="2389406" y="612775"/>
-            <a:ext cx="7314248" cy="4114800"/>
+            <a:off x="1961871" y="508376"/>
+            <a:ext cx="6005513" cy="3413760"/>
           </a:xfrm>
         </p:spPr>
         <p:txBody>
@@ -2789,39 +2794,39 @@
           <a:lstStyle>
             <a:lvl1pPr marL="0" indent="0">
               <a:buNone/>
-              <a:defRPr sz="3200"/>
+              <a:defRPr sz="2600"/>
             </a:lvl1pPr>
-            <a:lvl2pPr marL="457200" indent="0">
-              <a:buNone/>
-              <a:defRPr sz="2800"/>
+            <a:lvl2pPr marL="376779" indent="0">
+              <a:buNone/>
+              <a:defRPr sz="2300"/>
             </a:lvl2pPr>
-            <a:lvl3pPr marL="914400" indent="0">
-              <a:buNone/>
-              <a:defRPr sz="2400"/>
+            <a:lvl3pPr marL="753557" indent="0">
+              <a:buNone/>
+              <a:defRPr sz="2000"/>
             </a:lvl3pPr>
-            <a:lvl4pPr marL="1371600" indent="0">
-              <a:buNone/>
-              <a:defRPr sz="2000"/>
+            <a:lvl4pPr marL="1130336" indent="0">
+              <a:buNone/>
+              <a:defRPr sz="1600"/>
             </a:lvl4pPr>
-            <a:lvl5pPr marL="1828800" indent="0">
-              <a:buNone/>
-              <a:defRPr sz="2000"/>
+            <a:lvl5pPr marL="1507114" indent="0">
+              <a:buNone/>
+              <a:defRPr sz="1600"/>
             </a:lvl5pPr>
-            <a:lvl6pPr marL="2286000" indent="0">
-              <a:buNone/>
-              <a:defRPr sz="2000"/>
+            <a:lvl6pPr marL="1883893" indent="0">
+              <a:buNone/>
+              <a:defRPr sz="1600"/>
             </a:lvl6pPr>
-            <a:lvl7pPr marL="2743200" indent="0">
-              <a:buNone/>
-              <a:defRPr sz="2000"/>
+            <a:lvl7pPr marL="2260671" indent="0">
+              <a:buNone/>
+              <a:defRPr sz="1600"/>
             </a:lvl7pPr>
-            <a:lvl8pPr marL="3200400" indent="0">
-              <a:buNone/>
-              <a:defRPr sz="2000"/>
+            <a:lvl8pPr marL="2637450" indent="0">
+              <a:buNone/>
+              <a:defRPr sz="1600"/>
             </a:lvl8pPr>
-            <a:lvl9pPr marL="3657600" indent="0">
-              <a:buNone/>
-              <a:defRPr sz="2000"/>
+            <a:lvl9pPr marL="3014228" indent="0">
+              <a:buNone/>
+              <a:defRPr sz="1600"/>
             </a:lvl9pPr>
           </a:lstStyle>
           <a:p>
@@ -2841,8 +2846,8 @@
         </p:nvSpPr>
         <p:spPr>
           <a:xfrm>
-            <a:off x="2389406" y="5367338"/>
-            <a:ext cx="7314248" cy="804862"/>
+            <a:off x="1961871" y="4452903"/>
+            <a:ext cx="6005513" cy="667737"/>
           </a:xfrm>
         </p:spPr>
         <p:txBody>
@@ -2850,39 +2855,39 @@
           <a:lstStyle>
             <a:lvl1pPr marL="0" indent="0">
               <a:buNone/>
-              <a:defRPr sz="1400"/>
+              <a:defRPr sz="1200"/>
             </a:lvl1pPr>
-            <a:lvl2pPr marL="457200" indent="0">
-              <a:buNone/>
-              <a:defRPr sz="1200"/>
+            <a:lvl2pPr marL="376779" indent="0">
+              <a:buNone/>
+              <a:defRPr sz="1000"/>
             </a:lvl2pPr>
-            <a:lvl3pPr marL="914400" indent="0">
-              <a:buNone/>
-              <a:defRPr sz="1000"/>
+            <a:lvl3pPr marL="753557" indent="0">
+              <a:buNone/>
+              <a:defRPr sz="800"/>
             </a:lvl3pPr>
-            <a:lvl4pPr marL="1371600" indent="0">
-              <a:buNone/>
-              <a:defRPr sz="900"/>
+            <a:lvl4pPr marL="1130336" indent="0">
+              <a:buNone/>
+              <a:defRPr sz="700"/>
             </a:lvl4pPr>
-            <a:lvl5pPr marL="1828800" indent="0">
-              <a:buNone/>
-              <a:defRPr sz="900"/>
+            <a:lvl5pPr marL="1507114" indent="0">
+              <a:buNone/>
+              <a:defRPr sz="700"/>
             </a:lvl5pPr>
-            <a:lvl6pPr marL="2286000" indent="0">
-              <a:buNone/>
-              <a:defRPr sz="900"/>
+            <a:lvl6pPr marL="1883893" indent="0">
+              <a:buNone/>
+              <a:defRPr sz="700"/>
             </a:lvl6pPr>
-            <a:lvl7pPr marL="2743200" indent="0">
-              <a:buNone/>
-              <a:defRPr sz="900"/>
+            <a:lvl7pPr marL="2260671" indent="0">
+              <a:buNone/>
+              <a:defRPr sz="700"/>
             </a:lvl7pPr>
-            <a:lvl8pPr marL="3200400" indent="0">
-              <a:buNone/>
-              <a:defRPr sz="900"/>
+            <a:lvl8pPr marL="2637450" indent="0">
+              <a:buNone/>
+              <a:defRPr sz="700"/>
             </a:lvl8pPr>
-            <a:lvl9pPr marL="3657600" indent="0">
-              <a:buNone/>
-              <a:defRPr sz="900"/>
+            <a:lvl9pPr marL="3014228" indent="0">
+              <a:buNone/>
+              <a:defRPr sz="700"/>
             </a:lvl9pPr>
           </a:lstStyle>
           <a:p>
@@ -2912,7 +2917,7 @@
             <a:fld id="{530820CF-B880-4189-942D-D702A7CBA730}" type="datetimeFigureOut">
               <a:rPr lang="zh-CN" altLang="en-US" smtClean="0"/>
               <a:pPr/>
-              <a:t>2018/12/5</a:t>
+              <a:t>2018/12/14</a:t>
             </a:fld>
             <a:endParaRPr lang="zh-CN" altLang="en-US"/>
           </a:p>
@@ -3003,15 +3008,15 @@
         </p:nvSpPr>
         <p:spPr>
           <a:xfrm>
-            <a:off x="609521" y="274638"/>
-            <a:ext cx="10971372" cy="1143000"/>
+            <a:off x="500460" y="227848"/>
+            <a:ext cx="9008269" cy="948267"/>
           </a:xfrm>
           <a:prstGeom prst="rect">
             <a:avLst/>
           </a:prstGeom>
         </p:spPr>
         <p:txBody>
-          <a:bodyPr vert="horz" lIns="91440" tIns="45720" rIns="91440" bIns="45720" rtlCol="0" anchor="ctr">
+          <a:bodyPr vert="horz" lIns="75356" tIns="37678" rIns="75356" bIns="37678" rtlCol="0" anchor="ctr">
             <a:normAutofit/>
           </a:bodyPr>
           <a:lstStyle/>
@@ -3036,15 +3041,15 @@
         </p:nvSpPr>
         <p:spPr>
           <a:xfrm>
-            <a:off x="609521" y="1600201"/>
-            <a:ext cx="10971372" cy="4525963"/>
+            <a:off x="500460" y="1327575"/>
+            <a:ext cx="9008269" cy="3754873"/>
           </a:xfrm>
           <a:prstGeom prst="rect">
             <a:avLst/>
           </a:prstGeom>
         </p:spPr>
         <p:txBody>
-          <a:bodyPr vert="horz" lIns="91440" tIns="45720" rIns="91440" bIns="45720" rtlCol="0">
+          <a:bodyPr vert="horz" lIns="75356" tIns="37678" rIns="75356" bIns="37678" rtlCol="0">
             <a:normAutofit/>
           </a:bodyPr>
           <a:lstStyle/>
@@ -3098,18 +3103,18 @@
         </p:nvSpPr>
         <p:spPr>
           <a:xfrm>
-            <a:off x="609521" y="6356351"/>
-            <a:ext cx="2844430" cy="365125"/>
+            <a:off x="500460" y="5273417"/>
+            <a:ext cx="2335477" cy="302919"/>
           </a:xfrm>
           <a:prstGeom prst="rect">
             <a:avLst/>
           </a:prstGeom>
         </p:spPr>
         <p:txBody>
-          <a:bodyPr vert="horz" lIns="91440" tIns="45720" rIns="91440" bIns="45720" rtlCol="0" anchor="ctr"/>
+          <a:bodyPr vert="horz" lIns="75356" tIns="37678" rIns="75356" bIns="37678" rtlCol="0" anchor="ctr"/>
           <a:lstStyle>
             <a:lvl1pPr algn="l">
-              <a:defRPr sz="1200">
+              <a:defRPr sz="1000">
                 <a:solidFill>
                   <a:schemeClr val="tx1">
                     <a:tint val="75000"/>
@@ -3122,7 +3127,7 @@
             <a:fld id="{530820CF-B880-4189-942D-D702A7CBA730}" type="datetimeFigureOut">
               <a:rPr lang="zh-CN" altLang="en-US" smtClean="0"/>
               <a:pPr/>
-              <a:t>2018/12/5</a:t>
+              <a:t>2018/12/14</a:t>
             </a:fld>
             <a:endParaRPr lang="zh-CN" altLang="en-US"/>
           </a:p>
@@ -3140,18 +3145,18 @@
         </p:nvSpPr>
         <p:spPr>
           <a:xfrm>
-            <a:off x="4165058" y="6356351"/>
-            <a:ext cx="3860297" cy="365125"/>
+            <a:off x="3419806" y="5273417"/>
+            <a:ext cx="3169576" cy="302919"/>
           </a:xfrm>
           <a:prstGeom prst="rect">
             <a:avLst/>
           </a:prstGeom>
         </p:spPr>
         <p:txBody>
-          <a:bodyPr vert="horz" lIns="91440" tIns="45720" rIns="91440" bIns="45720" rtlCol="0" anchor="ctr"/>
+          <a:bodyPr vert="horz" lIns="75356" tIns="37678" rIns="75356" bIns="37678" rtlCol="0" anchor="ctr"/>
           <a:lstStyle>
             <a:lvl1pPr algn="ctr">
-              <a:defRPr sz="1200">
+              <a:defRPr sz="1000">
                 <a:solidFill>
                   <a:schemeClr val="tx1">
                     <a:tint val="75000"/>
@@ -3177,18 +3182,18 @@
         </p:nvSpPr>
         <p:spPr>
           <a:xfrm>
-            <a:off x="8736463" y="6356351"/>
-            <a:ext cx="2844430" cy="365125"/>
+            <a:off x="7173252" y="5273417"/>
+            <a:ext cx="2335477" cy="302919"/>
           </a:xfrm>
           <a:prstGeom prst="rect">
             <a:avLst/>
           </a:prstGeom>
         </p:spPr>
         <p:txBody>
-          <a:bodyPr vert="horz" lIns="91440" tIns="45720" rIns="91440" bIns="45720" rtlCol="0" anchor="ctr"/>
+          <a:bodyPr vert="horz" lIns="75356" tIns="37678" rIns="75356" bIns="37678" rtlCol="0" anchor="ctr"/>
           <a:lstStyle>
             <a:lvl1pPr algn="r">
-              <a:defRPr sz="1200">
+              <a:defRPr sz="1000">
                 <a:solidFill>
                   <a:schemeClr val="tx1">
                     <a:tint val="75000"/>
@@ -3225,12 +3230,12 @@
   </p:sldLayoutIdLst>
   <p:txStyles>
     <p:titleStyle>
-      <a:lvl1pPr algn="ctr" defTabSz="914400" rtl="0" eaLnBrk="1" latinLnBrk="0" hangingPunct="1">
+      <a:lvl1pPr algn="ctr" defTabSz="753557" rtl="0" eaLnBrk="1" latinLnBrk="0" hangingPunct="1">
         <a:spcBef>
           <a:spcPct val="0"/>
         </a:spcBef>
         <a:buNone/>
-        <a:defRPr sz="4400" kern="1200">
+        <a:defRPr sz="3600" kern="1200">
           <a:solidFill>
             <a:schemeClr val="tx1"/>
           </a:solidFill>
@@ -3241,13 +3246,13 @@
       </a:lvl1pPr>
     </p:titleStyle>
     <p:bodyStyle>
-      <a:lvl1pPr marL="342900" indent="-342900" algn="l" defTabSz="914400" rtl="0" eaLnBrk="1" latinLnBrk="0" hangingPunct="1">
+      <a:lvl1pPr marL="282584" indent="-282584" algn="l" defTabSz="753557" rtl="0" eaLnBrk="1" latinLnBrk="0" hangingPunct="1">
         <a:spcBef>
           <a:spcPct val="20000"/>
         </a:spcBef>
         <a:buFont typeface="Arial" pitchFamily="34" charset="0"/>
         <a:buChar char="•"/>
-        <a:defRPr sz="3200" kern="1200">
+        <a:defRPr sz="2600" kern="1200">
           <a:solidFill>
             <a:schemeClr val="tx1"/>
           </a:solidFill>
@@ -3256,13 +3261,13 @@
           <a:cs typeface="+mn-cs"/>
         </a:defRPr>
       </a:lvl1pPr>
-      <a:lvl2pPr marL="742950" indent="-285750" algn="l" defTabSz="914400" rtl="0" eaLnBrk="1" latinLnBrk="0" hangingPunct="1">
+      <a:lvl2pPr marL="612265" indent="-235487" algn="l" defTabSz="753557" rtl="0" eaLnBrk="1" latinLnBrk="0" hangingPunct="1">
         <a:spcBef>
           <a:spcPct val="20000"/>
         </a:spcBef>
         <a:buFont typeface="Arial" pitchFamily="34" charset="0"/>
         <a:buChar char="–"/>
-        <a:defRPr sz="2800" kern="1200">
+        <a:defRPr sz="2300" kern="1200">
           <a:solidFill>
             <a:schemeClr val="tx1"/>
           </a:solidFill>
@@ -3271,52 +3276,7 @@
           <a:cs typeface="+mn-cs"/>
         </a:defRPr>
       </a:lvl2pPr>
-      <a:lvl3pPr marL="1143000" indent="-228600" algn="l" defTabSz="914400" rtl="0" eaLnBrk="1" latinLnBrk="0" hangingPunct="1">
-        <a:spcBef>
-          <a:spcPct val="20000"/>
-        </a:spcBef>
-        <a:buFont typeface="Arial" pitchFamily="34" charset="0"/>
-        <a:buChar char="•"/>
-        <a:defRPr sz="2400" kern="1200">
-          <a:solidFill>
-            <a:schemeClr val="tx1"/>
-          </a:solidFill>
-          <a:latin typeface="+mn-lt"/>
-          <a:ea typeface="+mn-ea"/>
-          <a:cs typeface="+mn-cs"/>
-        </a:defRPr>
-      </a:lvl3pPr>
-      <a:lvl4pPr marL="1600200" indent="-228600" algn="l" defTabSz="914400" rtl="0" eaLnBrk="1" latinLnBrk="0" hangingPunct="1">
-        <a:spcBef>
-          <a:spcPct val="20000"/>
-        </a:spcBef>
-        <a:buFont typeface="Arial" pitchFamily="34" charset="0"/>
-        <a:buChar char="–"/>
-        <a:defRPr sz="2000" kern="1200">
-          <a:solidFill>
-            <a:schemeClr val="tx1"/>
-          </a:solidFill>
-          <a:latin typeface="+mn-lt"/>
-          <a:ea typeface="+mn-ea"/>
-          <a:cs typeface="+mn-cs"/>
-        </a:defRPr>
-      </a:lvl4pPr>
-      <a:lvl5pPr marL="2057400" indent="-228600" algn="l" defTabSz="914400" rtl="0" eaLnBrk="1" latinLnBrk="0" hangingPunct="1">
-        <a:spcBef>
-          <a:spcPct val="20000"/>
-        </a:spcBef>
-        <a:buFont typeface="Arial" pitchFamily="34" charset="0"/>
-        <a:buChar char="»"/>
-        <a:defRPr sz="2000" kern="1200">
-          <a:solidFill>
-            <a:schemeClr val="tx1"/>
-          </a:solidFill>
-          <a:latin typeface="+mn-lt"/>
-          <a:ea typeface="+mn-ea"/>
-          <a:cs typeface="+mn-cs"/>
-        </a:defRPr>
-      </a:lvl5pPr>
-      <a:lvl6pPr marL="2514600" indent="-228600" algn="l" defTabSz="914400" rtl="0" eaLnBrk="1" latinLnBrk="0" hangingPunct="1">
+      <a:lvl3pPr marL="941946" indent="-188389" algn="l" defTabSz="753557" rtl="0" eaLnBrk="1" latinLnBrk="0" hangingPunct="1">
         <a:spcBef>
           <a:spcPct val="20000"/>
         </a:spcBef>
@@ -3330,14 +3290,59 @@
           <a:ea typeface="+mn-ea"/>
           <a:cs typeface="+mn-cs"/>
         </a:defRPr>
-      </a:lvl6pPr>
-      <a:lvl7pPr marL="2971800" indent="-228600" algn="l" defTabSz="914400" rtl="0" eaLnBrk="1" latinLnBrk="0" hangingPunct="1">
+      </a:lvl3pPr>
+      <a:lvl4pPr marL="1318725" indent="-188389" algn="l" defTabSz="753557" rtl="0" eaLnBrk="1" latinLnBrk="0" hangingPunct="1">
+        <a:spcBef>
+          <a:spcPct val="20000"/>
+        </a:spcBef>
+        <a:buFont typeface="Arial" pitchFamily="34" charset="0"/>
+        <a:buChar char="–"/>
+        <a:defRPr sz="1600" kern="1200">
+          <a:solidFill>
+            <a:schemeClr val="tx1"/>
+          </a:solidFill>
+          <a:latin typeface="+mn-lt"/>
+          <a:ea typeface="+mn-ea"/>
+          <a:cs typeface="+mn-cs"/>
+        </a:defRPr>
+      </a:lvl4pPr>
+      <a:lvl5pPr marL="1695503" indent="-188389" algn="l" defTabSz="753557" rtl="0" eaLnBrk="1" latinLnBrk="0" hangingPunct="1">
+        <a:spcBef>
+          <a:spcPct val="20000"/>
+        </a:spcBef>
+        <a:buFont typeface="Arial" pitchFamily="34" charset="0"/>
+        <a:buChar char="»"/>
+        <a:defRPr sz="1600" kern="1200">
+          <a:solidFill>
+            <a:schemeClr val="tx1"/>
+          </a:solidFill>
+          <a:latin typeface="+mn-lt"/>
+          <a:ea typeface="+mn-ea"/>
+          <a:cs typeface="+mn-cs"/>
+        </a:defRPr>
+      </a:lvl5pPr>
+      <a:lvl6pPr marL="2072282" indent="-188389" algn="l" defTabSz="753557" rtl="0" eaLnBrk="1" latinLnBrk="0" hangingPunct="1">
         <a:spcBef>
           <a:spcPct val="20000"/>
         </a:spcBef>
         <a:buFont typeface="Arial" pitchFamily="34" charset="0"/>
         <a:buChar char="•"/>
-        <a:defRPr sz="2000" kern="1200">
+        <a:defRPr sz="1600" kern="1200">
+          <a:solidFill>
+            <a:schemeClr val="tx1"/>
+          </a:solidFill>
+          <a:latin typeface="+mn-lt"/>
+          <a:ea typeface="+mn-ea"/>
+          <a:cs typeface="+mn-cs"/>
+        </a:defRPr>
+      </a:lvl6pPr>
+      <a:lvl7pPr marL="2449060" indent="-188389" algn="l" defTabSz="753557" rtl="0" eaLnBrk="1" latinLnBrk="0" hangingPunct="1">
+        <a:spcBef>
+          <a:spcPct val="20000"/>
+        </a:spcBef>
+        <a:buFont typeface="Arial" pitchFamily="34" charset="0"/>
+        <a:buChar char="•"/>
+        <a:defRPr sz="1600" kern="1200">
           <a:solidFill>
             <a:schemeClr val="tx1"/>
           </a:solidFill>
@@ -3346,13 +3351,13 @@
           <a:cs typeface="+mn-cs"/>
         </a:defRPr>
       </a:lvl7pPr>
-      <a:lvl8pPr marL="3429000" indent="-228600" algn="l" defTabSz="914400" rtl="0" eaLnBrk="1" latinLnBrk="0" hangingPunct="1">
+      <a:lvl8pPr marL="2825839" indent="-188389" algn="l" defTabSz="753557" rtl="0" eaLnBrk="1" latinLnBrk="0" hangingPunct="1">
         <a:spcBef>
           <a:spcPct val="20000"/>
         </a:spcBef>
         <a:buFont typeface="Arial" pitchFamily="34" charset="0"/>
         <a:buChar char="•"/>
-        <a:defRPr sz="2000" kern="1200">
+        <a:defRPr sz="1600" kern="1200">
           <a:solidFill>
             <a:schemeClr val="tx1"/>
           </a:solidFill>
@@ -3361,13 +3366,13 @@
           <a:cs typeface="+mn-cs"/>
         </a:defRPr>
       </a:lvl8pPr>
-      <a:lvl9pPr marL="3886200" indent="-228600" algn="l" defTabSz="914400" rtl="0" eaLnBrk="1" latinLnBrk="0" hangingPunct="1">
+      <a:lvl9pPr marL="3202617" indent="-188389" algn="l" defTabSz="753557" rtl="0" eaLnBrk="1" latinLnBrk="0" hangingPunct="1">
         <a:spcBef>
           <a:spcPct val="20000"/>
         </a:spcBef>
         <a:buFont typeface="Arial" pitchFamily="34" charset="0"/>
         <a:buChar char="•"/>
-        <a:defRPr sz="2000" kern="1200">
+        <a:defRPr sz="1600" kern="1200">
           <a:solidFill>
             <a:schemeClr val="tx1"/>
           </a:solidFill>
@@ -3381,8 +3386,8 @@
       <a:defPPr>
         <a:defRPr lang="zh-CN"/>
       </a:defPPr>
-      <a:lvl1pPr marL="0" algn="l" defTabSz="914400" rtl="0" eaLnBrk="1" latinLnBrk="0" hangingPunct="1">
-        <a:defRPr sz="1800" kern="1200">
+      <a:lvl1pPr marL="0" algn="l" defTabSz="753557" rtl="0" eaLnBrk="1" latinLnBrk="0" hangingPunct="1">
+        <a:defRPr sz="1500" kern="1200">
           <a:solidFill>
             <a:schemeClr val="tx1"/>
           </a:solidFill>
@@ -3391,8 +3396,8 @@
           <a:cs typeface="+mn-cs"/>
         </a:defRPr>
       </a:lvl1pPr>
-      <a:lvl2pPr marL="457200" algn="l" defTabSz="914400" rtl="0" eaLnBrk="1" latinLnBrk="0" hangingPunct="1">
-        <a:defRPr sz="1800" kern="1200">
+      <a:lvl2pPr marL="376779" algn="l" defTabSz="753557" rtl="0" eaLnBrk="1" latinLnBrk="0" hangingPunct="1">
+        <a:defRPr sz="1500" kern="1200">
           <a:solidFill>
             <a:schemeClr val="tx1"/>
           </a:solidFill>
@@ -3401,8 +3406,8 @@
           <a:cs typeface="+mn-cs"/>
         </a:defRPr>
       </a:lvl2pPr>
-      <a:lvl3pPr marL="914400" algn="l" defTabSz="914400" rtl="0" eaLnBrk="1" latinLnBrk="0" hangingPunct="1">
-        <a:defRPr sz="1800" kern="1200">
+      <a:lvl3pPr marL="753557" algn="l" defTabSz="753557" rtl="0" eaLnBrk="1" latinLnBrk="0" hangingPunct="1">
+        <a:defRPr sz="1500" kern="1200">
           <a:solidFill>
             <a:schemeClr val="tx1"/>
           </a:solidFill>
@@ -3411,8 +3416,8 @@
           <a:cs typeface="+mn-cs"/>
         </a:defRPr>
       </a:lvl3pPr>
-      <a:lvl4pPr marL="1371600" algn="l" defTabSz="914400" rtl="0" eaLnBrk="1" latinLnBrk="0" hangingPunct="1">
-        <a:defRPr sz="1800" kern="1200">
+      <a:lvl4pPr marL="1130336" algn="l" defTabSz="753557" rtl="0" eaLnBrk="1" latinLnBrk="0" hangingPunct="1">
+        <a:defRPr sz="1500" kern="1200">
           <a:solidFill>
             <a:schemeClr val="tx1"/>
           </a:solidFill>
@@ -3421,8 +3426,8 @@
           <a:cs typeface="+mn-cs"/>
         </a:defRPr>
       </a:lvl4pPr>
-      <a:lvl5pPr marL="1828800" algn="l" defTabSz="914400" rtl="0" eaLnBrk="1" latinLnBrk="0" hangingPunct="1">
-        <a:defRPr sz="1800" kern="1200">
+      <a:lvl5pPr marL="1507114" algn="l" defTabSz="753557" rtl="0" eaLnBrk="1" latinLnBrk="0" hangingPunct="1">
+        <a:defRPr sz="1500" kern="1200">
           <a:solidFill>
             <a:schemeClr val="tx1"/>
           </a:solidFill>
@@ -3431,8 +3436,8 @@
           <a:cs typeface="+mn-cs"/>
         </a:defRPr>
       </a:lvl5pPr>
-      <a:lvl6pPr marL="2286000" algn="l" defTabSz="914400" rtl="0" eaLnBrk="1" latinLnBrk="0" hangingPunct="1">
-        <a:defRPr sz="1800" kern="1200">
+      <a:lvl6pPr marL="1883893" algn="l" defTabSz="753557" rtl="0" eaLnBrk="1" latinLnBrk="0" hangingPunct="1">
+        <a:defRPr sz="1500" kern="1200">
           <a:solidFill>
             <a:schemeClr val="tx1"/>
           </a:solidFill>
@@ -3441,8 +3446,8 @@
           <a:cs typeface="+mn-cs"/>
         </a:defRPr>
       </a:lvl6pPr>
-      <a:lvl7pPr marL="2743200" algn="l" defTabSz="914400" rtl="0" eaLnBrk="1" latinLnBrk="0" hangingPunct="1">
-        <a:defRPr sz="1800" kern="1200">
+      <a:lvl7pPr marL="2260671" algn="l" defTabSz="753557" rtl="0" eaLnBrk="1" latinLnBrk="0" hangingPunct="1">
+        <a:defRPr sz="1500" kern="1200">
           <a:solidFill>
             <a:schemeClr val="tx1"/>
           </a:solidFill>
@@ -3451,8 +3456,8 @@
           <a:cs typeface="+mn-cs"/>
         </a:defRPr>
       </a:lvl7pPr>
-      <a:lvl8pPr marL="3200400" algn="l" defTabSz="914400" rtl="0" eaLnBrk="1" latinLnBrk="0" hangingPunct="1">
-        <a:defRPr sz="1800" kern="1200">
+      <a:lvl8pPr marL="2637450" algn="l" defTabSz="753557" rtl="0" eaLnBrk="1" latinLnBrk="0" hangingPunct="1">
+        <a:defRPr sz="1500" kern="1200">
           <a:solidFill>
             <a:schemeClr val="tx1"/>
           </a:solidFill>
@@ -3461,8 +3466,8 @@
           <a:cs typeface="+mn-cs"/>
         </a:defRPr>
       </a:lvl8pPr>
-      <a:lvl9pPr marL="3657600" algn="l" defTabSz="914400" rtl="0" eaLnBrk="1" latinLnBrk="0" hangingPunct="1">
-        <a:defRPr sz="1800" kern="1200">
+      <a:lvl9pPr marL="3014228" algn="l" defTabSz="753557" rtl="0" eaLnBrk="1" latinLnBrk="0" hangingPunct="1">
+        <a:defRPr sz="1500" kern="1200">
           <a:solidFill>
             <a:schemeClr val="tx1"/>
           </a:solidFill>
@@ -3501,8 +3506,8 @@
         </p:nvSpPr>
         <p:spPr>
           <a:xfrm>
-            <a:off x="3237686" y="1357298"/>
-            <a:ext cx="1500198" cy="557347"/>
+            <a:off x="2075636" y="701660"/>
+            <a:ext cx="1743062" cy="672473"/>
           </a:xfrm>
           <a:prstGeom prst="roundRect">
             <a:avLst/>
@@ -3536,12 +3541,12 @@
           </a:fontRef>
         </p:style>
         <p:txBody>
-          <a:bodyPr rtlCol="0" anchor="ctr"/>
+          <a:bodyPr lIns="75356" tIns="37678" rIns="75356" bIns="37678" rtlCol="0" anchor="ctr"/>
           <a:lstStyle/>
           <a:p>
             <a:pPr algn="ctr"/>
             <a:r>
-              <a:rPr lang="zh-CN" altLang="en-US" dirty="0" smtClean="0">
+              <a:rPr lang="zh-CN" altLang="en-US" sz="1800" dirty="0" smtClean="0">
                 <a:solidFill>
                   <a:schemeClr val="tx1"/>
                 </a:solidFill>
@@ -3549,7 +3554,7 @@
               </a:rPr>
               <a:t>自然语言</a:t>
             </a:r>
-            <a:endParaRPr lang="en-US" altLang="zh-CN" dirty="0" smtClean="0">
+            <a:endParaRPr lang="en-US" altLang="zh-CN" sz="1800" dirty="0" smtClean="0">
               <a:solidFill>
                 <a:schemeClr val="tx1"/>
               </a:solidFill>
@@ -3559,7 +3564,7 @@
           <a:p>
             <a:pPr algn="ctr"/>
             <a:r>
-              <a:rPr lang="zh-CN" altLang="en-US" dirty="0" smtClean="0">
+              <a:rPr lang="zh-CN" altLang="en-US" sz="1800" dirty="0" smtClean="0">
                 <a:solidFill>
                   <a:schemeClr val="tx1"/>
                 </a:solidFill>
@@ -3567,7 +3572,7 @@
               </a:rPr>
               <a:t>查询语句</a:t>
             </a:r>
-            <a:endParaRPr lang="zh-CN" altLang="en-US" dirty="0">
+            <a:endParaRPr lang="zh-CN" altLang="en-US" sz="1800" dirty="0">
               <a:solidFill>
                 <a:schemeClr val="tx1"/>
               </a:solidFill>
@@ -3593,8 +3598,8 @@
         </p:blipFill>
         <p:spPr bwMode="auto">
           <a:xfrm>
-            <a:off x="1023108" y="2714620"/>
-            <a:ext cx="2019016" cy="1214446"/>
+            <a:off x="3934" y="2273296"/>
+            <a:ext cx="1657754" cy="1007540"/>
           </a:xfrm>
           <a:prstGeom prst="rect">
             <a:avLst/>
@@ -3617,8 +3622,8 @@
         </p:nvSpPr>
         <p:spPr>
           <a:xfrm>
-            <a:off x="7546943" y="1285860"/>
-            <a:ext cx="1357322" cy="785818"/>
+            <a:off x="6142346" y="558784"/>
+            <a:ext cx="1532563" cy="802752"/>
           </a:xfrm>
           <a:prstGeom prst="rect">
             <a:avLst/>
@@ -3649,12 +3654,12 @@
           </a:fontRef>
         </p:style>
         <p:txBody>
-          <a:bodyPr rtlCol="0" anchor="ctr"/>
+          <a:bodyPr lIns="75356" tIns="37678" rIns="75356" bIns="37678" rtlCol="0" anchor="ctr"/>
           <a:lstStyle/>
           <a:p>
             <a:pPr algn="ctr"/>
             <a:r>
-              <a:rPr lang="zh-CN" altLang="en-US" dirty="0" smtClean="0">
+              <a:rPr lang="zh-CN" altLang="en-US" sz="1800" dirty="0" smtClean="0">
                 <a:solidFill>
                   <a:schemeClr val="tx1"/>
                 </a:solidFill>
@@ -3672,8 +3677,8 @@
         </p:nvSpPr>
         <p:spPr>
           <a:xfrm>
-            <a:off x="7546943" y="2428868"/>
-            <a:ext cx="1357322" cy="785818"/>
+            <a:off x="6142346" y="1844668"/>
+            <a:ext cx="1532563" cy="802800"/>
           </a:xfrm>
           <a:prstGeom prst="rect">
             <a:avLst/>
@@ -3704,12 +3709,12 @@
           </a:fontRef>
         </p:style>
         <p:txBody>
-          <a:bodyPr rtlCol="0" anchor="ctr"/>
+          <a:bodyPr lIns="75356" tIns="37678" rIns="75356" bIns="37678" rtlCol="0" anchor="ctr"/>
           <a:lstStyle/>
           <a:p>
             <a:pPr algn="ctr"/>
             <a:r>
-              <a:rPr lang="zh-CN" altLang="en-US" dirty="0" smtClean="0">
+              <a:rPr lang="zh-CN" altLang="en-US" sz="1800" dirty="0" smtClean="0">
                 <a:solidFill>
                   <a:schemeClr val="tx1"/>
                 </a:solidFill>
@@ -3727,8 +3732,8 @@
         </p:nvSpPr>
         <p:spPr>
           <a:xfrm>
-            <a:off x="7546943" y="3571876"/>
-            <a:ext cx="1357322" cy="785818"/>
+            <a:off x="6142346" y="3059114"/>
+            <a:ext cx="1532563" cy="802800"/>
           </a:xfrm>
           <a:prstGeom prst="rect">
             <a:avLst/>
@@ -3759,12 +3764,12 @@
           </a:fontRef>
         </p:style>
         <p:txBody>
-          <a:bodyPr rtlCol="0" anchor="ctr"/>
+          <a:bodyPr lIns="75356" tIns="37678" rIns="75356" bIns="37678" rtlCol="0" anchor="ctr"/>
           <a:lstStyle/>
           <a:p>
             <a:pPr algn="ctr"/>
             <a:r>
-              <a:rPr lang="zh-CN" altLang="en-US" dirty="0" smtClean="0">
+              <a:rPr lang="zh-CN" altLang="en-US" sz="1800" dirty="0" smtClean="0">
                 <a:solidFill>
                   <a:schemeClr val="tx1"/>
                 </a:solidFill>
@@ -3782,8 +3787,8 @@
         </p:nvSpPr>
         <p:spPr>
           <a:xfrm>
-            <a:off x="7546943" y="4786322"/>
-            <a:ext cx="1357322" cy="785818"/>
+            <a:off x="6142346" y="4273560"/>
+            <a:ext cx="1532563" cy="802800"/>
           </a:xfrm>
           <a:prstGeom prst="rect">
             <a:avLst/>
@@ -3814,12 +3819,12 @@
           </a:fontRef>
         </p:style>
         <p:txBody>
-          <a:bodyPr rtlCol="0" anchor="ctr"/>
+          <a:bodyPr lIns="75356" tIns="37678" rIns="75356" bIns="37678" rtlCol="0" anchor="ctr"/>
           <a:lstStyle/>
           <a:p>
             <a:pPr algn="ctr"/>
             <a:r>
-              <a:rPr lang="zh-CN" altLang="en-US" dirty="0" smtClean="0">
+              <a:rPr lang="zh-CN" altLang="en-US" sz="1800" dirty="0" smtClean="0">
                 <a:solidFill>
                   <a:schemeClr val="tx1"/>
                 </a:solidFill>
@@ -3837,8 +3842,8 @@
         </p:nvSpPr>
         <p:spPr>
           <a:xfrm>
-            <a:off x="5666578" y="2500306"/>
-            <a:ext cx="785818" cy="1714512"/>
+            <a:off x="4290214" y="2049986"/>
+            <a:ext cx="1066314" cy="1652070"/>
           </a:xfrm>
           <a:prstGeom prst="rect">
             <a:avLst/>
@@ -3869,25 +3874,17 @@
           </a:fontRef>
         </p:style>
         <p:txBody>
-          <a:bodyPr rtlCol="0" anchor="ctr"/>
+          <a:bodyPr lIns="75356" tIns="37678" rIns="75356" bIns="37678" rtlCol="0" anchor="ctr"/>
           <a:lstStyle/>
           <a:p>
             <a:pPr algn="ctr"/>
             <a:r>
-              <a:rPr lang="zh-CN" altLang="en-US" dirty="0" smtClean="0">
+              <a:rPr lang="zh-CN" altLang="en-US" sz="1800" dirty="0" smtClean="0">
                 <a:solidFill>
                   <a:schemeClr val="tx1"/>
                 </a:solidFill>
               </a:rPr>
-              <a:t>意图交互</a:t>
-            </a:r>
-            <a:r>
-              <a:rPr lang="zh-CN" altLang="en-US" dirty="0" smtClean="0">
-                <a:solidFill>
-                  <a:schemeClr val="tx1"/>
-                </a:solidFill>
-              </a:rPr>
-              <a:t>模块</a:t>
+              <a:t>意图交互模块</a:t>
             </a:r>
           </a:p>
         </p:txBody>
@@ -3900,8 +3897,8 @@
         </p:nvSpPr>
         <p:spPr>
           <a:xfrm>
-            <a:off x="9881420" y="2786058"/>
-            <a:ext cx="1071570" cy="1214446"/>
+            <a:off x="9053982" y="2267186"/>
+            <a:ext cx="879834" cy="1007540"/>
           </a:xfrm>
           <a:prstGeom prst="can">
             <a:avLst/>
@@ -3938,19 +3935,19 @@
           </a:fontRef>
         </p:style>
         <p:txBody>
-          <a:bodyPr rtlCol="0" anchor="ctr"/>
+          <a:bodyPr lIns="75356" tIns="37678" rIns="75356" bIns="37678" rtlCol="0" anchor="ctr"/>
           <a:lstStyle/>
           <a:p>
             <a:pPr algn="ctr"/>
             <a:r>
-              <a:rPr lang="zh-CN" altLang="en-US" dirty="0" smtClean="0">
+              <a:rPr lang="zh-CN" altLang="en-US" sz="1800" dirty="0" smtClean="0">
                 <a:solidFill>
                   <a:schemeClr val="tx1"/>
                 </a:solidFill>
               </a:rPr>
               <a:t>业务</a:t>
             </a:r>
-            <a:endParaRPr lang="en-US" altLang="zh-CN" dirty="0" smtClean="0">
+            <a:endParaRPr lang="en-US" altLang="zh-CN" sz="1800" dirty="0" smtClean="0">
               <a:solidFill>
                 <a:schemeClr val="tx1"/>
               </a:solidFill>
@@ -3959,18 +3956,13 @@
           <a:p>
             <a:pPr algn="ctr"/>
             <a:r>
-              <a:rPr lang="zh-CN" altLang="en-US" dirty="0" smtClean="0">
+              <a:rPr lang="zh-CN" altLang="en-US" sz="1800" dirty="0" smtClean="0">
                 <a:solidFill>
                   <a:schemeClr val="tx1"/>
                 </a:solidFill>
               </a:rPr>
               <a:t>数据库</a:t>
             </a:r>
-            <a:endParaRPr lang="zh-CN" altLang="en-US" dirty="0" smtClean="0">
-              <a:solidFill>
-                <a:schemeClr val="tx1"/>
-              </a:solidFill>
-            </a:endParaRPr>
           </a:p>
         </p:txBody>
       </p:sp>
@@ -3985,8 +3977,8 @@
         </p:nvCxnSpPr>
         <p:spPr>
           <a:xfrm rot="5400000">
-            <a:off x="8047009" y="2250273"/>
-            <a:ext cx="357190" cy="1588"/>
+            <a:off x="6667062" y="1603102"/>
+            <a:ext cx="483132" cy="1588"/>
           </a:xfrm>
           <a:prstGeom prst="straightConnector1">
             <a:avLst/>
@@ -4027,8 +4019,8 @@
         </p:nvCxnSpPr>
         <p:spPr>
           <a:xfrm rot="5400000">
-            <a:off x="8047009" y="3393281"/>
-            <a:ext cx="357190" cy="1588"/>
+            <a:off x="6702805" y="2853291"/>
+            <a:ext cx="411646" cy="1588"/>
           </a:xfrm>
           <a:prstGeom prst="straightConnector1">
             <a:avLst/>
@@ -4069,8 +4061,8 @@
         </p:nvCxnSpPr>
         <p:spPr>
           <a:xfrm rot="5400000">
-            <a:off x="8011290" y="4572008"/>
-            <a:ext cx="428628" cy="1588"/>
+            <a:off x="6702805" y="4067737"/>
+            <a:ext cx="411646" cy="1588"/>
           </a:xfrm>
           <a:prstGeom prst="straightConnector1">
             <a:avLst/>
@@ -4103,16 +4095,13 @@
       <p:cxnSp>
         <p:nvCxnSpPr>
           <p:cNvPr id="16" name="肘形连接符 15"/>
-          <p:cNvCxnSpPr>
-            <a:stCxn id="11" idx="3"/>
-            <a:endCxn id="8" idx="1"/>
-          </p:cNvCxnSpPr>
+          <p:cNvCxnSpPr/>
           <p:nvPr/>
         </p:nvCxnSpPr>
         <p:spPr>
           <a:xfrm flipV="1">
-            <a:off x="6452396" y="2821777"/>
-            <a:ext cx="1094547" cy="535785"/>
+            <a:off x="5356528" y="2184397"/>
+            <a:ext cx="785818" cy="588965"/>
           </a:xfrm>
           <a:prstGeom prst="bentConnector3">
             <a:avLst>
@@ -4148,16 +4137,13 @@
       <p:cxnSp>
         <p:nvCxnSpPr>
           <p:cNvPr id="17" name="肘形连接符 16"/>
-          <p:cNvCxnSpPr>
-            <a:stCxn id="11" idx="3"/>
-            <a:endCxn id="9" idx="1"/>
-          </p:cNvCxnSpPr>
+          <p:cNvCxnSpPr/>
           <p:nvPr/>
         </p:nvCxnSpPr>
         <p:spPr>
           <a:xfrm>
-            <a:off x="6452396" y="3357562"/>
-            <a:ext cx="1094547" cy="607223"/>
+            <a:off x="5356528" y="2773362"/>
+            <a:ext cx="785818" cy="642942"/>
           </a:xfrm>
           <a:prstGeom prst="bentConnector3">
             <a:avLst>
@@ -4195,18 +4181,17 @@
           <p:cNvPr id="18" name="肘形连接符 17"/>
           <p:cNvCxnSpPr>
             <a:stCxn id="12" idx="2"/>
-            <a:endCxn id="8" idx="3"/>
           </p:cNvCxnSpPr>
           <p:nvPr/>
         </p:nvCxnSpPr>
         <p:spPr>
           <a:xfrm rot="10800000">
-            <a:off x="8904266" y="2821777"/>
-            <a:ext cx="977155" cy="571504"/>
+            <a:off x="7674910" y="2201858"/>
+            <a:ext cx="1379073" cy="569098"/>
           </a:xfrm>
           <a:prstGeom prst="bentConnector3">
             <a:avLst>
-              <a:gd name="adj1" fmla="val 50000"/>
+              <a:gd name="adj1" fmla="val 72102"/>
             </a:avLst>
           </a:prstGeom>
           <a:ln w="22225">
@@ -4239,18 +4224,17 @@
           <p:cNvPr id="19" name="肘形连接符 18"/>
           <p:cNvCxnSpPr>
             <a:stCxn id="12" idx="2"/>
-            <a:endCxn id="9" idx="3"/>
           </p:cNvCxnSpPr>
           <p:nvPr/>
         </p:nvCxnSpPr>
         <p:spPr>
           <a:xfrm rot="10800000" flipV="1">
-            <a:off x="8904266" y="3393281"/>
-            <a:ext cx="977155" cy="571504"/>
+            <a:off x="7674910" y="2770956"/>
+            <a:ext cx="1379073" cy="645348"/>
           </a:xfrm>
           <a:prstGeom prst="bentConnector3">
             <a:avLst>
-              <a:gd name="adj1" fmla="val 50000"/>
+              <a:gd name="adj1" fmla="val 72102"/>
             </a:avLst>
           </a:prstGeom>
           <a:ln w="22225">
@@ -4278,49 +4262,6 @@
           </a:fontRef>
         </p:style>
       </p:cxnSp>
-      <p:cxnSp>
-        <p:nvCxnSpPr>
-          <p:cNvPr id="22" name="直接箭头连接符 21"/>
-          <p:cNvCxnSpPr>
-            <a:stCxn id="37" idx="3"/>
-            <a:endCxn id="11" idx="1"/>
-          </p:cNvCxnSpPr>
-          <p:nvPr/>
-        </p:nvCxnSpPr>
-        <p:spPr>
-          <a:xfrm>
-            <a:off x="4761686" y="3350484"/>
-            <a:ext cx="904892" cy="7078"/>
-          </a:xfrm>
-          <a:prstGeom prst="straightConnector1">
-            <a:avLst/>
-          </a:prstGeom>
-          <a:ln w="22225">
-            <a:solidFill>
-              <a:schemeClr val="tx1">
-                <a:lumMod val="85000"/>
-                <a:lumOff val="15000"/>
-              </a:schemeClr>
-            </a:solidFill>
-            <a:headEnd type="triangle" w="lg" len="lg"/>
-            <a:tailEnd type="triangle" w="lg" len="lg"/>
-          </a:ln>
-        </p:spPr>
-        <p:style>
-          <a:lnRef idx="1">
-            <a:schemeClr val="accent1"/>
-          </a:lnRef>
-          <a:fillRef idx="0">
-            <a:schemeClr val="accent1"/>
-          </a:fillRef>
-          <a:effectRef idx="0">
-            <a:schemeClr val="accent1"/>
-          </a:effectRef>
-          <a:fontRef idx="minor">
-            <a:schemeClr val="tx1"/>
-          </a:fontRef>
-        </p:style>
-      </p:cxnSp>
       <p:sp>
         <p:nvSpPr>
           <p:cNvPr id="36" name="圆角矩形 35"/>
@@ -4329,8 +4270,8 @@
         </p:nvSpPr>
         <p:spPr>
           <a:xfrm>
-            <a:off x="3285322" y="4871917"/>
-            <a:ext cx="1524000" cy="557347"/>
+            <a:off x="2075637" y="4257155"/>
+            <a:ext cx="1714511" cy="659347"/>
           </a:xfrm>
           <a:prstGeom prst="roundRect">
             <a:avLst/>
@@ -4359,12 +4300,12 @@
           </a:fontRef>
         </p:style>
         <p:txBody>
-          <a:bodyPr rtlCol="0" anchor="ctr"/>
+          <a:bodyPr lIns="75356" tIns="37678" rIns="75356" bIns="37678" rtlCol="0" anchor="ctr"/>
           <a:lstStyle/>
           <a:p>
             <a:pPr algn="ctr"/>
             <a:r>
-              <a:rPr lang="en-US" altLang="zh-CN" dirty="0" smtClean="0">
+              <a:rPr lang="en-US" altLang="zh-CN" sz="1800" dirty="0" smtClean="0">
                 <a:solidFill>
                   <a:schemeClr val="tx1"/>
                 </a:solidFill>
@@ -4373,7 +4314,7 @@
               <a:t>SQL</a:t>
             </a:r>
             <a:r>
-              <a:rPr lang="zh-CN" altLang="en-US" dirty="0" smtClean="0">
+              <a:rPr lang="zh-CN" altLang="en-US" sz="1800" dirty="0" smtClean="0">
                 <a:solidFill>
                   <a:schemeClr val="tx1"/>
                 </a:solidFill>
@@ -4381,7 +4322,7 @@
               </a:rPr>
               <a:t>查询语句</a:t>
             </a:r>
-            <a:endParaRPr lang="zh-CN" altLang="en-US" dirty="0">
+            <a:endParaRPr lang="zh-CN" altLang="en-US" sz="1800" dirty="0">
               <a:solidFill>
                 <a:schemeClr val="tx1"/>
               </a:solidFill>
@@ -4398,8 +4339,8 @@
         </p:nvSpPr>
         <p:spPr>
           <a:xfrm>
-            <a:off x="3237686" y="3071810"/>
-            <a:ext cx="1524000" cy="557347"/>
+            <a:off x="2075637" y="2464429"/>
+            <a:ext cx="1762606" cy="666123"/>
           </a:xfrm>
           <a:prstGeom prst="roundRect">
             <a:avLst/>
@@ -4433,12 +4374,12 @@
           </a:fontRef>
         </p:style>
         <p:txBody>
-          <a:bodyPr rtlCol="0" anchor="ctr"/>
+          <a:bodyPr lIns="75356" tIns="37678" rIns="75356" bIns="37678" rtlCol="0" anchor="ctr"/>
           <a:lstStyle/>
           <a:p>
             <a:pPr algn="ctr"/>
             <a:r>
-              <a:rPr lang="zh-CN" altLang="en-US" dirty="0" smtClean="0">
+              <a:rPr lang="zh-CN" altLang="en-US" sz="1800" dirty="0" smtClean="0">
                 <a:solidFill>
                   <a:schemeClr val="tx1"/>
                 </a:solidFill>
@@ -4446,7 +4387,7 @@
               </a:rPr>
               <a:t>意图交互</a:t>
             </a:r>
-            <a:endParaRPr lang="en-US" altLang="zh-CN" dirty="0" smtClean="0">
+            <a:endParaRPr lang="en-US" altLang="zh-CN" sz="1800" dirty="0" smtClean="0">
               <a:solidFill>
                 <a:schemeClr val="tx1"/>
               </a:solidFill>
@@ -4456,7 +4397,7 @@
           <a:p>
             <a:pPr algn="ctr"/>
             <a:r>
-              <a:rPr lang="zh-CN" altLang="en-US" dirty="0" smtClean="0">
+              <a:rPr lang="zh-CN" altLang="en-US" sz="1800" dirty="0" smtClean="0">
                 <a:solidFill>
                   <a:schemeClr val="tx1"/>
                 </a:solidFill>
@@ -4464,7 +4405,7 @@
               </a:rPr>
               <a:t>信息</a:t>
             </a:r>
-            <a:endParaRPr lang="zh-CN" altLang="en-US" dirty="0">
+            <a:endParaRPr lang="zh-CN" altLang="en-US" sz="1800" dirty="0">
               <a:solidFill>
                 <a:schemeClr val="tx1"/>
               </a:solidFill>
@@ -4481,8 +4422,8 @@
         </p:nvCxnSpPr>
         <p:spPr>
           <a:xfrm>
-            <a:off x="4737884" y="1643050"/>
-            <a:ext cx="2786082" cy="1588"/>
+            <a:off x="3818698" y="987412"/>
+            <a:ext cx="2340000" cy="1588"/>
           </a:xfrm>
           <a:prstGeom prst="straightConnector1">
             <a:avLst/>
@@ -4521,8 +4462,8 @@
         </p:nvCxnSpPr>
         <p:spPr>
           <a:xfrm>
-            <a:off x="4809322" y="5143512"/>
-            <a:ext cx="2714644" cy="1588"/>
+            <a:off x="3769354" y="4630750"/>
+            <a:ext cx="2376000" cy="1588"/>
           </a:xfrm>
           <a:prstGeom prst="straightConnector1">
             <a:avLst/>
@@ -4563,50 +4504,8 @@
         </p:nvCxnSpPr>
         <p:spPr>
           <a:xfrm rot="5400000" flipH="1" flipV="1">
-            <a:off x="2305453" y="2139577"/>
-            <a:ext cx="1435838" cy="428628"/>
-          </a:xfrm>
-          <a:prstGeom prst="straightConnector1">
-            <a:avLst/>
-          </a:prstGeom>
-          <a:ln w="22225">
-            <a:solidFill>
-              <a:schemeClr val="tx1">
-                <a:lumMod val="85000"/>
-                <a:lumOff val="15000"/>
-              </a:schemeClr>
-            </a:solidFill>
-            <a:headEnd type="none" w="lg" len="lg"/>
-            <a:tailEnd type="triangle" w="lg" len="lg"/>
-          </a:ln>
-        </p:spPr>
-        <p:style>
-          <a:lnRef idx="1">
-            <a:schemeClr val="accent1"/>
-          </a:lnRef>
-          <a:fillRef idx="0">
-            <a:schemeClr val="accent1"/>
-          </a:fillRef>
-          <a:effectRef idx="0">
-            <a:schemeClr val="accent1"/>
-          </a:effectRef>
-          <a:fontRef idx="minor">
-            <a:schemeClr val="tx1"/>
-          </a:fontRef>
-        </p:style>
-      </p:cxnSp>
-      <p:cxnSp>
-        <p:nvCxnSpPr>
-          <p:cNvPr id="32" name="直接箭头连接符 31"/>
-          <p:cNvCxnSpPr>
-            <a:endCxn id="37" idx="1"/>
-          </p:cNvCxnSpPr>
-          <p:nvPr/>
-        </p:nvCxnSpPr>
-        <p:spPr>
-          <a:xfrm>
-            <a:off x="2809058" y="3293202"/>
-            <a:ext cx="428628" cy="57282"/>
+            <a:off x="993591" y="1262689"/>
+            <a:ext cx="1306837" cy="857254"/>
           </a:xfrm>
           <a:prstGeom prst="straightConnector1">
             <a:avLst/>
@@ -4647,8 +4546,8 @@
         </p:nvCxnSpPr>
         <p:spPr>
           <a:xfrm rot="16200000" flipH="1">
-            <a:off x="2261372" y="4126640"/>
-            <a:ext cx="1571637" cy="476264"/>
+            <a:off x="1026027" y="3537218"/>
+            <a:ext cx="1241963" cy="857257"/>
           </a:xfrm>
           <a:prstGeom prst="straightConnector1">
             <a:avLst/>
@@ -4679,6 +4578,116 @@
           </a:fontRef>
         </p:style>
       </p:cxnSp>
+      <p:cxnSp>
+        <p:nvCxnSpPr>
+          <p:cNvPr id="22" name="直接箭头连接符 21"/>
+          <p:cNvCxnSpPr/>
+          <p:nvPr/>
+        </p:nvCxnSpPr>
+        <p:spPr>
+          <a:xfrm>
+            <a:off x="3822214" y="2773362"/>
+            <a:ext cx="468000" cy="1588"/>
+          </a:xfrm>
+          <a:prstGeom prst="straightConnector1">
+            <a:avLst/>
+          </a:prstGeom>
+          <a:ln w="22225">
+            <a:solidFill>
+              <a:schemeClr val="tx1">
+                <a:lumMod val="85000"/>
+                <a:lumOff val="15000"/>
+              </a:schemeClr>
+            </a:solidFill>
+            <a:headEnd type="triangle" w="lg" len="lg"/>
+            <a:tailEnd type="triangle" w="lg" len="lg"/>
+          </a:ln>
+        </p:spPr>
+        <p:style>
+          <a:lnRef idx="1">
+            <a:schemeClr val="accent1"/>
+          </a:lnRef>
+          <a:fillRef idx="0">
+            <a:schemeClr val="accent1"/>
+          </a:fillRef>
+          <a:effectRef idx="0">
+            <a:schemeClr val="accent1"/>
+          </a:effectRef>
+          <a:fontRef idx="minor">
+            <a:schemeClr val="tx1"/>
+          </a:fontRef>
+        </p:style>
+      </p:cxnSp>
+      <p:cxnSp>
+        <p:nvCxnSpPr>
+          <p:cNvPr id="81" name="直接箭头连接符 80"/>
+          <p:cNvCxnSpPr/>
+          <p:nvPr/>
+        </p:nvCxnSpPr>
+        <p:spPr>
+          <a:xfrm>
+            <a:off x="1499636" y="2773362"/>
+            <a:ext cx="576000" cy="1588"/>
+          </a:xfrm>
+          <a:prstGeom prst="straightConnector1">
+            <a:avLst/>
+          </a:prstGeom>
+          <a:ln w="22225">
+            <a:solidFill>
+              <a:schemeClr val="tx1">
+                <a:lumMod val="85000"/>
+                <a:lumOff val="15000"/>
+              </a:schemeClr>
+            </a:solidFill>
+            <a:headEnd type="none" w="lg" len="lg"/>
+            <a:tailEnd type="triangle" w="lg" len="lg"/>
+          </a:ln>
+        </p:spPr>
+        <p:style>
+          <a:lnRef idx="1">
+            <a:schemeClr val="accent1"/>
+          </a:lnRef>
+          <a:fillRef idx="0">
+            <a:schemeClr val="accent1"/>
+          </a:fillRef>
+          <a:effectRef idx="0">
+            <a:schemeClr val="accent1"/>
+          </a:effectRef>
+          <a:fontRef idx="minor">
+            <a:schemeClr val="tx1"/>
+          </a:fontRef>
+        </p:style>
+      </p:cxnSp>
+      <p:sp>
+        <p:nvSpPr>
+          <p:cNvPr id="88" name="TextBox 87"/>
+          <p:cNvSpPr txBox="1"/>
+          <p:nvPr/>
+        </p:nvSpPr>
+        <p:spPr>
+          <a:xfrm>
+            <a:off x="8004990" y="2443400"/>
+            <a:ext cx="1082348" cy="307777"/>
+          </a:xfrm>
+          <a:prstGeom prst="rect">
+            <a:avLst/>
+          </a:prstGeom>
+          <a:noFill/>
+        </p:spPr>
+        <p:txBody>
+          <a:bodyPr wrap="none" rtlCol="0">
+            <a:spAutoFit/>
+          </a:bodyPr>
+          <a:lstStyle/>
+          <a:p>
+            <a:r>
+              <a:rPr lang="zh-CN" altLang="en-US" sz="1400" dirty="0" smtClean="0"/>
+              <a:t>数据库模式</a:t>
+            </a:r>
+            <a:endParaRPr lang="zh-CN" altLang="en-US" sz="1400" dirty="0"/>
+          </a:p>
+        </p:txBody>
+      </p:sp>
     </p:spTree>
   </p:cSld>
   <p:clrMapOvr>
